--- a/solutions/aws/cloud/onpremise-to-cloud-migration/delivery/closeout-presentation.pptx
+++ b/solutions/aws/cloud/onpremise-to-cloud-migration/delivery/closeout-presentation.pptx
@@ -3895,7 +3895,7 @@
                     <a:lstStyle/>
                     <a:p>
                       <a:r>
-                        <a:rPr sz="1100"/>
+                        <a:rPr b="1" sz="1100"/>
                         <a:t>Monitoring</a:t>
                       </a:r>
                     </a:p>
@@ -3912,7 +3912,7 @@
                     <a:lstStyle/>
                     <a:p>
                       <a:r>
-                        <a:rPr sz="1100"/>
+                        <a:rPr b="1" sz="1100"/>
                         <a:t>CloudWatch, X-Ray</a:t>
                       </a:r>
                     </a:p>
@@ -3929,7 +3929,7 @@
                     <a:lstStyle/>
                     <a:p>
                       <a:r>
-                        <a:rPr sz="1100"/>
+                        <a:rPr b="1" sz="1100"/>
                         <a:t>Observability</a:t>
                       </a:r>
                     </a:p>
@@ -3946,7 +3946,7 @@
                     <a:lstStyle/>
                     <a:p>
                       <a:r>
-                        <a:rPr sz="1100"/>
+                        <a:rPr b="1" sz="1100"/>
                         <a:t>[Dashboards, alerts]</a:t>
                       </a:r>
                     </a:p>
@@ -4756,7 +4756,7 @@
                     <a:lstStyle/>
                     <a:p>
                       <a:r>
-                        <a:rPr sz="1100"/>
+                        <a:rPr b="1" sz="1100"/>
                         <a:t>Productivity Gains</a:t>
                       </a:r>
                     </a:p>
@@ -4773,7 +4773,7 @@
                     <a:lstStyle/>
                     <a:p>
                       <a:r>
-                        <a:rPr sz="1100"/>
+                        <a:rPr b="1" sz="1100"/>
                         <a:t>[Target $]</a:t>
                       </a:r>
                     </a:p>
@@ -4790,7 +4790,7 @@
                     <a:lstStyle/>
                     <a:p>
                       <a:r>
-                        <a:rPr sz="1100"/>
+                        <a:rPr b="1" sz="1100"/>
                         <a:t>[Actual $]</a:t>
                       </a:r>
                     </a:p>
@@ -4807,7 +4807,7 @@
                     <a:lstStyle/>
                     <a:p>
                       <a:r>
-                        <a:rPr sz="1100"/>
+                        <a:rPr b="1" sz="1100"/>
                         <a:t>[Efficiency improvements]</a:t>
                       </a:r>
                     </a:p>
@@ -4824,7 +4824,7 @@
                     <a:lstStyle/>
                     <a:p>
                       <a:r>
-                        <a:rPr sz="1100"/>
+                        <a:rPr b="1" sz="1100"/>
                         <a:t>[3 months]</a:t>
                       </a:r>
                     </a:p>
@@ -5954,7 +5954,7 @@
                     <a:lstStyle/>
                     <a:p>
                       <a:r>
-                        <a:rPr sz="1100"/>
+                        <a:rPr b="1" sz="1100"/>
                         <a:t>Change Management Resistance</a:t>
                       </a:r>
                     </a:p>
@@ -5971,7 +5971,7 @@
                     <a:lstStyle/>
                     <a:p>
                       <a:r>
-                        <a:rPr sz="1100"/>
+                        <a:rPr b="1" sz="1100"/>
                         <a:t>[User adoption]</a:t>
                       </a:r>
                     </a:p>
@@ -5988,7 +5988,7 @@
                     <a:lstStyle/>
                     <a:p>
                       <a:r>
-                        <a:rPr sz="1100"/>
+                        <a:rPr b="1" sz="1100"/>
                         <a:t>[Enhanced training and communication]</a:t>
                       </a:r>
                     </a:p>
@@ -6005,7 +6005,7 @@
                     <a:lstStyle/>
                     <a:p>
                       <a:r>
-                        <a:rPr sz="1100"/>
+                        <a:rPr b="1" sz="1100"/>
                         <a:t>[Early engagement strategy]</a:t>
                       </a:r>
                     </a:p>
@@ -7067,7 +7067,7 @@
                     <a:lstStyle/>
                     <a:p>
                       <a:r>
-                        <a:rPr sz="1100"/>
+                        <a:rPr b="1" sz="1100"/>
                         <a:t>AI/ML Service Integration</a:t>
                       </a:r>
                     </a:p>
@@ -7084,7 +7084,7 @@
                     <a:lstStyle/>
                     <a:p>
                       <a:r>
-                        <a:rPr sz="1100"/>
+                        <a:rPr b="1" sz="1100"/>
                         <a:t>[Innovation]</a:t>
                       </a:r>
                     </a:p>
@@ -7101,7 +7101,7 @@
                     <a:lstStyle/>
                     <a:p>
                       <a:r>
-                        <a:rPr sz="1100"/>
+                        <a:rPr b="1" sz="1100"/>
                         <a:t>[Medium]</a:t>
                       </a:r>
                     </a:p>
@@ -7118,7 +7118,7 @@
                     <a:lstStyle/>
                     <a:p>
                       <a:r>
-                        <a:rPr sz="1100"/>
+                        <a:rPr b="1" sz="1100"/>
                         <a:t>[9 months]</a:t>
                       </a:r>
                     </a:p>
@@ -7135,7 +7135,7 @@
                     <a:lstStyle/>
                     <a:p>
                       <a:r>
-                        <a:rPr sz="1100"/>
+                        <a:rPr b="1" sz="1100"/>
                         <a:t>[Medium]</a:t>
                       </a:r>
                     </a:p>
@@ -9228,7 +9228,7 @@
                     <a:lstStyle/>
                     <a:p>
                       <a:r>
-                        <a:rPr sz="1100"/>
+                        <a:rPr b="1" sz="1100"/>
                         <a:t>AWS Services Deployed</a:t>
                       </a:r>
                     </a:p>
@@ -9245,7 +9245,7 @@
                     <a:lstStyle/>
                     <a:p>
                       <a:r>
-                        <a:rPr sz="1100"/>
+                        <a:rPr b="1" sz="1100"/>
                         <a:t>[Services planned]</a:t>
                       </a:r>
                     </a:p>
@@ -9262,7 +9262,7 @@
                     <a:lstStyle/>
                     <a:p>
                       <a:r>
-                        <a:rPr sz="1100"/>
+                        <a:rPr b="1" sz="1100"/>
                         <a:t>[Services deployed]</a:t>
                       </a:r>
                     </a:p>
@@ -9279,7 +9279,7 @@
                     <a:lstStyle/>
                     <a:p>
                       <a:r>
-                        <a:rPr sz="1100"/>
+                        <a:rPr b="1" sz="1100"/>
                         <a:t>✅ Complete</a:t>
                       </a:r>
                     </a:p>
@@ -9296,7 +9296,7 @@
                     <a:lstStyle/>
                     <a:p>
                       <a:r>
-                        <a:rPr sz="1100"/>
+                        <a:rPr b="1" sz="1100"/>
                         <a:t>[Architecture optimized]</a:t>
                       </a:r>
                     </a:p>
@@ -10215,7 +10215,7 @@
                     <a:lstStyle/>
                     <a:p>
                       <a:r>
-                        <a:rPr sz="1100"/>
+                        <a:rPr b="1" sz="1100"/>
                         <a:t>Wave 3</a:t>
                       </a:r>
                     </a:p>
@@ -10232,7 +10232,7 @@
                     <a:lstStyle/>
                     <a:p>
                       <a:r>
-                        <a:rPr sz="1100"/>
+                        <a:rPr b="1" sz="1100"/>
                         <a:t>[App list]</a:t>
                       </a:r>
                     </a:p>
@@ -10249,7 +10249,7 @@
                     <a:lstStyle/>
                     <a:p>
                       <a:r>
-                        <a:rPr sz="1100"/>
+                        <a:rPr b="1" sz="1100"/>
                         <a:t>[Migration method]</a:t>
                       </a:r>
                     </a:p>
@@ -10266,7 +10266,7 @@
                     <a:lstStyle/>
                     <a:p>
                       <a:r>
-                        <a:rPr sz="1100"/>
+                        <a:rPr b="1" sz="1100"/>
                         <a:t>[Duration]</a:t>
                       </a:r>
                     </a:p>
@@ -10283,7 +10283,7 @@
                     <a:lstStyle/>
                     <a:p>
                       <a:r>
-                        <a:rPr sz="1100"/>
+                        <a:rPr b="1" sz="1100"/>
                         <a:t>✅ Complete</a:t>
                       </a:r>
                     </a:p>
@@ -10300,7 +10300,7 @@
                     <a:lstStyle/>
                     <a:p>
                       <a:r>
-                        <a:rPr sz="1100"/>
+                        <a:rPr b="1" sz="1100"/>
                         <a:t>[Business impact]</a:t>
                       </a:r>
                     </a:p>

--- a/solutions/aws/cloud/onpremise-to-cloud-migration/delivery/closeout-presentation.pptx
+++ b/solutions/aws/cloud/onpremise-to-cloud-migration/delivery/closeout-presentation.pptx
@@ -15,6 +15,9 @@
     <p:sldId id="260" r:id="rId4"/>
     <p:sldId id="261" r:id="rId3"/>
     <p:sldId id="262" r:id="rId2"/>
+    <p:sldId id="263" r:id="rId14"/>
+    <p:sldId id="264" r:id="rId15"/>
+    <p:sldId id="265" r:id="rId16"/>
   </p:sldIdLst>
   <p:sldSz cx="9144000" cy="5143500" type="screen16x9"/>
   <p:notesSz cx="5143500" cy="9144000"/>
@@ -114,6 +117,9 @@
     <p:ext uri="{EFAFB233-063F-42B5-8137-9DF3F51BA10A}">
       <p15:sldGuideLst xmlns:p15="http://schemas.microsoft.com/office/powerpoint/2012/main"/>
     </p:ext>
+    <p:ext uri="{2D200454-40CA-4A62-9FC3-DE9A4176ACB9}">
+      <p15:notesGuideLst xmlns:p15="http://schemas.microsoft.com/office/powerpoint/2012/main"/>
+    </p:ext>
   </p:extLst>
 </p:presentation>
 </file>
@@ -140,6 +146,59 @@
           <a:chExt cx="0" cy="0"/>
         </a:xfrm>
       </p:grpSpPr>
+      <p:sp>
+        <p:nvSpPr>
+          <p:cNvPr id="2" name="Slide Image Placeholder 1"/>
+          <p:cNvSpPr>
+            <a:spLocks noGrp="1" noRot="1" noChangeAspect="1"/>
+          </p:cNvSpPr>
+          <p:nvPr>
+            <p:ph type="sldImg"/>
+          </p:nvPr>
+        </p:nvSpPr>
+        <p:spPr>
+          <a:xfrm>
+            <a:off x="-171450" y="1143000"/>
+            <a:ext cx="5486400" cy="3086100"/>
+          </a:xfrm>
+          <a:prstGeom prst="rect">
+            <a:avLst/>
+          </a:prstGeom>
+          <a:noFill/>
+          <a:ln w="12700">
+            <a:solidFill>
+              <a:prstClr val="black"/>
+            </a:solidFill>
+          </a:ln>
+        </p:spPr>
+      </p:sp>
+      <p:sp>
+        <p:nvSpPr>
+          <p:cNvPr id="3" name="Notes Placeholder 2"/>
+          <p:cNvSpPr>
+            <a:spLocks noGrp="1"/>
+          </p:cNvSpPr>
+          <p:nvPr>
+            <p:ph type="body" idx="1"/>
+          </p:nvPr>
+        </p:nvSpPr>
+        <p:spPr>
+          <a:xfrm>
+            <a:off x="514350" y="4400550"/>
+            <a:ext cx="4114800" cy="3600450"/>
+          </a:xfrm>
+          <a:prstGeom prst="rect">
+            <a:avLst/>
+          </a:prstGeom>
+        </p:spPr>
+        <p:txBody>
+          <a:bodyPr/>
+          <a:lstStyle/>
+          <a:p>
+            <a:endParaRPr lang="en-US"/>
+          </a:p>
+        </p:txBody>
+      </p:sp>
     </p:spTree>
     <p:extLst>
       <p:ext uri="{BB962C8B-B14F-4D97-AF65-F5344CB8AC3E}">
@@ -243,6 +302,2727 @@
 </p:notesMaster>
 </file>
 
+<file path=ppt/notesSlides/notesSlide1.xml><?xml version="1.0" encoding="utf-8"?>
+<p:notes xmlns:a="http://schemas.openxmlformats.org/drawingml/2006/main" xmlns:p="http://schemas.openxmlformats.org/presentationml/2006/main" xmlns:r="http://schemas.openxmlformats.org/officeDocument/2006/relationships">
+  <p:cSld>
+    <p:spTree>
+      <p:nvGrpSpPr>
+        <p:cNvPr id="1" name=""/>
+        <p:cNvGrpSpPr/>
+        <p:nvPr/>
+      </p:nvGrpSpPr>
+      <p:grpSpPr>
+        <a:xfrm>
+          <a:off x="0" y="0"/>
+          <a:ext cx="0" cy="0"/>
+          <a:chOff x="0" y="0"/>
+          <a:chExt cx="0" cy="0"/>
+        </a:xfrm>
+      </p:grpSpPr>
+      <p:sp>
+        <p:nvSpPr>
+          <p:cNvPr id="2" name="Slide Image Placeholder 1"/>
+          <p:cNvSpPr>
+            <a:spLocks noGrp="1"/>
+          </p:cNvSpPr>
+          <p:nvPr>
+            <p:ph type="sldImg"/>
+          </p:nvPr>
+        </p:nvSpPr>
+        <p:spPr/>
+      </p:sp>
+      <p:sp>
+        <p:nvSpPr>
+          <p:cNvPr id="3" name="Notes Placeholder 2"/>
+          <p:cNvSpPr>
+            <a:spLocks noGrp="1"/>
+          </p:cNvSpPr>
+          <p:nvPr>
+            <p:ph type="body" idx="1"/>
+          </p:nvPr>
+        </p:nvSpPr>
+        <p:spPr/>
+        <p:txBody>
+          <a:bodyPr/>
+          <a:lstStyle/>
+          <a:p>
+            <a:r>
+              <a:t>*Opening Statement:*</a:t>
+            </a:r>
+          </a:p>
+          <a:p>
+            <a:r>
+              <a:t>Good [morning/afternoon]. Today we're celebrating the successful completion of the AWS Cloud Migration project. This initiative has transformed [Client Name]'s IT infrastructure from aging on-premise systems to a modern, scalable AWS cloud environment.</a:t>
+            </a:r>
+          </a:p>
+          <a:p/>
+          <a:p>
+            <a:r>
+              <a:t>*Key Talking Points - Expand on Each Bullet:*</a:t>
+            </a:r>
+          </a:p>
+          <a:p/>
+          <a:p>
+            <a:r>
+              <a:t>**Project Duration - 9 Months:**</a:t>
+            </a:r>
+          </a:p>
+          <a:p>
+            <a:r>
+              <a:t>- Executed exactly as planned in the Statement of Work</a:t>
+            </a:r>
+          </a:p>
+          <a:p>
+            <a:r>
+              <a:t>- Phase 1 (Assessment): Months 1-2 - Application discovery and wave planning complete</a:t>
+            </a:r>
+          </a:p>
+          <a:p>
+            <a:r>
+              <a:t>- Phase 2 (Migration): Months 3-7 - Three migration waves executed successfully</a:t>
+            </a:r>
+          </a:p>
+          <a:p>
+            <a:r>
+              <a:t>- Phase 3 (Optimization): Months 8-9 - Right-sizing and knowledge transfer complete</a:t>
+            </a:r>
+          </a:p>
+          <a:p>
+            <a:r>
+              <a:t>- All major milestones achieved on or ahead of schedule</a:t>
+            </a:r>
+          </a:p>
+          <a:p/>
+          <a:p>
+            <a:r>
+              <a:t>**Budget - $342,500:**</a:t>
+            </a:r>
+          </a:p>
+          <a:p>
+            <a:r>
+              <a:t>- Professional Services: $292,500 (1,950 hours as quoted)</a:t>
+            </a:r>
+          </a:p>
+          <a:p>
+            <a:r>
+              <a:t>- AWS Cloud Services: $32,000 (Year 1 run rate established)</a:t>
+            </a:r>
+          </a:p>
+          <a:p>
+            <a:r>
+              <a:t>- Software/Tools: $18,000 (migration tools and licenses)</a:t>
+            </a:r>
+          </a:p>
+          <a:p>
+            <a:r>
+              <a:t>- Actual spend: $340,200 - $2,300 under budget</a:t>
+            </a:r>
+          </a:p>
+          <a:p>
+            <a:r>
+              <a:t>- AWS credits applied: $25,000 (MAP program credits)</a:t>
+            </a:r>
+          </a:p>
+          <a:p/>
+          <a:p>
+            <a:r>
+              <a:t>**Go-Live - Month 7:**</a:t>
+            </a:r>
+          </a:p>
+          <a:p>
+            <a:r>
+              <a:t>- All production applications cutover complete</a:t>
+            </a:r>
+          </a:p>
+          <a:p>
+            <a:r>
+              <a:t>- DNS and network routing updated</a:t>
+            </a:r>
+          </a:p>
+          <a:p>
+            <a:r>
+              <a:t>- User acceptance testing passed</a:t>
+            </a:r>
+          </a:p>
+          <a:p>
+            <a:r>
+              <a:t>- Zero critical incidents during cutover weekend</a:t>
+            </a:r>
+          </a:p>
+          <a:p/>
+          <a:p>
+            <a:r>
+              <a:t>**Applications Migrated - 8 Applications:**</a:t>
+            </a:r>
+          </a:p>
+          <a:p>
+            <a:r>
+              <a:t>- Wave 1: 2 non-critical applications (pattern validation)</a:t>
+            </a:r>
+          </a:p>
+          <a:p>
+            <a:r>
+              <a:t>- Wave 2: 4 business-critical applications</a:t>
+            </a:r>
+          </a:p>
+          <a:p>
+            <a:r>
+              <a:t>- Wave 3: 2 complex/legacy applications</a:t>
+            </a:r>
+          </a:p>
+          <a:p>
+            <a:r>
+              <a:t>- All applications meeting or exceeding performance baselines</a:t>
+            </a:r>
+          </a:p>
+          <a:p/>
+          <a:p>
+            <a:r>
+              <a:t>**Data Migrated - 750 GB:**</a:t>
+            </a:r>
+          </a:p>
+          <a:p>
+            <a:r>
+              <a:t>- Database migrations: 450 GB via AWS DMS</a:t>
+            </a:r>
+          </a:p>
+          <a:p>
+            <a:r>
+              <a:t>- File storage: 300 GB via AWS DataSync</a:t>
+            </a:r>
+          </a:p>
+          <a:p>
+            <a:r>
+              <a:t>- Zero data loss across all migrations</a:t>
+            </a:r>
+          </a:p>
+          <a:p>
+            <a:r>
+              <a:t>- Data validation checksums verified</a:t>
+            </a:r>
+          </a:p>
+          <a:p/>
+          <a:p>
+            <a:r>
+              <a:t>**Cost Savings - 35% Reduction:**</a:t>
+            </a:r>
+          </a:p>
+          <a:p>
+            <a:r>
+              <a:t>- Target: 30-40% infrastructure cost reduction</a:t>
+            </a:r>
+          </a:p>
+          <a:p>
+            <a:r>
+              <a:t>- Achieved: 35% reduction vs on-premise baseline</a:t>
+            </a:r>
+          </a:p>
+          <a:p>
+            <a:r>
+              <a:t>- Annual savings: $127,500 projected</a:t>
+            </a:r>
+          </a:p>
+          <a:p>
+            <a:r>
+              <a:t>- Eliminated hardware refresh: $180,000 avoided</a:t>
+            </a:r>
+          </a:p>
+          <a:p/>
+          <a:p>
+            <a:r>
+              <a:t>**ROI - 18 Month Payback:**</a:t>
+            </a:r>
+          </a:p>
+          <a:p>
+            <a:r>
+              <a:t>- Total investment: $342,500</a:t>
+            </a:r>
+          </a:p>
+          <a:p>
+            <a:r>
+              <a:t>- Annual savings: $127,500</a:t>
+            </a:r>
+          </a:p>
+          <a:p>
+            <a:r>
+              <a:t>- Additional benefits: Agility, scalability, DR</a:t>
+            </a:r>
+          </a:p>
+          <a:p>
+            <a:r>
+              <a:t>- Business case validated</a:t>
+            </a:r>
+          </a:p>
+          <a:p/>
+          <a:p>
+            <a:r>
+              <a:t>*Transition to Next Slide:*</a:t>
+            </a:r>
+          </a:p>
+          <a:p>
+            <a:r>
+              <a:t>"Let me walk you through the architecture we deployed..."</a:t>
+            </a:r>
+          </a:p>
+        </p:txBody>
+      </p:sp>
+    </p:spTree>
+  </p:cSld>
+  <p:clrMapOvr>
+    <a:masterClrMapping/>
+  </p:clrMapOvr>
+</p:notes>
+</file>
+
+<file path=ppt/notesSlides/notesSlide2.xml><?xml version="1.0" encoding="utf-8"?>
+<p:notes xmlns:a="http://schemas.openxmlformats.org/drawingml/2006/main" xmlns:p="http://schemas.openxmlformats.org/presentationml/2006/main" xmlns:r="http://schemas.openxmlformats.org/officeDocument/2006/relationships">
+  <p:cSld>
+    <p:spTree>
+      <p:nvGrpSpPr>
+        <p:cNvPr id="1" name=""/>
+        <p:cNvGrpSpPr/>
+        <p:nvPr/>
+      </p:nvGrpSpPr>
+      <p:grpSpPr>
+        <a:xfrm>
+          <a:off x="0" y="0"/>
+          <a:ext cx="0" cy="0"/>
+          <a:chOff x="0" y="0"/>
+          <a:chExt cx="0" cy="0"/>
+        </a:xfrm>
+      </p:grpSpPr>
+      <p:sp>
+        <p:nvSpPr>
+          <p:cNvPr id="2" name="Slide Image Placeholder 1"/>
+          <p:cNvSpPr>
+            <a:spLocks noGrp="1"/>
+          </p:cNvSpPr>
+          <p:nvPr>
+            <p:ph type="sldImg"/>
+          </p:nvPr>
+        </p:nvSpPr>
+        <p:spPr/>
+      </p:sp>
+      <p:sp>
+        <p:nvSpPr>
+          <p:cNvPr id="3" name="Notes Placeholder 2"/>
+          <p:cNvSpPr>
+            <a:spLocks noGrp="1"/>
+          </p:cNvSpPr>
+          <p:nvPr>
+            <p:ph type="body" idx="1"/>
+          </p:nvPr>
+        </p:nvSpPr>
+        <p:spPr/>
+        <p:txBody>
+          <a:bodyPr/>
+          <a:lstStyle/>
+          <a:p>
+            <a:r>
+              <a:t>*Architecture Overview - Walk Through the Diagram:*</a:t>
+            </a:r>
+          </a:p>
+          <a:p/>
+          <a:p>
+            <a:r>
+              <a:t>"This diagram shows the AWS infrastructure we deployed. Let me walk through the key components..."</a:t>
+            </a:r>
+          </a:p>
+          <a:p/>
+          <a:p>
+            <a:r>
+              <a:t>**AWS Landing Zone (Control Tower):**</a:t>
+            </a:r>
+          </a:p>
+          <a:p>
+            <a:r>
+              <a:t>- Multi-account structure for security isolation</a:t>
+            </a:r>
+          </a:p>
+          <a:p>
+            <a:r>
+              <a:t>  - Master account for billing and governance</a:t>
+            </a:r>
+          </a:p>
+          <a:p>
+            <a:r>
+              <a:t>  - Production account for business workloads</a:t>
+            </a:r>
+          </a:p>
+          <a:p>
+            <a:r>
+              <a:t>  - Development account for testing</a:t>
+            </a:r>
+          </a:p>
+          <a:p>
+            <a:r>
+              <a:t>  - Shared Services account for common tools</a:t>
+            </a:r>
+          </a:p>
+          <a:p>
+            <a:r>
+              <a:t>- AWS Organizations with Service Control Policies</a:t>
+            </a:r>
+          </a:p>
+          <a:p>
+            <a:r>
+              <a:t>- Centralized CloudTrail logging to S3</a:t>
+            </a:r>
+          </a:p>
+          <a:p>
+            <a:r>
+              <a:t>- AWS Config rules for compliance monitoring</a:t>
+            </a:r>
+          </a:p>
+          <a:p/>
+          <a:p>
+            <a:r>
+              <a:t>**Core Infrastructure:**</a:t>
+            </a:r>
+          </a:p>
+          <a:p>
+            <a:r>
+              <a:t>- VPC design: 10.0.0.0/16 CIDR in us-east-1</a:t>
+            </a:r>
+          </a:p>
+          <a:p>
+            <a:r>
+              <a:t>- 6 subnets across 2 Availability Zones:</a:t>
+            </a:r>
+          </a:p>
+          <a:p>
+            <a:r>
+              <a:t>  - 2 public subnets for ALB and bastion</a:t>
+            </a:r>
+          </a:p>
+          <a:p>
+            <a:r>
+              <a:t>  - 2 private subnets for application tier</a:t>
+            </a:r>
+          </a:p>
+          <a:p>
+            <a:r>
+              <a:t>  - 2 database subnets for RDS (isolated)</a:t>
+            </a:r>
+          </a:p>
+          <a:p>
+            <a:r>
+              <a:t>- NAT Gateway for outbound internet access</a:t>
+            </a:r>
+          </a:p>
+          <a:p>
+            <a:r>
+              <a:t>- Direct Connect 1Gbps for hybrid connectivity</a:t>
+            </a:r>
+          </a:p>
+          <a:p/>
+          <a:p>
+            <a:r>
+              <a:t>**Compute (EC2):**</a:t>
+            </a:r>
+          </a:p>
+          <a:p>
+            <a:r>
+              <a:t>- 32 EC2 instances across 8 applications</a:t>
+            </a:r>
+          </a:p>
+          <a:p>
+            <a:r>
+              <a:t>- Mix of t3.medium and m5.large based on workload</a:t>
+            </a:r>
+          </a:p>
+          <a:p>
+            <a:r>
+              <a:t>- Auto Scaling Groups for variable workloads</a:t>
+            </a:r>
+          </a:p>
+          <a:p>
+            <a:r>
+              <a:t>- Spot instances for non-critical batch processing</a:t>
+            </a:r>
+          </a:p>
+          <a:p/>
+          <a:p>
+            <a:r>
+              <a:t>**Database (RDS):**</a:t>
+            </a:r>
+          </a:p>
+          <a:p>
+            <a:r>
+              <a:t>- 4 RDS instances (MySQL, PostgreSQL)</a:t>
+            </a:r>
+          </a:p>
+          <a:p>
+            <a:r>
+              <a:t>- Multi-AZ deployment for high availability</a:t>
+            </a:r>
+          </a:p>
+          <a:p>
+            <a:r>
+              <a:t>- Automated backups with 7-day retention</a:t>
+            </a:r>
+          </a:p>
+          <a:p>
+            <a:r>
+              <a:t>- Read replicas for reporting workloads</a:t>
+            </a:r>
+          </a:p>
+          <a:p/>
+          <a:p>
+            <a:r>
+              <a:t>**Storage (S3):**</a:t>
+            </a:r>
+          </a:p>
+          <a:p>
+            <a:r>
+              <a:t>- Application data buckets with versioning</a:t>
+            </a:r>
+          </a:p>
+          <a:p>
+            <a:r>
+              <a:t>- Intelligent Tiering for cost optimization</a:t>
+            </a:r>
+          </a:p>
+          <a:p>
+            <a:r>
+              <a:t>- Cross-region replication for critical data</a:t>
+            </a:r>
+          </a:p>
+          <a:p/>
+          <a:p>
+            <a:r>
+              <a:t>**Operations &amp; Security:**</a:t>
+            </a:r>
+          </a:p>
+          <a:p>
+            <a:r>
+              <a:t>- CloudWatch dashboards and alarms</a:t>
+            </a:r>
+          </a:p>
+          <a:p>
+            <a:r>
+              <a:t>- Security Hub with CIS benchmarks enabled</a:t>
+            </a:r>
+          </a:p>
+          <a:p>
+            <a:r>
+              <a:t>- GuardDuty threat detection active</a:t>
+            </a:r>
+          </a:p>
+          <a:p>
+            <a:r>
+              <a:t>- AWS Backup for centralized backup management</a:t>
+            </a:r>
+          </a:p>
+          <a:p/>
+          <a:p>
+            <a:r>
+              <a:t>*Transition:*</a:t>
+            </a:r>
+          </a:p>
+          <a:p>
+            <a:r>
+              <a:t>"Now let me show you the complete deliverables package..."</a:t>
+            </a:r>
+          </a:p>
+        </p:txBody>
+      </p:sp>
+    </p:spTree>
+  </p:cSld>
+  <p:clrMapOvr>
+    <a:masterClrMapping/>
+  </p:clrMapOvr>
+</p:notes>
+</file>
+
+<file path=ppt/notesSlides/notesSlide3.xml><?xml version="1.0" encoding="utf-8"?>
+<p:notes xmlns:a="http://schemas.openxmlformats.org/drawingml/2006/main" xmlns:p="http://schemas.openxmlformats.org/presentationml/2006/main" xmlns:r="http://schemas.openxmlformats.org/officeDocument/2006/relationships">
+  <p:cSld>
+    <p:spTree>
+      <p:nvGrpSpPr>
+        <p:cNvPr id="1" name=""/>
+        <p:cNvGrpSpPr/>
+        <p:nvPr/>
+      </p:nvGrpSpPr>
+      <p:grpSpPr>
+        <a:xfrm>
+          <a:off x="0" y="0"/>
+          <a:ext cx="0" cy="0"/>
+          <a:chOff x="0" y="0"/>
+          <a:chExt cx="0" cy="0"/>
+        </a:xfrm>
+      </p:grpSpPr>
+      <p:sp>
+        <p:nvSpPr>
+          <p:cNvPr id="2" name="Slide Image Placeholder 1"/>
+          <p:cNvSpPr>
+            <a:spLocks noGrp="1"/>
+          </p:cNvSpPr>
+          <p:nvPr>
+            <p:ph type="sldImg"/>
+          </p:nvPr>
+        </p:nvSpPr>
+        <p:spPr/>
+      </p:sp>
+      <p:sp>
+        <p:nvSpPr>
+          <p:cNvPr id="3" name="Notes Placeholder 2"/>
+          <p:cNvSpPr>
+            <a:spLocks noGrp="1"/>
+          </p:cNvSpPr>
+          <p:nvPr>
+            <p:ph type="body" idx="1"/>
+          </p:nvPr>
+        </p:nvSpPr>
+        <p:spPr/>
+        <p:txBody>
+          <a:bodyPr/>
+          <a:lstStyle/>
+          <a:p>
+            <a:r>
+              <a:t>*Deliverables Deep Dive:*</a:t>
+            </a:r>
+          </a:p>
+          <a:p/>
+          <a:p>
+            <a:r>
+              <a:t>**1. Application Assessment (app-assessment.xlsx):**</a:t>
+            </a:r>
+          </a:p>
+          <a:p>
+            <a:r>
+              <a:t>- Complete inventory of 25 applications assessed</a:t>
+            </a:r>
+          </a:p>
+          <a:p>
+            <a:r>
+              <a:t>- 6Rs strategy assignment for each:</a:t>
+            </a:r>
+          </a:p>
+          <a:p>
+            <a:r>
+              <a:t>  - 8 applications: Rehost (lift-and-shift)</a:t>
+            </a:r>
+          </a:p>
+          <a:p>
+            <a:r>
+              <a:t>  - 3 applications: Replatform (migrate to RDS)</a:t>
+            </a:r>
+          </a:p>
+          <a:p>
+            <a:r>
+              <a:t>  - 5 applications: Retain (hybrid connectivity)</a:t>
+            </a:r>
+          </a:p>
+          <a:p>
+            <a:r>
+              <a:t>  - 9 applications: Retire (decommissioned)</a:t>
+            </a:r>
+          </a:p>
+          <a:p>
+            <a:r>
+              <a:t>- Dependency mapping and wave sequencing</a:t>
+            </a:r>
+          </a:p>
+          <a:p>
+            <a:r>
+              <a:t>- Business criticality and risk scoring</a:t>
+            </a:r>
+          </a:p>
+          <a:p/>
+          <a:p>
+            <a:r>
+              <a:t>**2. Landing Zone Design (detailed-design.docx):**</a:t>
+            </a:r>
+          </a:p>
+          <a:p>
+            <a:r>
+              <a:t>- AWS Control Tower architecture</a:t>
+            </a:r>
+          </a:p>
+          <a:p>
+            <a:r>
+              <a:t>- Account structure and OU design</a:t>
+            </a:r>
+          </a:p>
+          <a:p>
+            <a:r>
+              <a:t>- Network architecture with VPC design</a:t>
+            </a:r>
+          </a:p>
+          <a:p>
+            <a:r>
+              <a:t>- Security controls and compliance mapping</a:t>
+            </a:r>
+          </a:p>
+          <a:p>
+            <a:r>
+              <a:t>- Cost management and tagging strategy</a:t>
+            </a:r>
+          </a:p>
+          <a:p>
+            <a:r>
+              <a:t>- Reviewed and signed off by [IT Director]</a:t>
+            </a:r>
+          </a:p>
+          <a:p/>
+          <a:p>
+            <a:r>
+              <a:t>**3. Implementation Guide:**</a:t>
+            </a:r>
+          </a:p>
+          <a:p>
+            <a:r>
+              <a:t>- CloudFormation deployment procedures</a:t>
+            </a:r>
+          </a:p>
+          <a:p>
+            <a:r>
+              <a:t>- Environment-specific configurations</a:t>
+            </a:r>
+          </a:p>
+          <a:p>
+            <a:r>
+              <a:t>- Validation and rollback procedures</a:t>
+            </a:r>
+          </a:p>
+          <a:p>
+            <a:r>
+              <a:t>- Troubleshooting common issues</a:t>
+            </a:r>
+          </a:p>
+          <a:p/>
+          <a:p>
+            <a:r>
+              <a:t>**4. Project Plan (project-plan.xlsx):**</a:t>
+            </a:r>
+          </a:p>
+          <a:p>
+            <a:r>
+              <a:t>- Four worksheets:</a:t>
+            </a:r>
+          </a:p>
+          <a:p>
+            <a:r>
+              <a:t>  1. Project Timeline - 32 tasks across 9 months</a:t>
+            </a:r>
+          </a:p>
+          <a:p>
+            <a:r>
+              <a:t>  2. Milestones - 12 major milestones tracked</a:t>
+            </a:r>
+          </a:p>
+          <a:p>
+            <a:r>
+              <a:t>  3. RACI Matrix - 25 activities with clear ownership</a:t>
+            </a:r>
+          </a:p>
+          <a:p>
+            <a:r>
+              <a:t>  4. Communications Plan - Stakeholder meetings defined</a:t>
+            </a:r>
+          </a:p>
+          <a:p>
+            <a:r>
+              <a:t>- All milestones achieved on schedule</a:t>
+            </a:r>
+          </a:p>
+          <a:p/>
+          <a:p>
+            <a:r>
+              <a:t>**5. Test Plan &amp; Results:**</a:t>
+            </a:r>
+          </a:p>
+          <a:p>
+            <a:r>
+              <a:t>- Migration validation test cases</a:t>
+            </a:r>
+          </a:p>
+          <a:p>
+            <a:r>
+              <a:t>- Performance baseline comparisons</a:t>
+            </a:r>
+          </a:p>
+          <a:p>
+            <a:r>
+              <a:t>- Security validation results</a:t>
+            </a:r>
+          </a:p>
+          <a:p>
+            <a:r>
+              <a:t>- UAT sign-off documentation</a:t>
+            </a:r>
+          </a:p>
+          <a:p/>
+          <a:p>
+            <a:r>
+              <a:t>**6. CloudFormation Templates:**</a:t>
+            </a:r>
+          </a:p>
+          <a:p>
+            <a:r>
+              <a:t>- Complete Infrastructure as Code package</a:t>
+            </a:r>
+          </a:p>
+          <a:p>
+            <a:r>
+              <a:t>- Modular design for reusability</a:t>
+            </a:r>
+          </a:p>
+          <a:p>
+            <a:r>
+              <a:t>- Templates for each account type</a:t>
+            </a:r>
+          </a:p>
+          <a:p>
+            <a:r>
+              <a:t>- Tested and validated across environments</a:t>
+            </a:r>
+          </a:p>
+          <a:p/>
+          <a:p>
+            <a:r>
+              <a:t>**7. Operations Runbook:**</a:t>
+            </a:r>
+          </a:p>
+          <a:p>
+            <a:r>
+              <a:t>- Daily operational procedures</a:t>
+            </a:r>
+          </a:p>
+          <a:p>
+            <a:r>
+              <a:t>- Monitoring and alerting responses</a:t>
+            </a:r>
+          </a:p>
+          <a:p>
+            <a:r>
+              <a:t>- Common troubleshooting guides</a:t>
+            </a:r>
+          </a:p>
+          <a:p>
+            <a:r>
+              <a:t>- Escalation procedures</a:t>
+            </a:r>
+          </a:p>
+          <a:p/>
+          <a:p>
+            <a:r>
+              <a:t>**8. Training Materials:**</a:t>
+            </a:r>
+          </a:p>
+          <a:p>
+            <a:r>
+              <a:t>- AWS Operations Guide (PDF)</a:t>
+            </a:r>
+          </a:p>
+          <a:p>
+            <a:r>
+              <a:t>- Video tutorials (5 recordings, 2 hours total)</a:t>
+            </a:r>
+          </a:p>
+          <a:p>
+            <a:r>
+              <a:t>- Hands-on lab guides</a:t>
+            </a:r>
+          </a:p>
+          <a:p>
+            <a:r>
+              <a:t>- Quick reference cards</a:t>
+            </a:r>
+          </a:p>
+          <a:p/>
+          <a:p>
+            <a:r>
+              <a:t>*Transition:*</a:t>
+            </a:r>
+          </a:p>
+          <a:p>
+            <a:r>
+              <a:t>"Let's look at how the solution is performing against our targets..."</a:t>
+            </a:r>
+          </a:p>
+        </p:txBody>
+      </p:sp>
+    </p:spTree>
+  </p:cSld>
+  <p:clrMapOvr>
+    <a:masterClrMapping/>
+  </p:clrMapOvr>
+</p:notes>
+</file>
+
+<file path=ppt/notesSlides/notesSlide4.xml><?xml version="1.0" encoding="utf-8"?>
+<p:notes xmlns:a="http://schemas.openxmlformats.org/drawingml/2006/main" xmlns:p="http://schemas.openxmlformats.org/presentationml/2006/main" xmlns:r="http://schemas.openxmlformats.org/officeDocument/2006/relationships">
+  <p:cSld>
+    <p:spTree>
+      <p:nvGrpSpPr>
+        <p:cNvPr id="1" name=""/>
+        <p:cNvGrpSpPr/>
+        <p:nvPr/>
+      </p:nvGrpSpPr>
+      <p:grpSpPr>
+        <a:xfrm>
+          <a:off x="0" y="0"/>
+          <a:ext cx="0" cy="0"/>
+          <a:chOff x="0" y="0"/>
+          <a:chExt cx="0" cy="0"/>
+        </a:xfrm>
+      </p:grpSpPr>
+      <p:sp>
+        <p:nvSpPr>
+          <p:cNvPr id="2" name="Slide Image Placeholder 1"/>
+          <p:cNvSpPr>
+            <a:spLocks noGrp="1"/>
+          </p:cNvSpPr>
+          <p:nvPr>
+            <p:ph type="sldImg"/>
+          </p:nvPr>
+        </p:nvSpPr>
+        <p:spPr/>
+      </p:sp>
+      <p:sp>
+        <p:nvSpPr>
+          <p:cNvPr id="3" name="Notes Placeholder 2"/>
+          <p:cNvSpPr>
+            <a:spLocks noGrp="1"/>
+          </p:cNvSpPr>
+          <p:nvPr>
+            <p:ph type="body" idx="1"/>
+          </p:nvPr>
+        </p:nvSpPr>
+        <p:spPr/>
+        <p:txBody>
+          <a:bodyPr/>
+          <a:lstStyle/>
+          <a:p>
+            <a:r>
+              <a:t>*Quality &amp; Performance Deep Dive:*</a:t>
+            </a:r>
+          </a:p>
+          <a:p/>
+          <a:p>
+            <a:r>
+              <a:t>**Migration Metrics - Detailed Breakdown:**</a:t>
+            </a:r>
+          </a:p>
+          <a:p/>
+          <a:p>
+            <a:r>
+              <a:t>*Applications Migrated: 8 of 8*</a:t>
+            </a:r>
+          </a:p>
+          <a:p>
+            <a:r>
+              <a:t>- Wave 1 (Month 3-4): Internal Portal, Document Management</a:t>
+            </a:r>
+          </a:p>
+          <a:p>
+            <a:r>
+              <a:t>- Wave 2 (Month 4-5): CRM, ERP, HR System, Email Archive</a:t>
+            </a:r>
+          </a:p>
+          <a:p>
+            <a:r>
+              <a:t>- Wave 3 (Month 6-7): Legacy Reporting, Custom Manufacturing App</a:t>
+            </a:r>
+          </a:p>
+          <a:p>
+            <a:r>
+              <a:t>- All applications validated against acceptance criteria</a:t>
+            </a:r>
+          </a:p>
+          <a:p/>
+          <a:p>
+            <a:r>
+              <a:t>*Data Loss: Zero*</a:t>
+            </a:r>
+          </a:p>
+          <a:p>
+            <a:r>
+              <a:t>- Database migrations via AWS DMS with continuous replication</a:t>
+            </a:r>
+          </a:p>
+          <a:p>
+            <a:r>
+              <a:t>- Checksum validation for all file migrations</a:t>
+            </a:r>
+          </a:p>
+          <a:p>
+            <a:r>
+              <a:t>- Data integrity verified pre and post cutover</a:t>
+            </a:r>
+          </a:p>
+          <a:p>
+            <a:r>
+              <a:t>- Audit trail maintained for compliance</a:t>
+            </a:r>
+          </a:p>
+          <a:p/>
+          <a:p>
+            <a:r>
+              <a:t>*Cutover Downtime: 4 Hours Average*</a:t>
+            </a:r>
+          </a:p>
+          <a:p>
+            <a:r>
+              <a:t>- Target: 4-8 hours per application</a:t>
+            </a:r>
+          </a:p>
+          <a:p>
+            <a:r>
+              <a:t>- Achieved: 4 hours average</a:t>
+            </a:r>
+          </a:p>
+          <a:p>
+            <a:r>
+              <a:t>- Best: 2 hours (Document Management)</a:t>
+            </a:r>
+          </a:p>
+          <a:p>
+            <a:r>
+              <a:t>- Longest: 6 hours (Legacy Reporting - expected)</a:t>
+            </a:r>
+          </a:p>
+          <a:p>
+            <a:r>
+              <a:t>- Business impact: Minimal (weekend cutovers)</a:t>
+            </a:r>
+          </a:p>
+          <a:p/>
+          <a:p>
+            <a:r>
+              <a:t>*Rollback Events: Zero*</a:t>
+            </a:r>
+          </a:p>
+          <a:p>
+            <a:r>
+              <a:t>- All migrations proceeded successfully</a:t>
+            </a:r>
+          </a:p>
+          <a:p>
+            <a:r>
+              <a:t>- Rollback procedures tested but not required</a:t>
+            </a:r>
+          </a:p>
+          <a:p>
+            <a:r>
+              <a:t>- Confidence built through thorough testing</a:t>
+            </a:r>
+          </a:p>
+          <a:p/>
+          <a:p>
+            <a:r>
+              <a:t>**Performance Metrics - Improvements:**</a:t>
+            </a:r>
+          </a:p>
+          <a:p/>
+          <a:p>
+            <a:r>
+              <a:t>*Application Response: 15% Faster*</a:t>
+            </a:r>
+          </a:p>
+          <a:p>
+            <a:r>
+              <a:t>- Measured: Average page load time</a:t>
+            </a:r>
+          </a:p>
+          <a:p>
+            <a:r>
+              <a:t>- On-premise: 2.3 seconds</a:t>
+            </a:r>
+          </a:p>
+          <a:p>
+            <a:r>
+              <a:t>- AWS: 1.95 seconds</a:t>
+            </a:r>
+          </a:p>
+          <a:p>
+            <a:r>
+              <a:t>- Improvement: 15% faster</a:t>
+            </a:r>
+          </a:p>
+          <a:p>
+            <a:r>
+              <a:t>- Factors: SSD storage, optimized networking</a:t>
+            </a:r>
+          </a:p>
+          <a:p/>
+          <a:p>
+            <a:r>
+              <a:t>*Database Queries: 20% Improved*</a:t>
+            </a:r>
+          </a:p>
+          <a:p>
+            <a:r>
+              <a:t>- RDS optimized storage with IOPS provisioning</a:t>
+            </a:r>
+          </a:p>
+          <a:p>
+            <a:r>
+              <a:t>- Multi-AZ provides read capacity</a:t>
+            </a:r>
+          </a:p>
+          <a:p>
+            <a:r>
+              <a:t>- Query cache enabled</a:t>
+            </a:r>
+          </a:p>
+          <a:p>
+            <a:r>
+              <a:t>- Index optimization during migration</a:t>
+            </a:r>
+          </a:p>
+          <a:p/>
+          <a:p>
+            <a:r>
+              <a:t>*Availability: 99.95%*</a:t>
+            </a:r>
+          </a:p>
+          <a:p>
+            <a:r>
+              <a:t>- Target: 99.9% availability</a:t>
+            </a:r>
+          </a:p>
+          <a:p>
+            <a:r>
+              <a:t>- Achieved: 99.95% (45 minutes downtime in 30 days)</a:t>
+            </a:r>
+          </a:p>
+          <a:p>
+            <a:r>
+              <a:t>- Downtime: Planned maintenance only</a:t>
+            </a:r>
+          </a:p>
+          <a:p>
+            <a:r>
+              <a:t>- No unplanned outages</a:t>
+            </a:r>
+          </a:p>
+          <a:p/>
+          <a:p>
+            <a:r>
+              <a:t>*Cost per Transaction: 30% Reduced*</a:t>
+            </a:r>
+          </a:p>
+          <a:p>
+            <a:r>
+              <a:t>- Right-sizing based on actual utilization</a:t>
+            </a:r>
+          </a:p>
+          <a:p>
+            <a:r>
+              <a:t>- Reserved Instances for predictable workloads</a:t>
+            </a:r>
+          </a:p>
+          <a:p>
+            <a:r>
+              <a:t>- Spot instances for batch processing</a:t>
+            </a:r>
+          </a:p>
+          <a:p>
+            <a:r>
+              <a:t>- S3 Intelligent Tiering for storage</a:t>
+            </a:r>
+          </a:p>
+          <a:p/>
+          <a:p>
+            <a:r>
+              <a:t>*User Satisfaction: 4.5/5.0*</a:t>
+            </a:r>
+          </a:p>
+          <a:p>
+            <a:r>
+              <a:t>- Survey conducted with 150 end users</a:t>
+            </a:r>
+          </a:p>
+          <a:p>
+            <a:r>
+              <a:t>- 92% reported no negative impact</a:t>
+            </a:r>
+          </a:p>
+          <a:p>
+            <a:r>
+              <a:t>- 45% reported improved performance</a:t>
+            </a:r>
+          </a:p>
+          <a:p>
+            <a:r>
+              <a:t>- 8% noted minor workflow changes</a:t>
+            </a:r>
+          </a:p>
+          <a:p/>
+          <a:p>
+            <a:r>
+              <a:t>*Transition:*</a:t>
+            </a:r>
+          </a:p>
+          <a:p>
+            <a:r>
+              <a:t>"These performance improvements translate directly into business value..."</a:t>
+            </a:r>
+          </a:p>
+        </p:txBody>
+      </p:sp>
+    </p:spTree>
+  </p:cSld>
+  <p:clrMapOvr>
+    <a:masterClrMapping/>
+  </p:clrMapOvr>
+</p:notes>
+</file>
+
+<file path=ppt/notesSlides/notesSlide5.xml><?xml version="1.0" encoding="utf-8"?>
+<p:notes xmlns:a="http://schemas.openxmlformats.org/drawingml/2006/main" xmlns:p="http://schemas.openxmlformats.org/presentationml/2006/main" xmlns:r="http://schemas.openxmlformats.org/officeDocument/2006/relationships">
+  <p:cSld>
+    <p:spTree>
+      <p:nvGrpSpPr>
+        <p:cNvPr id="1" name=""/>
+        <p:cNvGrpSpPr/>
+        <p:nvPr/>
+      </p:nvGrpSpPr>
+      <p:grpSpPr>
+        <a:xfrm>
+          <a:off x="0" y="0"/>
+          <a:ext cx="0" cy="0"/>
+          <a:chOff x="0" y="0"/>
+          <a:chExt cx="0" cy="0"/>
+        </a:xfrm>
+      </p:grpSpPr>
+      <p:sp>
+        <p:nvSpPr>
+          <p:cNvPr id="2" name="Slide Image Placeholder 1"/>
+          <p:cNvSpPr>
+            <a:spLocks noGrp="1"/>
+          </p:cNvSpPr>
+          <p:nvPr>
+            <p:ph type="sldImg"/>
+          </p:nvPr>
+        </p:nvSpPr>
+        <p:spPr/>
+      </p:sp>
+      <p:sp>
+        <p:nvSpPr>
+          <p:cNvPr id="3" name="Notes Placeholder 2"/>
+          <p:cNvSpPr>
+            <a:spLocks noGrp="1"/>
+          </p:cNvSpPr>
+          <p:nvPr>
+            <p:ph type="body" idx="1"/>
+          </p:nvPr>
+        </p:nvSpPr>
+        <p:spPr/>
+        <p:txBody>
+          <a:bodyPr/>
+          <a:lstStyle/>
+          <a:p>
+            <a:r>
+              <a:t>*Benefits Analysis - Detailed Discussion:*</a:t>
+            </a:r>
+          </a:p>
+          <a:p/>
+          <a:p>
+            <a:r>
+              <a:t>**Infrastructure Cost Reduction - 35% Achieved:**</a:t>
+            </a:r>
+          </a:p>
+          <a:p/>
+          <a:p>
+            <a:r>
+              <a:t>*Before (On-Premise):*</a:t>
+            </a:r>
+          </a:p>
+          <a:p>
+            <a:r>
+              <a:t>- Annual infrastructure costs: $365,000</a:t>
+            </a:r>
+          </a:p>
+          <a:p>
+            <a:r>
+              <a:t>- Includes: Hardware, maintenance, datacenter, power</a:t>
+            </a:r>
+          </a:p>
+          <a:p>
+            <a:r>
+              <a:t>- Hardware refresh cycle: $60,000/year amortized</a:t>
+            </a:r>
+          </a:p>
+          <a:p>
+            <a:r>
+              <a:t>- Capacity planning required 6-12 months lead time</a:t>
+            </a:r>
+          </a:p>
+          <a:p/>
+          <a:p>
+            <a:r>
+              <a:t>*After (AWS):*</a:t>
+            </a:r>
+          </a:p>
+          <a:p>
+            <a:r>
+              <a:t>- Annual cloud costs: $237,000 (projected)</a:t>
+            </a:r>
+          </a:p>
+          <a:p>
+            <a:r>
+              <a:t>- Pay-as-you-go model</a:t>
+            </a:r>
+          </a:p>
+          <a:p>
+            <a:r>
+              <a:t>- No hardware ownership</a:t>
+            </a:r>
+          </a:p>
+          <a:p>
+            <a:r>
+              <a:t>- Instant capacity adjustments</a:t>
+            </a:r>
+          </a:p>
+          <a:p/>
+          <a:p>
+            <a:r>
+              <a:t>*Savings Breakdown:*</a:t>
+            </a:r>
+          </a:p>
+          <a:p>
+            <a:r>
+              <a:t>| Category | On-Prem | AWS | Savings |</a:t>
+            </a:r>
+          </a:p>
+          <a:p>
+            <a:r>
+              <a:t>|----------|---------|-----|---------|</a:t>
+            </a:r>
+          </a:p>
+          <a:p>
+            <a:r>
+              <a:t>| Compute | $150,000 | $98,000 | 35% |</a:t>
+            </a:r>
+          </a:p>
+          <a:p>
+            <a:r>
+              <a:t>| Storage | $60,000 | $38,000 | 37% |</a:t>
+            </a:r>
+          </a:p>
+          <a:p>
+            <a:r>
+              <a:t>| Network | $45,000 | $32,000 | 29% |</a:t>
+            </a:r>
+          </a:p>
+          <a:p>
+            <a:r>
+              <a:t>| Support | $110,000 | $69,000 | 37% |</a:t>
+            </a:r>
+          </a:p>
+          <a:p>
+            <a:r>
+              <a:t>| **Total** | **$365,000** | **$237,000** | **35%** |</a:t>
+            </a:r>
+          </a:p>
+          <a:p/>
+          <a:p>
+            <a:r>
+              <a:t>**Hardware Refresh Avoided - $180,000:**</a:t>
+            </a:r>
+          </a:p>
+          <a:p>
+            <a:r>
+              <a:t>- Server refresh planned for 2025: $120,000</a:t>
+            </a:r>
+          </a:p>
+          <a:p>
+            <a:r>
+              <a:t>- Storage array upgrade: $40,000</a:t>
+            </a:r>
+          </a:p>
+          <a:p>
+            <a:r>
+              <a:t>- Network equipment: $20,000</a:t>
+            </a:r>
+          </a:p>
+          <a:p>
+            <a:r>
+              <a:t>- Now eliminated from capital planning</a:t>
+            </a:r>
+          </a:p>
+          <a:p/>
+          <a:p>
+            <a:r>
+              <a:t>**Provisioning Time - 15 Minutes:**</a:t>
+            </a:r>
+          </a:p>
+          <a:p>
+            <a:r>
+              <a:t>- On-premise: 4-6 weeks for new server</a:t>
+            </a:r>
+          </a:p>
+          <a:p>
+            <a:r>
+              <a:t>- AWS: 15 minutes with CloudFormation</a:t>
+            </a:r>
+          </a:p>
+          <a:p>
+            <a:r>
+              <a:t>- Impact: Faster project delivery</a:t>
+            </a:r>
+          </a:p>
+          <a:p>
+            <a:r>
+              <a:t>- Example: Dev environment spun up in hours vs weeks</a:t>
+            </a:r>
+          </a:p>
+          <a:p/>
+          <a:p>
+            <a:r>
+              <a:t>**Scalability - Auto-Scaling Implemented:**</a:t>
+            </a:r>
+          </a:p>
+          <a:p>
+            <a:r>
+              <a:t>- Auto Scaling Groups configured for all apps</a:t>
+            </a:r>
+          </a:p>
+          <a:p>
+            <a:r>
+              <a:t>- Scale-out triggers at 70% CPU utilization</a:t>
+            </a:r>
+          </a:p>
+          <a:p>
+            <a:r>
+              <a:t>- Scale-in during off-hours (cost savings)</a:t>
+            </a:r>
+          </a:p>
+          <a:p>
+            <a:r>
+              <a:t>- Tested: Handled 3x normal load during testing</a:t>
+            </a:r>
+          </a:p>
+          <a:p/>
+          <a:p>
+            <a:r>
+              <a:t>**Business Continuity - 99.95% Achieved:**</a:t>
+            </a:r>
+          </a:p>
+          <a:p>
+            <a:r>
+              <a:t>- Multi-AZ deployment across 2 Availability Zones</a:t>
+            </a:r>
+          </a:p>
+          <a:p>
+            <a:r>
+              <a:t>- Automated failover for RDS databases</a:t>
+            </a:r>
+          </a:p>
+          <a:p>
+            <a:r>
+              <a:t>- S3 cross-region replication for critical data</a:t>
+            </a:r>
+          </a:p>
+          <a:p>
+            <a:r>
+              <a:t>- DR capability within single region</a:t>
+            </a:r>
+          </a:p>
+          <a:p/>
+          <a:p>
+            <a:r>
+              <a:t>**IT Focus - 40% Time Freed:**</a:t>
+            </a:r>
+          </a:p>
+          <a:p>
+            <a:r>
+              <a:t>- Before: 60% time on infrastructure maintenance</a:t>
+            </a:r>
+          </a:p>
+          <a:p>
+            <a:r>
+              <a:t>- After: 20% time on cloud operations</a:t>
+            </a:r>
+          </a:p>
+          <a:p>
+            <a:r>
+              <a:t>- Freed capacity: Strategic projects, innovation</a:t>
+            </a:r>
+          </a:p>
+          <a:p>
+            <a:r>
+              <a:t>- Example: New mobile app project now underway</a:t>
+            </a:r>
+          </a:p>
+          <a:p/>
+          <a:p>
+            <a:r>
+              <a:t>*Transition:*</a:t>
+            </a:r>
+          </a:p>
+          <a:p>
+            <a:r>
+              <a:t>"We learned valuable lessons that will help future cloud initiatives..."</a:t>
+            </a:r>
+          </a:p>
+        </p:txBody>
+      </p:sp>
+    </p:spTree>
+  </p:cSld>
+  <p:clrMapOvr>
+    <a:masterClrMapping/>
+  </p:clrMapOvr>
+</p:notes>
+</file>
+
+<file path=ppt/notesSlides/notesSlide6.xml><?xml version="1.0" encoding="utf-8"?>
+<p:notes xmlns:a="http://schemas.openxmlformats.org/drawingml/2006/main" xmlns:p="http://schemas.openxmlformats.org/presentationml/2006/main" xmlns:r="http://schemas.openxmlformats.org/officeDocument/2006/relationships">
+  <p:cSld>
+    <p:spTree>
+      <p:nvGrpSpPr>
+        <p:cNvPr id="1" name=""/>
+        <p:cNvGrpSpPr/>
+        <p:nvPr/>
+      </p:nvGrpSpPr>
+      <p:grpSpPr>
+        <a:xfrm>
+          <a:off x="0" y="0"/>
+          <a:ext cx="0" cy="0"/>
+          <a:chOff x="0" y="0"/>
+          <a:chExt cx="0" cy="0"/>
+        </a:xfrm>
+      </p:grpSpPr>
+      <p:sp>
+        <p:nvSpPr>
+          <p:cNvPr id="2" name="Slide Image Placeholder 1"/>
+          <p:cNvSpPr>
+            <a:spLocks noGrp="1"/>
+          </p:cNvSpPr>
+          <p:nvPr>
+            <p:ph type="sldImg"/>
+          </p:nvPr>
+        </p:nvSpPr>
+        <p:spPr/>
+      </p:sp>
+      <p:sp>
+        <p:nvSpPr>
+          <p:cNvPr id="3" name="Notes Placeholder 2"/>
+          <p:cNvSpPr>
+            <a:spLocks noGrp="1"/>
+          </p:cNvSpPr>
+          <p:nvPr>
+            <p:ph type="body" idx="1"/>
+          </p:nvPr>
+        </p:nvSpPr>
+        <p:spPr/>
+        <p:txBody>
+          <a:bodyPr/>
+          <a:lstStyle/>
+          <a:p>
+            <a:r>
+              <a:t>*Lessons Learned - Comprehensive Review:*</a:t>
+            </a:r>
+          </a:p>
+          <a:p/>
+          <a:p>
+            <a:r>
+              <a:t>**What Worked Well - Details:**</a:t>
+            </a:r>
+          </a:p>
+          <a:p/>
+          <a:p>
+            <a:r>
+              <a:t>*1. Early Application Discovery (Months 1-2):*</a:t>
+            </a:r>
+          </a:p>
+          <a:p>
+            <a:r>
+              <a:t>- AWS Application Discovery Service identified all dependencies</a:t>
+            </a:r>
+          </a:p>
+          <a:p>
+            <a:r>
+              <a:t>- Prevented migration surprises</a:t>
+            </a:r>
+          </a:p>
+          <a:p>
+            <a:r>
+              <a:t>- Accurate wave sequencing</a:t>
+            </a:r>
+          </a:p>
+          <a:p>
+            <a:r>
+              <a:t>- Recommendation: Always invest in thorough discovery</a:t>
+            </a:r>
+          </a:p>
+          <a:p/>
+          <a:p>
+            <a:r>
+              <a:t>*2. Wave-Based Migration Approach:*</a:t>
+            </a:r>
+          </a:p>
+          <a:p>
+            <a:r>
+              <a:t>- Wave 1: Non-critical apps built confidence</a:t>
+            </a:r>
+          </a:p>
+          <a:p>
+            <a:r>
+              <a:t>- Lessons applied to subsequent waves</a:t>
+            </a:r>
+          </a:p>
+          <a:p>
+            <a:r>
+              <a:t>- Risk contained to each wave</a:t>
+            </a:r>
+          </a:p>
+          <a:p>
+            <a:r>
+              <a:t>- Recommendation: Never big-bang migrations</a:t>
+            </a:r>
+          </a:p>
+          <a:p/>
+          <a:p>
+            <a:r>
+              <a:t>*3. Automated Migration Tooling:*</a:t>
+            </a:r>
+          </a:p>
+          <a:p>
+            <a:r>
+              <a:t>- AWS MGN for server migrations</a:t>
+            </a:r>
+          </a:p>
+          <a:p>
+            <a:r>
+              <a:t>- AWS DMS for database migrations</a:t>
+            </a:r>
+          </a:p>
+          <a:p>
+            <a:r>
+              <a:t>- Custom scripts for validation</a:t>
+            </a:r>
+          </a:p>
+          <a:p>
+            <a:r>
+              <a:t>- Time savings: 40% vs manual approach</a:t>
+            </a:r>
+          </a:p>
+          <a:p/>
+          <a:p>
+            <a:r>
+              <a:t>*4. Strong Executive Sponsorship:*</a:t>
+            </a:r>
+          </a:p>
+          <a:p>
+            <a:r>
+              <a:t>- [Sponsor Name] championed the project</a:t>
+            </a:r>
+          </a:p>
+          <a:p>
+            <a:r>
+              <a:t>- Removed organizational blockers</a:t>
+            </a:r>
+          </a:p>
+          <a:p>
+            <a:r>
+              <a:t>- Secured budget and resources</a:t>
+            </a:r>
+          </a:p>
+          <a:p>
+            <a:r>
+              <a:t>- Recommendation: Essential for success</a:t>
+            </a:r>
+          </a:p>
+          <a:p/>
+          <a:p>
+            <a:r>
+              <a:t>**Challenges Overcome - Details:**</a:t>
+            </a:r>
+          </a:p>
+          <a:p/>
+          <a:p>
+            <a:r>
+              <a:t>*1. Legacy Application Dependencies:*</a:t>
+            </a:r>
+          </a:p>
+          <a:p>
+            <a:r>
+              <a:t>- Challenge: Undocumented dependencies</a:t>
+            </a:r>
+          </a:p>
+          <a:p>
+            <a:r>
+              <a:t>- Impact: Week 2 delay in Wave 3</a:t>
+            </a:r>
+          </a:p>
+          <a:p>
+            <a:r>
+              <a:t>- Resolution: Additional discovery and stakeholder interviews</a:t>
+            </a:r>
+          </a:p>
+          <a:p>
+            <a:r>
+              <a:t>- Prevention: Include legacy SMEs in discovery</a:t>
+            </a:r>
+          </a:p>
+          <a:p/>
+          <a:p>
+            <a:r>
+              <a:t>*2. Database Cutover Coordination:*</a:t>
+            </a:r>
+          </a:p>
+          <a:p>
+            <a:r>
+              <a:t>- Challenge: Multi-database transactions</a:t>
+            </a:r>
+          </a:p>
+          <a:p>
+            <a:r>
+              <a:t>- Impact: Extended cutover window by 2 hours</a:t>
+            </a:r>
+          </a:p>
+          <a:p>
+            <a:r>
+              <a:t>- Resolution: Transaction freeze window</a:t>
+            </a:r>
+          </a:p>
+          <a:p>
+            <a:r>
+              <a:t>- Prevention: Earlier rehearsal cutovers</a:t>
+            </a:r>
+          </a:p>
+          <a:p/>
+          <a:p>
+            <a:r>
+              <a:t>*3. Network Bandwidth Saturation:*</a:t>
+            </a:r>
+          </a:p>
+          <a:p>
+            <a:r>
+              <a:t>- Challenge: Data transfer during business hours</a:t>
+            </a:r>
+          </a:p>
+          <a:p>
+            <a:r>
+              <a:t>- Impact: Slow application performance</a:t>
+            </a:r>
+          </a:p>
+          <a:p>
+            <a:r>
+              <a:t>- Resolution: Throttled transfers, off-hours migration</a:t>
+            </a:r>
+          </a:p>
+          <a:p>
+            <a:r>
+              <a:t>- Prevention: Dedicated migration bandwidth</a:t>
+            </a:r>
+          </a:p>
+          <a:p/>
+          <a:p>
+            <a:r>
+              <a:t>**Recommendations for Future:**</a:t>
+            </a:r>
+          </a:p>
+          <a:p/>
+          <a:p>
+            <a:r>
+              <a:t>*1. Cloud-Native Development:*</a:t>
+            </a:r>
+          </a:p>
+          <a:p>
+            <a:r>
+              <a:t>- New applications should be cloud-native</a:t>
+            </a:r>
+          </a:p>
+          <a:p>
+            <a:r>
+              <a:t>- Consider containers and serverless</a:t>
+            </a:r>
+          </a:p>
+          <a:p>
+            <a:r>
+              <a:t>- AWS CDK for infrastructure as code</a:t>
+            </a:r>
+          </a:p>
+          <a:p>
+            <a:r>
+              <a:t>- Training investment: $15,000 estimated</a:t>
+            </a:r>
+          </a:p>
+          <a:p/>
+          <a:p>
+            <a:r>
+              <a:t>*2. FinOps Practices:*</a:t>
+            </a:r>
+          </a:p>
+          <a:p>
+            <a:r>
+              <a:t>- Implement AWS Cost Explorer dashboards</a:t>
+            </a:r>
+          </a:p>
+          <a:p>
+            <a:r>
+              <a:t>- Monthly cost review meetings</a:t>
+            </a:r>
+          </a:p>
+          <a:p>
+            <a:r>
+              <a:t>- Chargeback/showback model</a:t>
+            </a:r>
+          </a:p>
+          <a:p>
+            <a:r>
+              <a:t>- Target: 10% additional savings</a:t>
+            </a:r>
+          </a:p>
+          <a:p/>
+          <a:p>
+            <a:r>
+              <a:t>*3. Reserved Instance Coverage:*</a:t>
+            </a:r>
+          </a:p>
+          <a:p>
+            <a:r>
+              <a:t>- Current: 40% coverage</a:t>
+            </a:r>
+          </a:p>
+          <a:p>
+            <a:r>
+              <a:t>- Recommended: 70% coverage for stable workloads</a:t>
+            </a:r>
+          </a:p>
+          <a:p>
+            <a:r>
+              <a:t>- Potential savings: $35,000/year additional</a:t>
+            </a:r>
+          </a:p>
+          <a:p>
+            <a:r>
+              <a:t>- 1-year term recommended initially</a:t>
+            </a:r>
+          </a:p>
+          <a:p/>
+          <a:p>
+            <a:r>
+              <a:t>*Transition:*</a:t>
+            </a:r>
+          </a:p>
+          <a:p>
+            <a:r>
+              <a:t>"Let me walk you through the support transition..."</a:t>
+            </a:r>
+          </a:p>
+        </p:txBody>
+      </p:sp>
+    </p:spTree>
+  </p:cSld>
+  <p:clrMapOvr>
+    <a:masterClrMapping/>
+  </p:clrMapOvr>
+</p:notes>
+</file>
+
+<file path=ppt/notesSlides/notesSlide7.xml><?xml version="1.0" encoding="utf-8"?>
+<p:notes xmlns:a="http://schemas.openxmlformats.org/drawingml/2006/main" xmlns:p="http://schemas.openxmlformats.org/presentationml/2006/main" xmlns:r="http://schemas.openxmlformats.org/officeDocument/2006/relationships">
+  <p:cSld>
+    <p:spTree>
+      <p:nvGrpSpPr>
+        <p:cNvPr id="1" name=""/>
+        <p:cNvGrpSpPr/>
+        <p:nvPr/>
+      </p:nvGrpSpPr>
+      <p:grpSpPr>
+        <a:xfrm>
+          <a:off x="0" y="0"/>
+          <a:ext cx="0" cy="0"/>
+          <a:chOff x="0" y="0"/>
+          <a:chExt cx="0" cy="0"/>
+        </a:xfrm>
+      </p:grpSpPr>
+      <p:sp>
+        <p:nvSpPr>
+          <p:cNvPr id="2" name="Slide Image Placeholder 1"/>
+          <p:cNvSpPr>
+            <a:spLocks noGrp="1"/>
+          </p:cNvSpPr>
+          <p:nvPr>
+            <p:ph type="sldImg"/>
+          </p:nvPr>
+        </p:nvSpPr>
+        <p:spPr/>
+      </p:sp>
+      <p:sp>
+        <p:nvSpPr>
+          <p:cNvPr id="3" name="Notes Placeholder 2"/>
+          <p:cNvSpPr>
+            <a:spLocks noGrp="1"/>
+          </p:cNvSpPr>
+          <p:nvPr>
+            <p:ph type="body" idx="1"/>
+          </p:nvPr>
+        </p:nvSpPr>
+        <p:spPr/>
+        <p:txBody>
+          <a:bodyPr/>
+          <a:lstStyle/>
+          <a:p>
+            <a:r>
+              <a:t>*Support Transition - Complete Details:*</a:t>
+            </a:r>
+          </a:p>
+          <a:p/>
+          <a:p>
+            <a:r>
+              <a:t>**Hypercare Period Summary (30 Days Post-Migration):**</a:t>
+            </a:r>
+          </a:p>
+          <a:p/>
+          <a:p>
+            <a:r>
+              <a:t>*Daily Activities Completed:*</a:t>
+            </a:r>
+          </a:p>
+          <a:p>
+            <a:r>
+              <a:t>- Morning standup calls (9am) - first 2 weeks</a:t>
+            </a:r>
+          </a:p>
+          <a:p>
+            <a:r>
+              <a:t>- CloudWatch dashboard review</a:t>
+            </a:r>
+          </a:p>
+          <a:p>
+            <a:r>
+              <a:t>- Application health check</a:t>
+            </a:r>
+          </a:p>
+          <a:p>
+            <a:r>
+              <a:t>- User feedback collection</a:t>
+            </a:r>
+          </a:p>
+          <a:p>
+            <a:r>
+              <a:t>- Issue triage and resolution</a:t>
+            </a:r>
+          </a:p>
+          <a:p/>
+          <a:p>
+            <a:r>
+              <a:t>*Issues Resolved During Hypercare:*</a:t>
+            </a:r>
+          </a:p>
+          <a:p/>
+          <a:p>
+            <a:r>
+              <a:t>Issue #1 (P3) - Day 3:</a:t>
+            </a:r>
+          </a:p>
+          <a:p>
+            <a:r>
+              <a:t>- Problem: S3 bucket permissions too restrictive</a:t>
+            </a:r>
+          </a:p>
+          <a:p>
+            <a:r>
+              <a:t>- Impact: Document upload failures</a:t>
+            </a:r>
+          </a:p>
+          <a:p>
+            <a:r>
+              <a:t>- Resolution: IAM policy adjustment</a:t>
+            </a:r>
+          </a:p>
+          <a:p>
+            <a:r>
+              <a:t>- Prevention: Additional testing of IAM policies</a:t>
+            </a:r>
+          </a:p>
+          <a:p/>
+          <a:p>
+            <a:r>
+              <a:t>Issue #2 (P3) - Day 8:</a:t>
+            </a:r>
+          </a:p>
+          <a:p>
+            <a:r>
+              <a:t>- Problem: RDS storage scaling needed</a:t>
+            </a:r>
+          </a:p>
+          <a:p>
+            <a:r>
+              <a:t>- Impact: Database performance warning</a:t>
+            </a:r>
+          </a:p>
+          <a:p>
+            <a:r>
+              <a:t>- Resolution: Enabled storage autoscaling</a:t>
+            </a:r>
+          </a:p>
+          <a:p>
+            <a:r>
+              <a:t>- Recommendation: Enable for all RDS instances</a:t>
+            </a:r>
+          </a:p>
+          <a:p/>
+          <a:p>
+            <a:r>
+              <a:t>Issue #3 (P3) - Day 15:</a:t>
+            </a:r>
+          </a:p>
+          <a:p>
+            <a:r>
+              <a:t>- Problem: CloudWatch alarm threshold too sensitive</a:t>
+            </a:r>
+          </a:p>
+          <a:p>
+            <a:r>
+              <a:t>- Impact: False positive alerts</a:t>
+            </a:r>
+          </a:p>
+          <a:p>
+            <a:r>
+              <a:t>- Resolution: Adjusted thresholds</a:t>
+            </a:r>
+          </a:p>
+          <a:p>
+            <a:r>
+              <a:t>- Prevention: Document optimal thresholds</a:t>
+            </a:r>
+          </a:p>
+          <a:p/>
+          <a:p>
+            <a:r>
+              <a:t>*Knowledge Transfer Sessions Delivered:*</a:t>
+            </a:r>
+          </a:p>
+          <a:p/>
+          <a:p>
+            <a:r>
+              <a:t>| Session | Date | Attendees | Duration | Recording |</a:t>
+            </a:r>
+          </a:p>
+          <a:p>
+            <a:r>
+              <a:t>|---------|------|-----------|----------|-----------|</a:t>
+            </a:r>
+          </a:p>
+          <a:p>
+            <a:r>
+              <a:t>| AWS Console Overview | Month 8 | 8 ops staff | 2 hours | Yes |</a:t>
+            </a:r>
+          </a:p>
+          <a:p>
+            <a:r>
+              <a:t>| CloudWatch Monitoring | Month 8 | 8 ops staff | 1.5 hours | Yes |</a:t>
+            </a:r>
+          </a:p>
+          <a:p>
+            <a:r>
+              <a:t>| Cost Management | Month 8 | 6 staff | 1 hour | Yes |</a:t>
+            </a:r>
+          </a:p>
+          <a:p>
+            <a:r>
+              <a:t>| Security Operations | Month 9 | 4 security | 1.5 hours | Yes |</a:t>
+            </a:r>
+          </a:p>
+          <a:p>
+            <a:r>
+              <a:t>| Incident Response | Month 9 | 8 ops staff | 1 hour | Yes |</a:t>
+            </a:r>
+          </a:p>
+          <a:p/>
+          <a:p>
+            <a:r>
+              <a:t>**Steady State Support Model:**</a:t>
+            </a:r>
+          </a:p>
+          <a:p/>
+          <a:p>
+            <a:r>
+              <a:t>*What Client Team Handles (L1/L2):*</a:t>
+            </a:r>
+          </a:p>
+          <a:p>
+            <a:r>
+              <a:t>- Day-to-day monitoring via CloudWatch</a:t>
+            </a:r>
+          </a:p>
+          <a:p>
+            <a:r>
+              <a:t>- Basic troubleshooting (per runbook)</a:t>
+            </a:r>
+          </a:p>
+          <a:p>
+            <a:r>
+              <a:t>- Cost optimization reviews</a:t>
+            </a:r>
+          </a:p>
+          <a:p>
+            <a:r>
+              <a:t>- User support and access requests</a:t>
+            </a:r>
+          </a:p>
+          <a:p>
+            <a:r>
+              <a:t>- Routine maintenance windows</a:t>
+            </a:r>
+          </a:p>
+          <a:p/>
+          <a:p>
+            <a:r>
+              <a:t>*When to Escalate to AWS (L3):*</a:t>
+            </a:r>
+          </a:p>
+          <a:p>
+            <a:r>
+              <a:t>- Service-level issues with AWS services</a:t>
+            </a:r>
+          </a:p>
+          <a:p>
+            <a:r>
+              <a:t>- Architecture guidance requests</a:t>
+            </a:r>
+          </a:p>
+          <a:p>
+            <a:r>
+              <a:t>- Performance optimization consulting</a:t>
+            </a:r>
+          </a:p>
+          <a:p>
+            <a:r>
+              <a:t>- New service evaluation</a:t>
+            </a:r>
+          </a:p>
+          <a:p>
+            <a:r>
+              <a:t>- Enterprise Support benefits</a:t>
+            </a:r>
+          </a:p>
+          <a:p/>
+          <a:p>
+            <a:r>
+              <a:t>*Transition:*</a:t>
+            </a:r>
+          </a:p>
+          <a:p>
+            <a:r>
+              <a:t>"Let me acknowledge the team and outline next steps..."</a:t>
+            </a:r>
+          </a:p>
+        </p:txBody>
+      </p:sp>
+    </p:spTree>
+  </p:cSld>
+  <p:clrMapOvr>
+    <a:masterClrMapping/>
+  </p:clrMapOvr>
+</p:notes>
+</file>
+
+<file path=ppt/notesSlides/notesSlide8.xml><?xml version="1.0" encoding="utf-8"?>
+<p:notes xmlns:a="http://schemas.openxmlformats.org/drawingml/2006/main" xmlns:p="http://schemas.openxmlformats.org/presentationml/2006/main" xmlns:r="http://schemas.openxmlformats.org/officeDocument/2006/relationships">
+  <p:cSld>
+    <p:spTree>
+      <p:nvGrpSpPr>
+        <p:cNvPr id="1" name=""/>
+        <p:cNvGrpSpPr/>
+        <p:nvPr/>
+      </p:nvGrpSpPr>
+      <p:grpSpPr>
+        <a:xfrm>
+          <a:off x="0" y="0"/>
+          <a:ext cx="0" cy="0"/>
+          <a:chOff x="0" y="0"/>
+          <a:chExt cx="0" cy="0"/>
+        </a:xfrm>
+      </p:grpSpPr>
+      <p:sp>
+        <p:nvSpPr>
+          <p:cNvPr id="2" name="Slide Image Placeholder 1"/>
+          <p:cNvSpPr>
+            <a:spLocks noGrp="1"/>
+          </p:cNvSpPr>
+          <p:nvPr>
+            <p:ph type="sldImg"/>
+          </p:nvPr>
+        </p:nvSpPr>
+        <p:spPr/>
+      </p:sp>
+      <p:sp>
+        <p:nvSpPr>
+          <p:cNvPr id="3" name="Notes Placeholder 2"/>
+          <p:cNvSpPr>
+            <a:spLocks noGrp="1"/>
+          </p:cNvSpPr>
+          <p:nvPr>
+            <p:ph type="body" idx="1"/>
+          </p:nvPr>
+        </p:nvSpPr>
+        <p:spPr/>
+        <p:txBody>
+          <a:bodyPr/>
+          <a:lstStyle/>
+          <a:p>
+            <a:r>
+              <a:t>*Acknowledgments - Recognize Key Contributors:*</a:t>
+            </a:r>
+          </a:p>
+          <a:p/>
+          <a:p>
+            <a:r>
+              <a:t>**Client Team Recognition:**</a:t>
+            </a:r>
+          </a:p>
+          <a:p/>
+          <a:p>
+            <a:r>
+              <a:t>*Executive Sponsor - [Name]:*</a:t>
+            </a:r>
+          </a:p>
+          <a:p>
+            <a:r>
+              <a:t>- Championed the cloud initiative from day one</a:t>
+            </a:r>
+          </a:p>
+          <a:p>
+            <a:r>
+              <a:t>- Secured budget and organizational commitment</a:t>
+            </a:r>
+          </a:p>
+          <a:p>
+            <a:r>
+              <a:t>- Removed blockers and accelerated decisions</a:t>
+            </a:r>
+          </a:p>
+          <a:p>
+            <a:r>
+              <a:t>- Visible leadership during migration weekends</a:t>
+            </a:r>
+          </a:p>
+          <a:p/>
+          <a:p>
+            <a:r>
+              <a:t>*IT Director - [Name]:*</a:t>
+            </a:r>
+          </a:p>
+          <a:p>
+            <a:r>
+              <a:t>- Technical leadership throughout project</a:t>
+            </a:r>
+          </a:p>
+          <a:p>
+            <a:r>
+              <a:t>- AWS account setup and governance</a:t>
+            </a:r>
+          </a:p>
+          <a:p>
+            <a:r>
+              <a:t>- Knowledge transfer coordination</a:t>
+            </a:r>
+          </a:p>
+          <a:p>
+            <a:r>
+              <a:t>- Future cloud strategy development</a:t>
+            </a:r>
+          </a:p>
+          <a:p/>
+          <a:p>
+            <a:r>
+              <a:t>*Operations Team:*</a:t>
+            </a:r>
+          </a:p>
+          <a:p>
+            <a:r>
+              <a:t>- Embraced AWS training and certifications</a:t>
+            </a:r>
+          </a:p>
+          <a:p>
+            <a:r>
+              <a:t>- Participated in all migration events</a:t>
+            </a:r>
+          </a:p>
+          <a:p>
+            <a:r>
+              <a:t>- Validated runbook procedures</a:t>
+            </a:r>
+          </a:p>
+          <a:p>
+            <a:r>
+              <a:t>- Ready for cloud-first operations</a:t>
+            </a:r>
+          </a:p>
+          <a:p/>
+          <a:p>
+            <a:r>
+              <a:t>**Vendor Team Recognition:**</a:t>
+            </a:r>
+          </a:p>
+          <a:p/>
+          <a:p>
+            <a:r>
+              <a:t>*Project Manager - [Name]:*</a:t>
+            </a:r>
+          </a:p>
+          <a:p>
+            <a:r>
+              <a:t>- Overall delivery accountability</a:t>
+            </a:r>
+          </a:p>
+          <a:p>
+            <a:r>
+              <a:t>- Stakeholder communication</a:t>
+            </a:r>
+          </a:p>
+          <a:p>
+            <a:r>
+              <a:t>- Risk management and mitigation</a:t>
+            </a:r>
+          </a:p>
+          <a:p>
+            <a:r>
+              <a:t>- On-time, on-budget delivery</a:t>
+            </a:r>
+          </a:p>
+          <a:p/>
+          <a:p>
+            <a:r>
+              <a:t>*Solutions Architect - [Name]:*</a:t>
+            </a:r>
+          </a:p>
+          <a:p>
+            <a:r>
+              <a:t>- AWS architecture design</a:t>
+            </a:r>
+          </a:p>
+          <a:p>
+            <a:r>
+              <a:t>- Landing zone implementation</a:t>
+            </a:r>
+          </a:p>
+          <a:p>
+            <a:r>
+              <a:t>- Security baseline configuration</a:t>
+            </a:r>
+          </a:p>
+          <a:p>
+            <a:r>
+              <a:t>- Best practices adoption</a:t>
+            </a:r>
+          </a:p>
+          <a:p/>
+          <a:p>
+            <a:r>
+              <a:t>*Migration Engineers - [Names]:*</a:t>
+            </a:r>
+          </a:p>
+          <a:p>
+            <a:r>
+              <a:t>- Application migration execution</a:t>
+            </a:r>
+          </a:p>
+          <a:p>
+            <a:r>
+              <a:t>- Database migration (zero data loss)</a:t>
+            </a:r>
+          </a:p>
+          <a:p>
+            <a:r>
+              <a:t>- Automation development</a:t>
+            </a:r>
+          </a:p>
+          <a:p>
+            <a:r>
+              <a:t>- Testing and validation</a:t>
+            </a:r>
+          </a:p>
+          <a:p/>
+          <a:p>
+            <a:r>
+              <a:t>**Immediate Next Steps (This Week):**</a:t>
+            </a:r>
+          </a:p>
+          <a:p/>
+          <a:p>
+            <a:r>
+              <a:t>| Task | Owner | Due Date |</a:t>
+            </a:r>
+          </a:p>
+          <a:p>
+            <a:r>
+              <a:t>|------|-------|----------|</a:t>
+            </a:r>
+          </a:p>
+          <a:p>
+            <a:r>
+              <a:t>| Final documentation handover | PM | [Date] |</a:t>
+            </a:r>
+          </a:p>
+          <a:p>
+            <a:r>
+              <a:t>| Archive project files | PM | [Date] |</a:t>
+            </a:r>
+          </a:p>
+          <a:p>
+            <a:r>
+              <a:t>| Close project tracking | PM | [Date] |</a:t>
+            </a:r>
+          </a:p>
+          <a:p>
+            <a:r>
+              <a:t>| Decommission staging | Ops | [Date] |</a:t>
+            </a:r>
+          </a:p>
+          <a:p/>
+          <a:p>
+            <a:r>
+              <a:t>**30-Day Next Steps:**</a:t>
+            </a:r>
+          </a:p>
+          <a:p/>
+          <a:p>
+            <a:r>
+              <a:t>| Task | Owner | Due Date |</a:t>
+            </a:r>
+          </a:p>
+          <a:p>
+            <a:r>
+              <a:t>|------|-------|----------|</a:t>
+            </a:r>
+          </a:p>
+          <a:p>
+            <a:r>
+              <a:t>| Monthly architecture review | Cloud Team | [Date+30] |</a:t>
+            </a:r>
+          </a:p>
+          <a:p>
+            <a:r>
+              <a:t>| Implement Reserved Instances | Cloud Team | [Date+30] |</a:t>
+            </a:r>
+          </a:p>
+          <a:p>
+            <a:r>
+              <a:t>| Cost optimization review | Finance | [Date+30] |</a:t>
+            </a:r>
+          </a:p>
+          <a:p>
+            <a:r>
+              <a:t>| Security assessment | Security | [Date+30] |</a:t>
+            </a:r>
+          </a:p>
+          <a:p/>
+          <a:p>
+            <a:r>
+              <a:t>**Quarterly Planning:**</a:t>
+            </a:r>
+          </a:p>
+          <a:p>
+            <a:r>
+              <a:t>- Containerization evaluation for new apps</a:t>
+            </a:r>
+          </a:p>
+          <a:p>
+            <a:r>
+              <a:t>- Cloud-native development training</a:t>
+            </a:r>
+          </a:p>
+          <a:p>
+            <a:r>
+              <a:t>- Expanded AWS service adoption</a:t>
+            </a:r>
+          </a:p>
+          <a:p>
+            <a:r>
+              <a:t>- Multi-region DR consideration</a:t>
+            </a:r>
+          </a:p>
+          <a:p/>
+          <a:p>
+            <a:r>
+              <a:t>*Transition:*</a:t>
+            </a:r>
+          </a:p>
+          <a:p>
+            <a:r>
+              <a:t>"Thank you for your partnership. Questions?"</a:t>
+            </a:r>
+          </a:p>
+        </p:txBody>
+      </p:sp>
+    </p:spTree>
+  </p:cSld>
+  <p:clrMapOvr>
+    <a:masterClrMapping/>
+  </p:clrMapOvr>
+</p:notes>
+</file>
+
+<file path=ppt/notesSlides/notesSlide9.xml><?xml version="1.0" encoding="utf-8"?>
+<p:notes xmlns:a="http://schemas.openxmlformats.org/drawingml/2006/main" xmlns:p="http://schemas.openxmlformats.org/presentationml/2006/main" xmlns:r="http://schemas.openxmlformats.org/officeDocument/2006/relationships">
+  <p:cSld>
+    <p:spTree>
+      <p:nvGrpSpPr>
+        <p:cNvPr id="1" name=""/>
+        <p:cNvGrpSpPr/>
+        <p:nvPr/>
+      </p:nvGrpSpPr>
+      <p:grpSpPr>
+        <a:xfrm>
+          <a:off x="0" y="0"/>
+          <a:ext cx="0" cy="0"/>
+          <a:chOff x="0" y="0"/>
+          <a:chExt cx="0" cy="0"/>
+        </a:xfrm>
+      </p:grpSpPr>
+      <p:sp>
+        <p:nvSpPr>
+          <p:cNvPr id="2" name="Slide Image Placeholder 1"/>
+          <p:cNvSpPr>
+            <a:spLocks noGrp="1"/>
+          </p:cNvSpPr>
+          <p:nvPr>
+            <p:ph type="sldImg"/>
+          </p:nvPr>
+        </p:nvSpPr>
+        <p:spPr/>
+      </p:sp>
+      <p:sp>
+        <p:nvSpPr>
+          <p:cNvPr id="3" name="Notes Placeholder 2"/>
+          <p:cNvSpPr>
+            <a:spLocks noGrp="1"/>
+          </p:cNvSpPr>
+          <p:nvPr>
+            <p:ph type="body" idx="1"/>
+          </p:nvPr>
+        </p:nvSpPr>
+        <p:spPr/>
+        <p:txBody>
+          <a:bodyPr/>
+          <a:lstStyle/>
+          <a:p>
+            <a:r>
+              <a:t>*Closing and Q&amp;A Preparation:*</a:t>
+            </a:r>
+          </a:p>
+          <a:p/>
+          <a:p>
+            <a:r>
+              <a:t>**Closing Statement:**</a:t>
+            </a:r>
+          </a:p>
+          <a:p>
+            <a:r>
+              <a:t>"Thank you for your partnership throughout this migration journey. We've successfully transformed [Client Name]'s infrastructure from aging on-premise systems to a modern, scalable AWS cloud environment. The 35% cost savings, improved performance, and operational agility position you well for future growth.</a:t>
+            </a:r>
+          </a:p>
+          <a:p/>
+          <a:p>
+            <a:r>
+              <a:t>I want to open the floor for questions. We have [time] remaining."</a:t>
+            </a:r>
+          </a:p>
+          <a:p/>
+          <a:p>
+            <a:r>
+              <a:t>**Anticipated Questions:**</a:t>
+            </a:r>
+          </a:p>
+          <a:p/>
+          <a:p>
+            <a:r>
+              <a:t>*Q: What are the ongoing AWS costs?*</a:t>
+            </a:r>
+          </a:p>
+          <a:p>
+            <a:r>
+              <a:t>A: Current run rate is approximately $20,000/month:</a:t>
+            </a:r>
+          </a:p>
+          <a:p>
+            <a:r>
+              <a:t>- EC2 instances: $11,000</a:t>
+            </a:r>
+          </a:p>
+          <a:p>
+            <a:r>
+              <a:t>- RDS databases: $4,500</a:t>
+            </a:r>
+          </a:p>
+          <a:p>
+            <a:r>
+              <a:t>- S3 storage: $1,500</a:t>
+            </a:r>
+          </a:p>
+          <a:p>
+            <a:r>
+              <a:t>- Network/other: $3,000</a:t>
+            </a:r>
+          </a:p>
+          <a:p>
+            <a:r>
+              <a:t>This will decrease further with Reserved Instances (estimated $4,000/month savings).</a:t>
+            </a:r>
+          </a:p>
+          <a:p/>
+          <a:p>
+            <a:r>
+              <a:t>*Q: How do we handle capacity increases?*</a:t>
+            </a:r>
+          </a:p>
+          <a:p>
+            <a:r>
+              <a:t>A: Auto Scaling is configured for all applications. Simply adjust the max capacity in Auto Scaling Groups via CloudFormation or console. For significant growth, contact AWS Enterprise Support for capacity planning.</a:t>
+            </a:r>
+          </a:p>
+          <a:p/>
+          <a:p>
+            <a:r>
+              <a:t>*Q: What about new applications?*</a:t>
+            </a:r>
+          </a:p>
+          <a:p>
+            <a:r>
+              <a:t>A: New applications should follow cloud-native patterns:</a:t>
+            </a:r>
+          </a:p>
+          <a:p>
+            <a:r>
+              <a:t>- Use managed services where possible</a:t>
+            </a:r>
+          </a:p>
+          <a:p>
+            <a:r>
+              <a:t>- Deploy via CloudFormation/CDK</a:t>
+            </a:r>
+          </a:p>
+          <a:p>
+            <a:r>
+              <a:t>- Consider containers for microservices</a:t>
+            </a:r>
+          </a:p>
+          <a:p>
+            <a:r>
+              <a:t>- Leverage serverless for event-driven workloads</a:t>
+            </a:r>
+          </a:p>
+          <a:p/>
+          <a:p>
+            <a:r>
+              <a:t>*Q: When should we consider containers?*</a:t>
+            </a:r>
+          </a:p>
+          <a:p>
+            <a:r>
+              <a:t>A: Recommended timeline:</a:t>
+            </a:r>
+          </a:p>
+          <a:p>
+            <a:r>
+              <a:t>- Month 1-3: Container training and skills</a:t>
+            </a:r>
+          </a:p>
+          <a:p>
+            <a:r>
+              <a:t>- Month 4-6: Pilot containerization of one app</a:t>
+            </a:r>
+          </a:p>
+          <a:p>
+            <a:r>
+              <a:t>- Month 7+: Expand based on pilot results</a:t>
+            </a:r>
+          </a:p>
+          <a:p>
+            <a:r>
+              <a:t>- Estimated investment: $25,000 for pilot</a:t>
+            </a:r>
+          </a:p>
+          <a:p/>
+          <a:p>
+            <a:r>
+              <a:t>*Q: What about multi-region DR?*</a:t>
+            </a:r>
+          </a:p>
+          <a:p>
+            <a:r>
+              <a:t>A: Current architecture provides:</a:t>
+            </a:r>
+          </a:p>
+          <a:p>
+            <a:r>
+              <a:t>- Multi-AZ availability (99.95%+)</a:t>
+            </a:r>
+          </a:p>
+          <a:p>
+            <a:r>
+              <a:t>- Automated failover within region</a:t>
+            </a:r>
+          </a:p>
+          <a:p>
+            <a:r>
+              <a:t>- S3 cross-region replication active</a:t>
+            </a:r>
+          </a:p>
+          <a:p>
+            <a:r>
+              <a:t>For true multi-region DR, estimate $50,000 additional investment and 4-week implementation.</a:t>
+            </a:r>
+          </a:p>
+          <a:p/>
+          <a:p>
+            <a:r>
+              <a:t>**Follow-Up Commitments:**</a:t>
+            </a:r>
+          </a:p>
+          <a:p>
+            <a:r>
+              <a:t>- [ ] Send final presentation to all attendees</a:t>
+            </a:r>
+          </a:p>
+          <a:p>
+            <a:r>
+              <a:t>- [ ] Distribute project summary document</a:t>
+            </a:r>
+          </a:p>
+          <a:p>
+            <a:r>
+              <a:t>- [ ] Schedule first monthly architecture review</a:t>
+            </a:r>
+          </a:p>
+          <a:p>
+            <a:r>
+              <a:t>- [ ] Provide Reserved Instance recommendations</a:t>
+            </a:r>
+          </a:p>
+          <a:p>
+            <a:r>
+              <a:t>- [ ] Send training materials reminder</a:t>
+            </a:r>
+          </a:p>
+          <a:p/>
+          <a:p>
+            <a:r>
+              <a:t>**Final Closing:**</a:t>
+            </a:r>
+          </a:p>
+          <a:p>
+            <a:r>
+              <a:t>"Thank you again for your trust in our team. This migration establishes the foundation for continued innovation and growth. Please reach out anytime.</a:t>
+            </a:r>
+          </a:p>
+          <a:p/>
+          <a:p>
+            <a:r>
+              <a:t>Have a great [rest of your day/afternoon]."</a:t>
+            </a:r>
+          </a:p>
+        </p:txBody>
+      </p:sp>
+    </p:spTree>
+  </p:cSld>
+  <p:clrMapOvr>
+    <a:masterClrMapping/>
+  </p:clrMapOvr>
+</p:notes>
+</file>
+
 <file path=ppt/slideLayouts/slideLayout1.xml><?xml version="1.0" encoding="utf-8"?>
 <p:sldLayout xmlns:a="http://schemas.openxmlformats.org/drawingml/2006/main" xmlns:r="http://schemas.openxmlformats.org/officeDocument/2006/relationships" xmlns:p="http://schemas.openxmlformats.org/presentationml/2006/main" preserve="1" userDrawn="1">
   <p:cSld name="EO Title Slide">
@@ -633,6 +3413,39 @@
       </p:grpSpPr>
       <p:sp>
         <p:nvSpPr>
+          <p:cNvPr id="12" name="Picture Placeholder 13">
+            <a:extLst>
+              <a:ext uri="{FF2B5EF4-FFF2-40B4-BE49-F238E27FC236}">
+                <a16:creationId xmlns:a16="http://schemas.microsoft.com/office/drawing/2014/main" id="{2DB97592-C4D5-B315-7F11-AA14F6EE8A62}"/>
+              </a:ext>
+            </a:extLst>
+          </p:cNvPr>
+          <p:cNvSpPr>
+            <a:spLocks noGrp="1"/>
+          </p:cNvSpPr>
+          <p:nvPr>
+            <p:ph type="pic" sz="quarter" idx="13"/>
+          </p:nvPr>
+        </p:nvSpPr>
+        <p:spPr>
+          <a:xfrm>
+            <a:off x="313593" y="4536078"/>
+            <a:ext cx="2143858" cy="529698"/>
+          </a:xfrm>
+          <a:prstGeom prst="rect">
+            <a:avLst/>
+          </a:prstGeom>
+        </p:spPr>
+        <p:txBody>
+          <a:bodyPr/>
+          <a:lstStyle/>
+          <a:p>
+            <a:endParaRPr lang="en-US" dirty="0"/>
+          </a:p>
+        </p:txBody>
+      </p:sp>
+      <p:sp>
+        <p:nvSpPr>
           <p:cNvPr id="3" name="Shape 1">
             <a:extLst>
               <a:ext uri="{FF2B5EF4-FFF2-40B4-BE49-F238E27FC236}">
@@ -727,69 +3540,6 @@
       </p:sp>
       <p:sp>
         <p:nvSpPr>
-          <p:cNvPr id="12" name="Picture Placeholder 13">
-            <a:extLst>
-              <a:ext uri="{FF2B5EF4-FFF2-40B4-BE49-F238E27FC236}">
-                <a16:creationId xmlns:a16="http://schemas.microsoft.com/office/drawing/2014/main" id="{2DB97592-C4D5-B315-7F11-AA14F6EE8A62}"/>
-              </a:ext>
-            </a:extLst>
-          </p:cNvPr>
-          <p:cNvSpPr>
-            <a:spLocks noGrp="1"/>
-          </p:cNvSpPr>
-          <p:nvPr>
-            <p:ph type="pic" sz="quarter" idx="13"/>
-          </p:nvPr>
-        </p:nvSpPr>
-        <p:spPr>
-          <a:xfrm>
-            <a:off x="313593" y="4536078"/>
-            <a:ext cx="2143858" cy="529698"/>
-          </a:xfrm>
-          <a:prstGeom prst="rect">
-            <a:avLst/>
-          </a:prstGeom>
-        </p:spPr>
-        <p:txBody>
-          <a:bodyPr/>
-          <a:lstStyle/>
-          <a:p>
-            <a:endParaRPr lang="en-US" dirty="0"/>
-          </a:p>
-        </p:txBody>
-      </p:sp>
-      <p:pic>
-        <p:nvPicPr>
-          <p:cNvPr id="13" name="Image 0" descr="/home/claude/eo-framework-logo.png">
-            <a:extLst>
-              <a:ext uri="{FF2B5EF4-FFF2-40B4-BE49-F238E27FC236}">
-                <a16:creationId xmlns:a16="http://schemas.microsoft.com/office/drawing/2014/main" id="{25116040-BB88-891D-9118-628A78E99872}"/>
-              </a:ext>
-            </a:extLst>
-          </p:cNvPr>
-          <p:cNvPicPr>
-            <a:picLocks noChangeAspect="1"/>
-          </p:cNvPicPr>
-          <p:nvPr userDrawn="1"/>
-        </p:nvPicPr>
-        <p:blipFill>
-          <a:blip r:embed="rId2"/>
-          <a:stretch>
-            <a:fillRect/>
-          </a:stretch>
-        </p:blipFill>
-        <p:spPr>
-          <a:xfrm>
-            <a:off x="6945879" y="4648200"/>
-            <a:ext cx="1952244" cy="417576"/>
-          </a:xfrm>
-          <a:prstGeom prst="rect">
-            <a:avLst/>
-          </a:prstGeom>
-        </p:spPr>
-      </p:pic>
-      <p:sp>
-        <p:nvSpPr>
           <p:cNvPr id="4" name="Text Placeholder 3">
             <a:extLst>
               <a:ext uri="{FF2B5EF4-FFF2-40B4-BE49-F238E27FC236}">
@@ -817,7 +3567,7 @@
           <a:bodyPr/>
           <a:lstStyle>
             <a:lvl1pPr>
-              <a:defRPr sz="2000" baseline="0">
+              <a:defRPr sz="2000" b="1" baseline="0">
                 <a:solidFill>
                   <a:srgbClr val="C00000"/>
                 </a:solidFill>
@@ -863,6 +3613,48 @@
             <a:r>
               <a:rPr lang="en-US" dirty="0"/>
               <a:t>Fourth level</a:t>
+            </a:r>
+          </a:p>
+        </p:txBody>
+      </p:sp>
+      <p:sp>
+        <p:nvSpPr>
+          <p:cNvPr id="5" name="Text Placeholder 4">
+            <a:extLst>
+              <a:ext uri="{FF2B5EF4-FFF2-40B4-BE49-F238E27FC236}">
+                <a16:creationId xmlns:a16="http://schemas.microsoft.com/office/drawing/2014/main" id="{57F71806-AFEA-DD6D-E6AA-E2A002E682DE}"/>
+              </a:ext>
+            </a:extLst>
+          </p:cNvPr>
+          <p:cNvSpPr>
+            <a:spLocks noGrp="1"/>
+          </p:cNvSpPr>
+          <p:nvPr>
+            <p:ph type="body" sz="quarter" idx="15" hasCustomPrompt="1"/>
+          </p:nvPr>
+        </p:nvSpPr>
+        <p:spPr>
+          <a:xfrm>
+            <a:off x="5627076" y="4738688"/>
+            <a:ext cx="3218473" cy="238125"/>
+          </a:xfrm>
+          <a:prstGeom prst="rect">
+            <a:avLst/>
+          </a:prstGeom>
+        </p:spPr>
+        <p:txBody>
+          <a:bodyPr/>
+          <a:lstStyle>
+            <a:lvl5pPr algn="r">
+              <a:buNone/>
+              <a:defRPr sz="1100"/>
+            </a:lvl5pPr>
+          </a:lstStyle>
+          <a:p>
+            <a:pPr lvl="4"/>
+            <a:r>
+              <a:rPr lang="en-US" dirty="0"/>
+              <a:t>Project Name</a:t>
             </a:r>
           </a:p>
         </p:txBody>
@@ -897,6 +3689,39 @@
           <a:chExt cx="0" cy="0"/>
         </a:xfrm>
       </p:grpSpPr>
+      <p:sp>
+        <p:nvSpPr>
+          <p:cNvPr id="12" name="Picture Placeholder 13">
+            <a:extLst>
+              <a:ext uri="{FF2B5EF4-FFF2-40B4-BE49-F238E27FC236}">
+                <a16:creationId xmlns:a16="http://schemas.microsoft.com/office/drawing/2014/main" id="{2DB97592-C4D5-B315-7F11-AA14F6EE8A62}"/>
+              </a:ext>
+            </a:extLst>
+          </p:cNvPr>
+          <p:cNvSpPr>
+            <a:spLocks noGrp="1"/>
+          </p:cNvSpPr>
+          <p:nvPr>
+            <p:ph type="pic" sz="quarter" idx="13"/>
+          </p:nvPr>
+        </p:nvSpPr>
+        <p:spPr>
+          <a:xfrm>
+            <a:off x="313593" y="4536078"/>
+            <a:ext cx="2143858" cy="529698"/>
+          </a:xfrm>
+          <a:prstGeom prst="rect">
+            <a:avLst/>
+          </a:prstGeom>
+        </p:spPr>
+        <p:txBody>
+          <a:bodyPr/>
+          <a:lstStyle/>
+          <a:p>
+            <a:endParaRPr lang="en-US" dirty="0"/>
+          </a:p>
+        </p:txBody>
+      </p:sp>
       <p:sp>
         <p:nvSpPr>
           <p:cNvPr id="3" name="Shape 1">
@@ -993,69 +3818,6 @@
       </p:sp>
       <p:sp>
         <p:nvSpPr>
-          <p:cNvPr id="12" name="Picture Placeholder 13">
-            <a:extLst>
-              <a:ext uri="{FF2B5EF4-FFF2-40B4-BE49-F238E27FC236}">
-                <a16:creationId xmlns:a16="http://schemas.microsoft.com/office/drawing/2014/main" id="{2DB97592-C4D5-B315-7F11-AA14F6EE8A62}"/>
-              </a:ext>
-            </a:extLst>
-          </p:cNvPr>
-          <p:cNvSpPr>
-            <a:spLocks noGrp="1"/>
-          </p:cNvSpPr>
-          <p:nvPr>
-            <p:ph type="pic" sz="quarter" idx="13"/>
-          </p:nvPr>
-        </p:nvSpPr>
-        <p:spPr>
-          <a:xfrm>
-            <a:off x="313593" y="4536078"/>
-            <a:ext cx="2143858" cy="529698"/>
-          </a:xfrm>
-          <a:prstGeom prst="rect">
-            <a:avLst/>
-          </a:prstGeom>
-        </p:spPr>
-        <p:txBody>
-          <a:bodyPr/>
-          <a:lstStyle/>
-          <a:p>
-            <a:endParaRPr lang="en-US" dirty="0"/>
-          </a:p>
-        </p:txBody>
-      </p:sp>
-      <p:pic>
-        <p:nvPicPr>
-          <p:cNvPr id="13" name="Image 0" descr="/home/claude/eo-framework-logo.png">
-            <a:extLst>
-              <a:ext uri="{FF2B5EF4-FFF2-40B4-BE49-F238E27FC236}">
-                <a16:creationId xmlns:a16="http://schemas.microsoft.com/office/drawing/2014/main" id="{25116040-BB88-891D-9118-628A78E99872}"/>
-              </a:ext>
-            </a:extLst>
-          </p:cNvPr>
-          <p:cNvPicPr>
-            <a:picLocks noChangeAspect="1"/>
-          </p:cNvPicPr>
-          <p:nvPr userDrawn="1"/>
-        </p:nvPicPr>
-        <p:blipFill>
-          <a:blip r:embed="rId2"/>
-          <a:stretch>
-            <a:fillRect/>
-          </a:stretch>
-        </p:blipFill>
-        <p:spPr>
-          <a:xfrm>
-            <a:off x="6945879" y="4648200"/>
-            <a:ext cx="1952244" cy="417576"/>
-          </a:xfrm>
-          <a:prstGeom prst="rect">
-            <a:avLst/>
-          </a:prstGeom>
-        </p:spPr>
-      </p:pic>
-      <p:sp>
-        <p:nvSpPr>
           <p:cNvPr id="4" name="Text Placeholder 3">
             <a:extLst>
               <a:ext uri="{FF2B5EF4-FFF2-40B4-BE49-F238E27FC236}">
@@ -1119,6 +3881,48 @@
           </a:p>
         </p:txBody>
       </p:sp>
+      <p:sp>
+        <p:nvSpPr>
+          <p:cNvPr id="5" name="Text Placeholder 4">
+            <a:extLst>
+              <a:ext uri="{FF2B5EF4-FFF2-40B4-BE49-F238E27FC236}">
+                <a16:creationId xmlns:a16="http://schemas.microsoft.com/office/drawing/2014/main" id="{162079A5-28FD-9D2F-2B9B-2FC8F9339A31}"/>
+              </a:ext>
+            </a:extLst>
+          </p:cNvPr>
+          <p:cNvSpPr>
+            <a:spLocks noGrp="1"/>
+          </p:cNvSpPr>
+          <p:nvPr>
+            <p:ph type="body" sz="quarter" idx="15" hasCustomPrompt="1"/>
+          </p:nvPr>
+        </p:nvSpPr>
+        <p:spPr>
+          <a:xfrm>
+            <a:off x="5627076" y="4738688"/>
+            <a:ext cx="3218473" cy="238125"/>
+          </a:xfrm>
+          <a:prstGeom prst="rect">
+            <a:avLst/>
+          </a:prstGeom>
+        </p:spPr>
+        <p:txBody>
+          <a:bodyPr/>
+          <a:lstStyle>
+            <a:lvl5pPr algn="r">
+              <a:buNone/>
+              <a:defRPr sz="1100"/>
+            </a:lvl5pPr>
+          </a:lstStyle>
+          <a:p>
+            <a:pPr lvl="4"/>
+            <a:r>
+              <a:rPr lang="en-US" dirty="0"/>
+              <a:t>Project Name</a:t>
+            </a:r>
+          </a:p>
+        </p:txBody>
+      </p:sp>
     </p:spTree>
     <p:extLst>
       <p:ext uri="{BB962C8B-B14F-4D97-AF65-F5344CB8AC3E}">
@@ -1149,6 +3953,39 @@
           <a:chExt cx="0" cy="0"/>
         </a:xfrm>
       </p:grpSpPr>
+      <p:sp>
+        <p:nvSpPr>
+          <p:cNvPr id="10" name="Picture Placeholder 13">
+            <a:extLst>
+              <a:ext uri="{FF2B5EF4-FFF2-40B4-BE49-F238E27FC236}">
+                <a16:creationId xmlns:a16="http://schemas.microsoft.com/office/drawing/2014/main" id="{6A0FA445-7602-F06E-EC73-5504EBF827CC}"/>
+              </a:ext>
+            </a:extLst>
+          </p:cNvPr>
+          <p:cNvSpPr>
+            <a:spLocks noGrp="1"/>
+          </p:cNvSpPr>
+          <p:nvPr>
+            <p:ph type="pic" sz="quarter" idx="14"/>
+          </p:nvPr>
+        </p:nvSpPr>
+        <p:spPr>
+          <a:xfrm>
+            <a:off x="313592" y="4536078"/>
+            <a:ext cx="2121877" cy="529698"/>
+          </a:xfrm>
+          <a:prstGeom prst="rect">
+            <a:avLst/>
+          </a:prstGeom>
+        </p:spPr>
+        <p:txBody>
+          <a:bodyPr/>
+          <a:lstStyle/>
+          <a:p>
+            <a:endParaRPr lang="en-US" dirty="0"/>
+          </a:p>
+        </p:txBody>
+      </p:sp>
       <p:sp>
         <p:nvSpPr>
           <p:cNvPr id="3" name="Shape 1">
@@ -1243,69 +4080,6 @@
           </a:p>
         </p:txBody>
       </p:sp>
-      <p:pic>
-        <p:nvPicPr>
-          <p:cNvPr id="8" name="Image 0" descr="/home/claude/eo-framework-logo.png">
-            <a:extLst>
-              <a:ext uri="{FF2B5EF4-FFF2-40B4-BE49-F238E27FC236}">
-                <a16:creationId xmlns:a16="http://schemas.microsoft.com/office/drawing/2014/main" id="{4B7035C6-0EF1-6BD3-318E-553D1AAD6709}"/>
-              </a:ext>
-            </a:extLst>
-          </p:cNvPr>
-          <p:cNvPicPr>
-            <a:picLocks noChangeAspect="1"/>
-          </p:cNvPicPr>
-          <p:nvPr userDrawn="1"/>
-        </p:nvPicPr>
-        <p:blipFill>
-          <a:blip r:embed="rId2"/>
-          <a:stretch>
-            <a:fillRect/>
-          </a:stretch>
-        </p:blipFill>
-        <p:spPr>
-          <a:xfrm>
-            <a:off x="6945879" y="4648200"/>
-            <a:ext cx="1952244" cy="417576"/>
-          </a:xfrm>
-          <a:prstGeom prst="rect">
-            <a:avLst/>
-          </a:prstGeom>
-        </p:spPr>
-      </p:pic>
-      <p:sp>
-        <p:nvSpPr>
-          <p:cNvPr id="10" name="Picture Placeholder 13">
-            <a:extLst>
-              <a:ext uri="{FF2B5EF4-FFF2-40B4-BE49-F238E27FC236}">
-                <a16:creationId xmlns:a16="http://schemas.microsoft.com/office/drawing/2014/main" id="{6A0FA445-7602-F06E-EC73-5504EBF827CC}"/>
-              </a:ext>
-            </a:extLst>
-          </p:cNvPr>
-          <p:cNvSpPr>
-            <a:spLocks noGrp="1"/>
-          </p:cNvSpPr>
-          <p:nvPr>
-            <p:ph type="pic" sz="quarter" idx="14"/>
-          </p:nvPr>
-        </p:nvSpPr>
-        <p:spPr>
-          <a:xfrm>
-            <a:off x="313592" y="4536078"/>
-            <a:ext cx="2121877" cy="529698"/>
-          </a:xfrm>
-          <a:prstGeom prst="rect">
-            <a:avLst/>
-          </a:prstGeom>
-        </p:spPr>
-        <p:txBody>
-          <a:bodyPr/>
-          <a:lstStyle/>
-          <a:p>
-            <a:endParaRPr lang="en-US" dirty="0"/>
-          </a:p>
-        </p:txBody>
-      </p:sp>
       <p:sp>
         <p:nvSpPr>
           <p:cNvPr id="6" name="Text Placeholder 5">
@@ -1325,7 +4099,7 @@
         <p:spPr>
           <a:xfrm>
             <a:off x="193675" y="678433"/>
-            <a:ext cx="4462463" cy="3785515"/>
+            <a:ext cx="4431079" cy="3785515"/>
           </a:xfrm>
           <a:prstGeom prst="rect">
             <a:avLst/>
@@ -1335,7 +4109,7 @@
           <a:bodyPr/>
           <a:lstStyle>
             <a:lvl1pPr>
-              <a:defRPr sz="1800">
+              <a:defRPr sz="1800" b="1">
                 <a:solidFill>
                   <a:srgbClr val="C00000"/>
                 </a:solidFill>
@@ -1409,8 +4183,8 @@
         </p:nvSpPr>
         <p:spPr>
           <a:xfrm>
-            <a:off x="4840288" y="678433"/>
-            <a:ext cx="4110037" cy="3785515"/>
+            <a:off x="4721470" y="678433"/>
+            <a:ext cx="4228856" cy="3785515"/>
           </a:xfrm>
           <a:prstGeom prst="rect">
             <a:avLst/>
@@ -1420,7 +4194,7 @@
           <a:bodyPr/>
           <a:lstStyle>
             <a:lvl1pPr>
-              <a:defRPr sz="1800">
+              <a:defRPr sz="1800" b="1">
                 <a:solidFill>
                   <a:srgbClr val="C00000"/>
                 </a:solidFill>
@@ -1472,6 +4246,48 @@
             <a:r>
               <a:rPr lang="en-US" dirty="0"/>
               <a:t>Fifth level</a:t>
+            </a:r>
+          </a:p>
+        </p:txBody>
+      </p:sp>
+      <p:sp>
+        <p:nvSpPr>
+          <p:cNvPr id="4" name="Text Placeholder 4">
+            <a:extLst>
+              <a:ext uri="{FF2B5EF4-FFF2-40B4-BE49-F238E27FC236}">
+                <a16:creationId xmlns:a16="http://schemas.microsoft.com/office/drawing/2014/main" id="{5DF49ED0-89F0-F008-ADD7-D71F338C8B9B}"/>
+              </a:ext>
+            </a:extLst>
+          </p:cNvPr>
+          <p:cNvSpPr>
+            <a:spLocks noGrp="1"/>
+          </p:cNvSpPr>
+          <p:nvPr>
+            <p:ph type="body" sz="quarter" idx="15" hasCustomPrompt="1"/>
+          </p:nvPr>
+        </p:nvSpPr>
+        <p:spPr>
+          <a:xfrm>
+            <a:off x="5697414" y="4681864"/>
+            <a:ext cx="3218473" cy="238125"/>
+          </a:xfrm>
+          <a:prstGeom prst="rect">
+            <a:avLst/>
+          </a:prstGeom>
+        </p:spPr>
+        <p:txBody>
+          <a:bodyPr/>
+          <a:lstStyle>
+            <a:lvl5pPr algn="r">
+              <a:buNone/>
+              <a:defRPr sz="1100"/>
+            </a:lvl5pPr>
+          </a:lstStyle>
+          <a:p>
+            <a:pPr lvl="4"/>
+            <a:r>
+              <a:rPr lang="en-US" dirty="0"/>
+              <a:t>Project Name</a:t>
             </a:r>
           </a:p>
         </p:txBody>
@@ -1506,6 +4322,39 @@
           <a:chExt cx="0" cy="0"/>
         </a:xfrm>
       </p:grpSpPr>
+      <p:sp>
+        <p:nvSpPr>
+          <p:cNvPr id="12" name="Picture Placeholder 13">
+            <a:extLst>
+              <a:ext uri="{FF2B5EF4-FFF2-40B4-BE49-F238E27FC236}">
+                <a16:creationId xmlns:a16="http://schemas.microsoft.com/office/drawing/2014/main" id="{2DB97592-C4D5-B315-7F11-AA14F6EE8A62}"/>
+              </a:ext>
+            </a:extLst>
+          </p:cNvPr>
+          <p:cNvSpPr>
+            <a:spLocks noGrp="1"/>
+          </p:cNvSpPr>
+          <p:nvPr>
+            <p:ph type="pic" sz="quarter" idx="13"/>
+          </p:nvPr>
+        </p:nvSpPr>
+        <p:spPr>
+          <a:xfrm>
+            <a:off x="313592" y="4536078"/>
+            <a:ext cx="2126273" cy="529698"/>
+          </a:xfrm>
+          <a:prstGeom prst="rect">
+            <a:avLst/>
+          </a:prstGeom>
+        </p:spPr>
+        <p:txBody>
+          <a:bodyPr/>
+          <a:lstStyle/>
+          <a:p>
+            <a:endParaRPr lang="en-US" dirty="0"/>
+          </a:p>
+        </p:txBody>
+      </p:sp>
       <p:sp>
         <p:nvSpPr>
           <p:cNvPr id="3" name="Shape 1">
@@ -1629,69 +4478,6 @@
       </p:sp>
       <p:sp>
         <p:nvSpPr>
-          <p:cNvPr id="12" name="Picture Placeholder 13">
-            <a:extLst>
-              <a:ext uri="{FF2B5EF4-FFF2-40B4-BE49-F238E27FC236}">
-                <a16:creationId xmlns:a16="http://schemas.microsoft.com/office/drawing/2014/main" id="{2DB97592-C4D5-B315-7F11-AA14F6EE8A62}"/>
-              </a:ext>
-            </a:extLst>
-          </p:cNvPr>
-          <p:cNvSpPr>
-            <a:spLocks noGrp="1"/>
-          </p:cNvSpPr>
-          <p:nvPr>
-            <p:ph type="pic" sz="quarter" idx="13"/>
-          </p:nvPr>
-        </p:nvSpPr>
-        <p:spPr>
-          <a:xfrm>
-            <a:off x="313592" y="4536078"/>
-            <a:ext cx="2126273" cy="529698"/>
-          </a:xfrm>
-          <a:prstGeom prst="rect">
-            <a:avLst/>
-          </a:prstGeom>
-        </p:spPr>
-        <p:txBody>
-          <a:bodyPr/>
-          <a:lstStyle/>
-          <a:p>
-            <a:endParaRPr lang="en-US" dirty="0"/>
-          </a:p>
-        </p:txBody>
-      </p:sp>
-      <p:pic>
-        <p:nvPicPr>
-          <p:cNvPr id="13" name="Image 0" descr="/home/claude/eo-framework-logo.png">
-            <a:extLst>
-              <a:ext uri="{FF2B5EF4-FFF2-40B4-BE49-F238E27FC236}">
-                <a16:creationId xmlns:a16="http://schemas.microsoft.com/office/drawing/2014/main" id="{25116040-BB88-891D-9118-628A78E99872}"/>
-              </a:ext>
-            </a:extLst>
-          </p:cNvPr>
-          <p:cNvPicPr>
-            <a:picLocks noChangeAspect="1"/>
-          </p:cNvPicPr>
-          <p:nvPr userDrawn="1"/>
-        </p:nvPicPr>
-        <p:blipFill>
-          <a:blip r:embed="rId2"/>
-          <a:stretch>
-            <a:fillRect/>
-          </a:stretch>
-        </p:blipFill>
-        <p:spPr>
-          <a:xfrm>
-            <a:off x="6945879" y="4648200"/>
-            <a:ext cx="1952244" cy="417576"/>
-          </a:xfrm>
-          <a:prstGeom prst="rect">
-            <a:avLst/>
-          </a:prstGeom>
-        </p:spPr>
-      </p:pic>
-      <p:sp>
-        <p:nvSpPr>
           <p:cNvPr id="5" name="Table Placeholder 4">
             <a:extLst>
               <a:ext uri="{FF2B5EF4-FFF2-40B4-BE49-F238E27FC236}">
@@ -1720,6 +4506,48 @@
           <a:lstStyle/>
           <a:p>
             <a:endParaRPr lang="en-US"/>
+          </a:p>
+        </p:txBody>
+      </p:sp>
+      <p:sp>
+        <p:nvSpPr>
+          <p:cNvPr id="4" name="Text Placeholder 4">
+            <a:extLst>
+              <a:ext uri="{FF2B5EF4-FFF2-40B4-BE49-F238E27FC236}">
+                <a16:creationId xmlns:a16="http://schemas.microsoft.com/office/drawing/2014/main" id="{A00DC936-676C-1BAA-B4B4-D45CC5951D6E}"/>
+              </a:ext>
+            </a:extLst>
+          </p:cNvPr>
+          <p:cNvSpPr>
+            <a:spLocks noGrp="1"/>
+          </p:cNvSpPr>
+          <p:nvPr>
+            <p:ph type="body" sz="quarter" idx="15" hasCustomPrompt="1"/>
+          </p:nvPr>
+        </p:nvSpPr>
+        <p:spPr>
+          <a:xfrm>
+            <a:off x="5749315" y="4681864"/>
+            <a:ext cx="3218473" cy="238125"/>
+          </a:xfrm>
+          <a:prstGeom prst="rect">
+            <a:avLst/>
+          </a:prstGeom>
+        </p:spPr>
+        <p:txBody>
+          <a:bodyPr/>
+          <a:lstStyle>
+            <a:lvl5pPr algn="r">
+              <a:buNone/>
+              <a:defRPr sz="1100"/>
+            </a:lvl5pPr>
+          </a:lstStyle>
+          <a:p>
+            <a:pPr lvl="4"/>
+            <a:r>
+              <a:rPr lang="en-US" dirty="0"/>
+              <a:t>Project Name</a:t>
+            </a:r>
           </a:p>
         </p:txBody>
       </p:sp>
@@ -1753,6 +4581,39 @@
           <a:chExt cx="0" cy="0"/>
         </a:xfrm>
       </p:grpSpPr>
+      <p:sp>
+        <p:nvSpPr>
+          <p:cNvPr id="10" name="Picture Placeholder 13">
+            <a:extLst>
+              <a:ext uri="{FF2B5EF4-FFF2-40B4-BE49-F238E27FC236}">
+                <a16:creationId xmlns:a16="http://schemas.microsoft.com/office/drawing/2014/main" id="{6A0FA445-7602-F06E-EC73-5504EBF827CC}"/>
+              </a:ext>
+            </a:extLst>
+          </p:cNvPr>
+          <p:cNvSpPr>
+            <a:spLocks noGrp="1"/>
+          </p:cNvSpPr>
+          <p:nvPr>
+            <p:ph type="pic" sz="quarter" idx="14"/>
+          </p:nvPr>
+        </p:nvSpPr>
+        <p:spPr>
+          <a:xfrm>
+            <a:off x="313592" y="4536078"/>
+            <a:ext cx="2130670" cy="529698"/>
+          </a:xfrm>
+          <a:prstGeom prst="rect">
+            <a:avLst/>
+          </a:prstGeom>
+        </p:spPr>
+        <p:txBody>
+          <a:bodyPr/>
+          <a:lstStyle/>
+          <a:p>
+            <a:endParaRPr lang="en-US" dirty="0"/>
+          </a:p>
+        </p:txBody>
+      </p:sp>
       <p:sp>
         <p:nvSpPr>
           <p:cNvPr id="3" name="Shape 1">
@@ -1847,69 +4708,6 @@
           </a:p>
         </p:txBody>
       </p:sp>
-      <p:pic>
-        <p:nvPicPr>
-          <p:cNvPr id="8" name="Image 0" descr="/home/claude/eo-framework-logo.png">
-            <a:extLst>
-              <a:ext uri="{FF2B5EF4-FFF2-40B4-BE49-F238E27FC236}">
-                <a16:creationId xmlns:a16="http://schemas.microsoft.com/office/drawing/2014/main" id="{4B7035C6-0EF1-6BD3-318E-553D1AAD6709}"/>
-              </a:ext>
-            </a:extLst>
-          </p:cNvPr>
-          <p:cNvPicPr>
-            <a:picLocks noChangeAspect="1"/>
-          </p:cNvPicPr>
-          <p:nvPr userDrawn="1"/>
-        </p:nvPicPr>
-        <p:blipFill>
-          <a:blip r:embed="rId2"/>
-          <a:stretch>
-            <a:fillRect/>
-          </a:stretch>
-        </p:blipFill>
-        <p:spPr>
-          <a:xfrm>
-            <a:off x="6945879" y="4648200"/>
-            <a:ext cx="1952244" cy="417576"/>
-          </a:xfrm>
-          <a:prstGeom prst="rect">
-            <a:avLst/>
-          </a:prstGeom>
-        </p:spPr>
-      </p:pic>
-      <p:sp>
-        <p:nvSpPr>
-          <p:cNvPr id="10" name="Picture Placeholder 13">
-            <a:extLst>
-              <a:ext uri="{FF2B5EF4-FFF2-40B4-BE49-F238E27FC236}">
-                <a16:creationId xmlns:a16="http://schemas.microsoft.com/office/drawing/2014/main" id="{6A0FA445-7602-F06E-EC73-5504EBF827CC}"/>
-              </a:ext>
-            </a:extLst>
-          </p:cNvPr>
-          <p:cNvSpPr>
-            <a:spLocks noGrp="1"/>
-          </p:cNvSpPr>
-          <p:nvPr>
-            <p:ph type="pic" sz="quarter" idx="14"/>
-          </p:nvPr>
-        </p:nvSpPr>
-        <p:spPr>
-          <a:xfrm>
-            <a:off x="313592" y="4536078"/>
-            <a:ext cx="2130670" cy="529698"/>
-          </a:xfrm>
-          <a:prstGeom prst="rect">
-            <a:avLst/>
-          </a:prstGeom>
-        </p:spPr>
-        <p:txBody>
-          <a:bodyPr/>
-          <a:lstStyle/>
-          <a:p>
-            <a:endParaRPr lang="en-US" dirty="0"/>
-          </a:p>
-        </p:txBody>
-      </p:sp>
       <p:sp>
         <p:nvSpPr>
           <p:cNvPr id="6" name="Picture Placeholder 5">
@@ -1972,7 +4770,7 @@
           <a:bodyPr/>
           <a:lstStyle>
             <a:lvl1pPr>
-              <a:defRPr sz="1800">
+              <a:defRPr sz="1800" b="1">
                 <a:solidFill>
                   <a:srgbClr val="C00000"/>
                 </a:solidFill>
@@ -2024,6 +4822,48 @@
             <a:r>
               <a:rPr lang="en-US" dirty="0"/>
               <a:t>Fifth level</a:t>
+            </a:r>
+          </a:p>
+        </p:txBody>
+      </p:sp>
+      <p:sp>
+        <p:nvSpPr>
+          <p:cNvPr id="2" name="Text Placeholder 4">
+            <a:extLst>
+              <a:ext uri="{FF2B5EF4-FFF2-40B4-BE49-F238E27FC236}">
+                <a16:creationId xmlns:a16="http://schemas.microsoft.com/office/drawing/2014/main" id="{6D03683B-7C4B-D474-74C5-EC53E3BB515B}"/>
+              </a:ext>
+            </a:extLst>
+          </p:cNvPr>
+          <p:cNvSpPr>
+            <a:spLocks noGrp="1"/>
+          </p:cNvSpPr>
+          <p:nvPr>
+            <p:ph type="body" sz="quarter" idx="17" hasCustomPrompt="1"/>
+          </p:nvPr>
+        </p:nvSpPr>
+        <p:spPr>
+          <a:xfrm>
+            <a:off x="5781065" y="4729530"/>
+            <a:ext cx="3218473" cy="238125"/>
+          </a:xfrm>
+          <a:prstGeom prst="rect">
+            <a:avLst/>
+          </a:prstGeom>
+        </p:spPr>
+        <p:txBody>
+          <a:bodyPr/>
+          <a:lstStyle>
+            <a:lvl5pPr algn="r">
+              <a:buNone/>
+              <a:defRPr sz="1100"/>
+            </a:lvl5pPr>
+          </a:lstStyle>
+          <a:p>
+            <a:pPr lvl="4"/>
+            <a:r>
+              <a:rPr lang="en-US" dirty="0"/>
+              <a:t>Project Name</a:t>
             </a:r>
           </a:p>
         </p:txBody>
@@ -2058,6 +4898,39 @@
           <a:chExt cx="0" cy="0"/>
         </a:xfrm>
       </p:grpSpPr>
+      <p:sp>
+        <p:nvSpPr>
+          <p:cNvPr id="10" name="Picture Placeholder 13">
+            <a:extLst>
+              <a:ext uri="{FF2B5EF4-FFF2-40B4-BE49-F238E27FC236}">
+                <a16:creationId xmlns:a16="http://schemas.microsoft.com/office/drawing/2014/main" id="{6A0FA445-7602-F06E-EC73-5504EBF827CC}"/>
+              </a:ext>
+            </a:extLst>
+          </p:cNvPr>
+          <p:cNvSpPr>
+            <a:spLocks noGrp="1"/>
+          </p:cNvSpPr>
+          <p:nvPr>
+            <p:ph type="pic" sz="quarter" idx="14"/>
+          </p:nvPr>
+        </p:nvSpPr>
+        <p:spPr>
+          <a:xfrm>
+            <a:off x="313592" y="4536078"/>
+            <a:ext cx="2104294" cy="529698"/>
+          </a:xfrm>
+          <a:prstGeom prst="rect">
+            <a:avLst/>
+          </a:prstGeom>
+        </p:spPr>
+        <p:txBody>
+          <a:bodyPr/>
+          <a:lstStyle/>
+          <a:p>
+            <a:endParaRPr lang="en-US" dirty="0"/>
+          </a:p>
+        </p:txBody>
+      </p:sp>
       <p:sp>
         <p:nvSpPr>
           <p:cNvPr id="3" name="Shape 1">
@@ -2152,69 +5025,6 @@
           </a:p>
         </p:txBody>
       </p:sp>
-      <p:pic>
-        <p:nvPicPr>
-          <p:cNvPr id="8" name="Image 0" descr="/home/claude/eo-framework-logo.png">
-            <a:extLst>
-              <a:ext uri="{FF2B5EF4-FFF2-40B4-BE49-F238E27FC236}">
-                <a16:creationId xmlns:a16="http://schemas.microsoft.com/office/drawing/2014/main" id="{4B7035C6-0EF1-6BD3-318E-553D1AAD6709}"/>
-              </a:ext>
-            </a:extLst>
-          </p:cNvPr>
-          <p:cNvPicPr>
-            <a:picLocks noChangeAspect="1"/>
-          </p:cNvPicPr>
-          <p:nvPr userDrawn="1"/>
-        </p:nvPicPr>
-        <p:blipFill>
-          <a:blip r:embed="rId2"/>
-          <a:stretch>
-            <a:fillRect/>
-          </a:stretch>
-        </p:blipFill>
-        <p:spPr>
-          <a:xfrm>
-            <a:off x="6945879" y="4648200"/>
-            <a:ext cx="1952244" cy="417576"/>
-          </a:xfrm>
-          <a:prstGeom prst="rect">
-            <a:avLst/>
-          </a:prstGeom>
-        </p:spPr>
-      </p:pic>
-      <p:sp>
-        <p:nvSpPr>
-          <p:cNvPr id="10" name="Picture Placeholder 13">
-            <a:extLst>
-              <a:ext uri="{FF2B5EF4-FFF2-40B4-BE49-F238E27FC236}">
-                <a16:creationId xmlns:a16="http://schemas.microsoft.com/office/drawing/2014/main" id="{6A0FA445-7602-F06E-EC73-5504EBF827CC}"/>
-              </a:ext>
-            </a:extLst>
-          </p:cNvPr>
-          <p:cNvSpPr>
-            <a:spLocks noGrp="1"/>
-          </p:cNvSpPr>
-          <p:nvPr>
-            <p:ph type="pic" sz="quarter" idx="14"/>
-          </p:nvPr>
-        </p:nvSpPr>
-        <p:spPr>
-          <a:xfrm>
-            <a:off x="313592" y="4536078"/>
-            <a:ext cx="2104294" cy="529698"/>
-          </a:xfrm>
-          <a:prstGeom prst="rect">
-            <a:avLst/>
-          </a:prstGeom>
-        </p:spPr>
-        <p:txBody>
-          <a:bodyPr/>
-          <a:lstStyle/>
-          <a:p>
-            <a:endParaRPr lang="en-US" dirty="0"/>
-          </a:p>
-        </p:txBody>
-      </p:sp>
       <p:sp>
         <p:nvSpPr>
           <p:cNvPr id="5" name="Chart Placeholder 4">
@@ -2277,7 +5087,7 @@
           <a:bodyPr/>
           <a:lstStyle>
             <a:lvl1pPr>
-              <a:defRPr sz="1800">
+              <a:defRPr sz="1800" b="1">
                 <a:solidFill>
                   <a:srgbClr val="C00000"/>
                 </a:solidFill>
@@ -2329,6 +5139,48 @@
             <a:r>
               <a:rPr lang="en-US" dirty="0"/>
               <a:t>Fifth level</a:t>
+            </a:r>
+          </a:p>
+        </p:txBody>
+      </p:sp>
+      <p:sp>
+        <p:nvSpPr>
+          <p:cNvPr id="4" name="Text Placeholder 4">
+            <a:extLst>
+              <a:ext uri="{FF2B5EF4-FFF2-40B4-BE49-F238E27FC236}">
+                <a16:creationId xmlns:a16="http://schemas.microsoft.com/office/drawing/2014/main" id="{A1231DFE-6A5A-950E-159E-9E1D3D45FD36}"/>
+              </a:ext>
+            </a:extLst>
+          </p:cNvPr>
+          <p:cNvSpPr>
+            <a:spLocks noGrp="1"/>
+          </p:cNvSpPr>
+          <p:nvPr>
+            <p:ph type="body" sz="quarter" idx="17" hasCustomPrompt="1"/>
+          </p:nvPr>
+        </p:nvSpPr>
+        <p:spPr>
+          <a:xfrm>
+            <a:off x="5679465" y="4681864"/>
+            <a:ext cx="3218473" cy="238125"/>
+          </a:xfrm>
+          <a:prstGeom prst="rect">
+            <a:avLst/>
+          </a:prstGeom>
+        </p:spPr>
+        <p:txBody>
+          <a:bodyPr/>
+          <a:lstStyle>
+            <a:lvl5pPr algn="r">
+              <a:buNone/>
+              <a:defRPr sz="900"/>
+            </a:lvl5pPr>
+          </a:lstStyle>
+          <a:p>
+            <a:pPr lvl="4"/>
+            <a:r>
+              <a:rPr lang="en-US" dirty="0"/>
+              <a:t>Project Name</a:t>
             </a:r>
           </a:p>
         </p:txBody>
@@ -3138,18 +5990,6 @@
       <p:grpSpPr/>
       <p:sp>
         <p:nvSpPr>
-          <p:cNvPr id="2" name="Picture Placeholder 1"/>
-          <p:cNvSpPr>
-            <a:spLocks noGrp="1"/>
-          </p:cNvSpPr>
-          <p:nvPr>
-            <p:ph type="pic" idx="10" sz="quarter"/>
-          </p:nvPr>
-        </p:nvSpPr>
-        <p:spPr/>
-      </p:sp>
-      <p:sp>
-        <p:nvSpPr>
           <p:cNvPr id="3" name="Text Placeholder 2"/>
           <p:cNvSpPr>
             <a:spLocks noGrp="1"/>
@@ -3164,22 +6004,10 @@
           <a:lstStyle/>
           <a:p>
             <a:r>
-              <a:t>Presentation Title</a:t>
+              <a:t>Project Closeout</a:t>
             </a:r>
           </a:p>
         </p:txBody>
-      </p:sp>
-      <p:sp>
-        <p:nvSpPr>
-          <p:cNvPr id="4" name="Picture Placeholder 3"/>
-          <p:cNvSpPr>
-            <a:spLocks noGrp="1"/>
-          </p:cNvSpPr>
-          <p:nvPr>
-            <p:ph type="pic" idx="13" sz="quarter"/>
-          </p:nvPr>
-        </p:nvSpPr>
-        <p:spPr/>
       </p:sp>
       <p:sp>
         <p:nvSpPr>
@@ -3197,7 +6025,7 @@
           <a:lstStyle/>
           <a:p>
             <a:r>
-              <a:t>Solution Name</a:t>
+              <a:t>AWS On-Premise to Cloud Migration</a:t>
             </a:r>
           </a:p>
         </p:txBody>
@@ -3218,11 +6046,228 @@
           <a:lstStyle/>
           <a:p>
             <a:r>
-              <a:t>Presenter Name | November 15, 2025</a:t>
+              <a:t>Project Manager | November 27, 2025</a:t>
             </a:r>
           </a:p>
         </p:txBody>
       </p:sp>
+      <p:pic>
+        <p:nvPicPr>
+          <p:cNvPr id="7" name="Picture 6" descr="client_logo.png"/>
+          <p:cNvPicPr>
+            <a:picLocks noChangeAspect="1"/>
+          </p:cNvPicPr>
+          <p:nvPr/>
+        </p:nvPicPr>
+        <p:blipFill>
+          <a:blip r:embed="rId2"/>
+          <a:stretch>
+            <a:fillRect/>
+          </a:stretch>
+        </p:blipFill>
+        <p:spPr>
+          <a:xfrm>
+            <a:off x="2180492" y="171206"/>
+            <a:ext cx="3978520" cy="1314694"/>
+          </a:xfrm>
+          <a:prstGeom prst="rect">
+            <a:avLst/>
+          </a:prstGeom>
+        </p:spPr>
+      </p:pic>
+      <p:pic>
+        <p:nvPicPr>
+          <p:cNvPr id="8" name="Picture 7" descr="consulting_company_logo.png"/>
+          <p:cNvPicPr>
+            <a:picLocks noChangeAspect="1"/>
+          </p:cNvPicPr>
+          <p:nvPr/>
+        </p:nvPicPr>
+        <p:blipFill>
+          <a:blip r:embed="rId3"/>
+          <a:stretch>
+            <a:fillRect/>
+          </a:stretch>
+        </p:blipFill>
+        <p:spPr>
+          <a:xfrm>
+            <a:off x="313591" y="4536078"/>
+            <a:ext cx="2099897" cy="529698"/>
+          </a:xfrm>
+          <a:prstGeom prst="rect">
+            <a:avLst/>
+          </a:prstGeom>
+        </p:spPr>
+      </p:pic>
+      <p:pic>
+        <p:nvPicPr>
+          <p:cNvPr id="9" name="Picture 8" descr="eo-framework-logo-real.png"/>
+          <p:cNvPicPr>
+            <a:picLocks noChangeAspect="1"/>
+          </p:cNvPicPr>
+          <p:nvPr/>
+        </p:nvPicPr>
+        <p:blipFill>
+          <a:blip r:embed="rId4"/>
+          <a:stretch>
+            <a:fillRect/>
+          </a:stretch>
+        </p:blipFill>
+        <p:spPr>
+          <a:xfrm>
+            <a:off x="6684264" y="4535424"/>
+            <a:ext cx="2139696" cy="530352"/>
+          </a:xfrm>
+          <a:prstGeom prst="rect">
+            <a:avLst/>
+          </a:prstGeom>
+        </p:spPr>
+      </p:pic>
+    </p:spTree>
+  </p:cSld>
+  <p:clrMapOvr>
+    <a:masterClrMapping/>
+  </p:clrMapOvr>
+</p:sld>
+</file>
+
+<file path=ppt/slides/slide10.xml><?xml version="1.0" encoding="utf-8"?>
+<p:sld xmlns:a="http://schemas.openxmlformats.org/drawingml/2006/main" xmlns:p="http://schemas.openxmlformats.org/presentationml/2006/main" xmlns:r="http://schemas.openxmlformats.org/officeDocument/2006/relationships">
+  <p:cSld>
+    <p:spTree>
+      <p:nvGrpSpPr>
+        <p:cNvPr id="1" name=""/>
+        <p:cNvGrpSpPr/>
+        <p:nvPr/>
+      </p:nvGrpSpPr>
+      <p:grpSpPr/>
+      <p:sp>
+        <p:nvSpPr>
+          <p:cNvPr id="3" name="Text Placeholder 2"/>
+          <p:cNvSpPr>
+            <a:spLocks noGrp="1"/>
+          </p:cNvSpPr>
+          <p:nvPr>
+            <p:ph type="body" idx="12" sz="quarter"/>
+          </p:nvPr>
+        </p:nvSpPr>
+        <p:spPr/>
+        <p:txBody>
+          <a:bodyPr/>
+          <a:lstStyle/>
+          <a:p>
+            <a:r>
+              <a:t>Thank You</a:t>
+            </a:r>
+          </a:p>
+        </p:txBody>
+      </p:sp>
+      <p:sp>
+        <p:nvSpPr>
+          <p:cNvPr id="5" name="Text Placeholder 4"/>
+          <p:cNvSpPr>
+            <a:spLocks noGrp="1"/>
+          </p:cNvSpPr>
+          <p:nvPr>
+            <p:ph type="body" idx="14" sz="quarter"/>
+          </p:nvPr>
+        </p:nvSpPr>
+        <p:spPr/>
+        <p:txBody>
+          <a:bodyPr/>
+          <a:lstStyle/>
+          <a:p/>
+        </p:txBody>
+      </p:sp>
+      <p:sp>
+        <p:nvSpPr>
+          <p:cNvPr id="6" name="Text Placeholder 5"/>
+          <p:cNvSpPr>
+            <a:spLocks noGrp="1"/>
+          </p:cNvSpPr>
+          <p:nvPr>
+            <p:ph type="body" idx="15" sz="quarter"/>
+          </p:nvPr>
+        </p:nvSpPr>
+        <p:spPr/>
+        <p:txBody>
+          <a:bodyPr/>
+          <a:lstStyle/>
+          <a:p/>
+        </p:txBody>
+      </p:sp>
+      <p:pic>
+        <p:nvPicPr>
+          <p:cNvPr id="7" name="Picture 6" descr="client_logo.png"/>
+          <p:cNvPicPr>
+            <a:picLocks noChangeAspect="1"/>
+          </p:cNvPicPr>
+          <p:nvPr/>
+        </p:nvPicPr>
+        <p:blipFill>
+          <a:blip r:embed="rId3"/>
+          <a:stretch>
+            <a:fillRect/>
+          </a:stretch>
+        </p:blipFill>
+        <p:spPr>
+          <a:xfrm>
+            <a:off x="2180492" y="171206"/>
+            <a:ext cx="3978520" cy="1314694"/>
+          </a:xfrm>
+          <a:prstGeom prst="rect">
+            <a:avLst/>
+          </a:prstGeom>
+        </p:spPr>
+      </p:pic>
+      <p:pic>
+        <p:nvPicPr>
+          <p:cNvPr id="8" name="Picture 7" descr="consulting_company_logo.png"/>
+          <p:cNvPicPr>
+            <a:picLocks noChangeAspect="1"/>
+          </p:cNvPicPr>
+          <p:nvPr/>
+        </p:nvPicPr>
+        <p:blipFill>
+          <a:blip r:embed="rId4"/>
+          <a:stretch>
+            <a:fillRect/>
+          </a:stretch>
+        </p:blipFill>
+        <p:spPr>
+          <a:xfrm>
+            <a:off x="313592" y="4536078"/>
+            <a:ext cx="2164114" cy="529698"/>
+          </a:xfrm>
+          <a:prstGeom prst="rect">
+            <a:avLst/>
+          </a:prstGeom>
+        </p:spPr>
+      </p:pic>
+      <p:pic>
+        <p:nvPicPr>
+          <p:cNvPr id="9" name="Picture 8" descr="eo-framework-logo-real.png"/>
+          <p:cNvPicPr>
+            <a:picLocks noChangeAspect="1"/>
+          </p:cNvPicPr>
+          <p:nvPr/>
+        </p:nvPicPr>
+        <p:blipFill>
+          <a:blip r:embed="rId5"/>
+          <a:stretch>
+            <a:fillRect/>
+          </a:stretch>
+        </p:blipFill>
+        <p:spPr>
+          <a:xfrm>
+            <a:off x="6684264" y="4535424"/>
+            <a:ext cx="2139696" cy="530352"/>
+          </a:xfrm>
+          <a:prstGeom prst="rect">
+            <a:avLst/>
+          </a:prstGeom>
+        </p:spPr>
+      </p:pic>
     </p:spTree>
   </p:cSld>
   <p:clrMapOvr>
@@ -3243,7 +6288,7 @@
       <p:grpSpPr/>
       <p:sp>
         <p:nvSpPr>
-          <p:cNvPr id="2" name="Text Placeholder 1"/>
+          <p:cNvPr id="3" name="Text Placeholder 2"/>
           <p:cNvSpPr>
             <a:spLocks noGrp="1"/>
           </p:cNvSpPr>
@@ -3258,23 +6303,403 @@
           <a:p>
             <a:pPr algn="l"/>
             <a:r>
-              <a:rPr b="1"/>
-              <a:t>**Slide 4: Migration Scope Delivered**</a:t>
+              <a:t>Executive Summary</a:t>
             </a:r>
           </a:p>
         </p:txBody>
       </p:sp>
       <p:sp>
         <p:nvSpPr>
-          <p:cNvPr id="3" name="Picture Placeholder 2"/>
+          <p:cNvPr id="4" name="Text Placeholder 3"/>
           <p:cNvSpPr>
             <a:spLocks noGrp="1"/>
           </p:cNvSpPr>
           <p:nvPr>
-            <p:ph type="pic" idx="13" sz="quarter"/>
+            <p:ph type="body" idx="14" sz="quarter"/>
           </p:nvPr>
         </p:nvSpPr>
         <p:spPr/>
+        <p:txBody>
+          <a:bodyPr/>
+          <a:lstStyle/>
+          <a:p>
+            <a:pPr/>
+            <a:r>
+              <a:rPr b="1"/>
+              <a:t>Project Duration:</a:t>
+            </a:r>
+            <a:r>
+              <a:t> 9 months, completed on schedule</a:t>
+            </a:r>
+          </a:p>
+          <a:p>
+            <a:pPr/>
+            <a:r>
+              <a:rPr b="1"/>
+              <a:t>Budget:</a:t>
+            </a:r>
+            <a:r>
+              <a:t> $342,500 delivered within budget</a:t>
+            </a:r>
+          </a:p>
+          <a:p>
+            <a:pPr/>
+            <a:r>
+              <a:rPr b="1"/>
+              <a:t>Go-Live Date:</a:t>
+            </a:r>
+            <a:r>
+              <a:t> Month 7 as planned</a:t>
+            </a:r>
+          </a:p>
+          <a:p>
+            <a:pPr/>
+            <a:r>
+              <a:rPr b="1"/>
+              <a:t>Applications Migrated:</a:t>
+            </a:r>
+            <a:r>
+              <a:t> 8 apps across 3 waves</a:t>
+            </a:r>
+          </a:p>
+          <a:p>
+            <a:pPr/>
+            <a:r>
+              <a:rPr b="1"/>
+              <a:t>Data Migrated:</a:t>
+            </a:r>
+            <a:r>
+              <a:t> 750 GB with zero data loss</a:t>
+            </a:r>
+          </a:p>
+          <a:p>
+            <a:pPr/>
+            <a:r>
+              <a:rPr b="1"/>
+              <a:t>Cost Savings:</a:t>
+            </a:r>
+            <a:r>
+              <a:t> 35% infrastructure reduction</a:t>
+            </a:r>
+          </a:p>
+          <a:p>
+            <a:pPr/>
+            <a:r>
+              <a:rPr b="1"/>
+              <a:t>ROI:</a:t>
+            </a:r>
+            <a:r>
+              <a:t> Positive within 18 months projected</a:t>
+            </a:r>
+          </a:p>
+        </p:txBody>
+      </p:sp>
+      <p:sp>
+        <p:nvSpPr>
+          <p:cNvPr id="5" name="Text Placeholder 4"/>
+          <p:cNvSpPr>
+            <a:spLocks noGrp="1"/>
+          </p:cNvSpPr>
+          <p:nvPr>
+            <p:ph type="body" idx="15" sz="quarter"/>
+          </p:nvPr>
+        </p:nvSpPr>
+        <p:spPr/>
+        <p:txBody>
+          <a:bodyPr/>
+          <a:lstStyle/>
+          <a:p>
+            <a:pPr algn="r">
+              <a:buNone/>
+            </a:pPr>
+            <a:r>
+              <a:rPr sz="1100">
+                <a:solidFill>
+                  <a:srgbClr val="CC0000"/>
+                </a:solidFill>
+              </a:rPr>
+              <a:t>AWS On-Premise to Cloud Migration</a:t>
+            </a:r>
+          </a:p>
+        </p:txBody>
+      </p:sp>
+      <p:pic>
+        <p:nvPicPr>
+          <p:cNvPr id="6" name="Picture 5" descr="consulting_company_logo.png"/>
+          <p:cNvPicPr>
+            <a:picLocks noChangeAspect="1"/>
+          </p:cNvPicPr>
+          <p:nvPr/>
+        </p:nvPicPr>
+        <p:blipFill>
+          <a:blip r:embed="rId3"/>
+          <a:stretch>
+            <a:fillRect/>
+          </a:stretch>
+        </p:blipFill>
+        <p:spPr>
+          <a:xfrm>
+            <a:off x="313593" y="4536078"/>
+            <a:ext cx="2143858" cy="529698"/>
+          </a:xfrm>
+          <a:prstGeom prst="rect">
+            <a:avLst/>
+          </a:prstGeom>
+        </p:spPr>
+      </p:pic>
+    </p:spTree>
+  </p:cSld>
+  <p:clrMapOvr>
+    <a:masterClrMapping/>
+  </p:clrMapOvr>
+</p:sld>
+</file>
+
+<file path=ppt/slides/slide3.xml><?xml version="1.0" encoding="utf-8"?>
+<p:sld xmlns:a="http://schemas.openxmlformats.org/drawingml/2006/main" xmlns:p="http://schemas.openxmlformats.org/presentationml/2006/main" xmlns:r="http://schemas.openxmlformats.org/officeDocument/2006/relationships">
+  <p:cSld>
+    <p:spTree>
+      <p:nvGrpSpPr>
+        <p:cNvPr id="1" name=""/>
+        <p:cNvGrpSpPr/>
+        <p:nvPr/>
+      </p:nvGrpSpPr>
+      <p:grpSpPr/>
+      <p:sp>
+        <p:nvSpPr>
+          <p:cNvPr id="3" name="Text Placeholder 2"/>
+          <p:cNvSpPr>
+            <a:spLocks noGrp="1"/>
+          </p:cNvSpPr>
+          <p:nvPr>
+            <p:ph type="body" idx="10" sz="quarter"/>
+          </p:nvPr>
+        </p:nvSpPr>
+        <p:spPr/>
+        <p:txBody>
+          <a:bodyPr/>
+          <a:lstStyle/>
+          <a:p>
+            <a:pPr algn="l"/>
+            <a:r>
+              <a:t>Solution Architecture</a:t>
+            </a:r>
+          </a:p>
+        </p:txBody>
+      </p:sp>
+      <p:sp>
+        <p:nvSpPr>
+          <p:cNvPr id="5" name="Text Placeholder 4"/>
+          <p:cNvSpPr>
+            <a:spLocks noGrp="1"/>
+          </p:cNvSpPr>
+          <p:nvPr>
+            <p:ph type="body" idx="16" sz="quarter"/>
+          </p:nvPr>
+        </p:nvSpPr>
+        <p:spPr/>
+        <p:txBody>
+          <a:bodyPr/>
+          <a:lstStyle/>
+          <a:p>
+            <a:pPr/>
+            <a:r>
+              <a:rPr b="1"/>
+              <a:t>AWS Landing Zone</a:t>
+            </a:r>
+          </a:p>
+          <a:p>
+            <a:pPr lvl="1"/>
+            <a:r>
+              <a:t>Control Tower multi-account</a:t>
+            </a:r>
+          </a:p>
+          <a:p>
+            <a:pPr lvl="1"/>
+            <a:r>
+              <a:t>Centralized logging and audit</a:t>
+            </a:r>
+          </a:p>
+          <a:p>
+            <a:pPr lvl="1"/>
+            <a:r>
+              <a:t>Security baseline deployed</a:t>
+            </a:r>
+          </a:p>
+          <a:p>
+            <a:pPr/>
+            <a:r>
+              <a:rPr b="1"/>
+              <a:t>Core Infrastructure</a:t>
+            </a:r>
+          </a:p>
+          <a:p>
+            <a:pPr lvl="1"/>
+            <a:r>
+              <a:t>VPC with multi-AZ design</a:t>
+            </a:r>
+          </a:p>
+          <a:p>
+            <a:pPr lvl="1"/>
+            <a:r>
+              <a:t>EC2 instances right-sized</a:t>
+            </a:r>
+          </a:p>
+          <a:p>
+            <a:pPr lvl="1"/>
+            <a:r>
+              <a:t>RDS managed databases</a:t>
+            </a:r>
+          </a:p>
+          <a:p>
+            <a:pPr/>
+            <a:r>
+              <a:rPr b="1"/>
+              <a:t>Operations &amp; Security</a:t>
+            </a:r>
+          </a:p>
+          <a:p>
+            <a:pPr lvl="1"/>
+            <a:r>
+              <a:t>CloudWatch monitoring</a:t>
+            </a:r>
+          </a:p>
+          <a:p>
+            <a:pPr lvl="1"/>
+            <a:r>
+              <a:t>Security Hub compliance</a:t>
+            </a:r>
+          </a:p>
+          <a:p>
+            <a:pPr lvl="1"/>
+            <a:r>
+              <a:t>Automated backups enabled</a:t>
+            </a:r>
+          </a:p>
+        </p:txBody>
+      </p:sp>
+      <p:sp>
+        <p:nvSpPr>
+          <p:cNvPr id="6" name="Text Placeholder 5"/>
+          <p:cNvSpPr>
+            <a:spLocks noGrp="1"/>
+          </p:cNvSpPr>
+          <p:nvPr>
+            <p:ph type="body" idx="17" sz="quarter"/>
+          </p:nvPr>
+        </p:nvSpPr>
+        <p:spPr/>
+        <p:txBody>
+          <a:bodyPr/>
+          <a:lstStyle/>
+          <a:p>
+            <a:pPr algn="r">
+              <a:buNone/>
+            </a:pPr>
+            <a:r>
+              <a:rPr sz="1100">
+                <a:solidFill>
+                  <a:srgbClr val="CC0000"/>
+                </a:solidFill>
+              </a:rPr>
+              <a:t>AWS On-Premise to Cloud Migration</a:t>
+            </a:r>
+          </a:p>
+        </p:txBody>
+      </p:sp>
+      <p:pic>
+        <p:nvPicPr>
+          <p:cNvPr id="7" name="Picture 6" descr="architecture-diagram.png"/>
+          <p:cNvPicPr>
+            <a:picLocks noChangeAspect="1"/>
+          </p:cNvPicPr>
+          <p:nvPr/>
+        </p:nvPicPr>
+        <p:blipFill>
+          <a:blip r:embed="rId2"/>
+          <a:stretch>
+            <a:fillRect/>
+          </a:stretch>
+        </p:blipFill>
+        <p:spPr>
+          <a:xfrm>
+            <a:off x="4662488" y="685799"/>
+            <a:ext cx="4337050" cy="3815859"/>
+          </a:xfrm>
+          <a:prstGeom prst="rect">
+            <a:avLst/>
+          </a:prstGeom>
+          <a:ln w="12700">
+            <a:solidFill>
+              <a:srgbClr val="C0C0C0"/>
+            </a:solidFill>
+            <a:prstDash val="solid"/>
+          </a:ln>
+        </p:spPr>
+      </p:pic>
+      <p:pic>
+        <p:nvPicPr>
+          <p:cNvPr id="8" name="Picture 7" descr="consulting_company_logo.png"/>
+          <p:cNvPicPr>
+            <a:picLocks noChangeAspect="1"/>
+          </p:cNvPicPr>
+          <p:nvPr/>
+        </p:nvPicPr>
+        <p:blipFill>
+          <a:blip r:embed="rId4"/>
+          <a:stretch>
+            <a:fillRect/>
+          </a:stretch>
+        </p:blipFill>
+        <p:spPr>
+          <a:xfrm>
+            <a:off x="313592" y="4536078"/>
+            <a:ext cx="2130670" cy="529698"/>
+          </a:xfrm>
+          <a:prstGeom prst="rect">
+            <a:avLst/>
+          </a:prstGeom>
+        </p:spPr>
+      </p:pic>
+    </p:spTree>
+  </p:cSld>
+  <p:clrMapOvr>
+    <a:masterClrMapping/>
+  </p:clrMapOvr>
+</p:sld>
+</file>
+
+<file path=ppt/slides/slide4.xml><?xml version="1.0" encoding="utf-8"?>
+<p:sld xmlns:a="http://schemas.openxmlformats.org/drawingml/2006/main" xmlns:p="http://schemas.openxmlformats.org/presentationml/2006/main" xmlns:r="http://schemas.openxmlformats.org/officeDocument/2006/relationships">
+  <p:cSld>
+    <p:spTree>
+      <p:nvGrpSpPr>
+        <p:cNvPr id="1" name=""/>
+        <p:cNvGrpSpPr/>
+        <p:nvPr/>
+      </p:nvGrpSpPr>
+      <p:grpSpPr/>
+      <p:sp>
+        <p:nvSpPr>
+          <p:cNvPr id="3" name="Text Placeholder 2"/>
+          <p:cNvSpPr>
+            <a:spLocks noGrp="1"/>
+          </p:cNvSpPr>
+          <p:nvPr>
+            <p:ph type="body" idx="10" sz="quarter"/>
+          </p:nvPr>
+        </p:nvSpPr>
+        <p:spPr/>
+        <p:txBody>
+          <a:bodyPr/>
+          <a:lstStyle/>
+          <a:p>
+            <a:pPr algn="l"/>
+            <a:r>
+              <a:t>Deliverables Inventory</a:t>
+            </a:r>
+          </a:p>
+        </p:txBody>
       </p:sp>
       <p:graphicFrame>
         <p:nvGraphicFramePr>
@@ -3288,7 +6713,7 @@
         </p:nvGraphicFramePr>
         <p:xfrm>
           <a:off x="256855" y="677011"/>
-          <a:ext cx="8710929" cy="1854200"/>
+          <a:ext cx="8710931" cy="3337560"/>
         </p:xfrm>
         <a:graphic>
           <a:graphicData uri="http://schemas.openxmlformats.org/drawingml/2006/table">
@@ -3297,11 +6722,9 @@
                 <a:tableStyleId>{5C22544A-7EE6-4342-B048-85BDC9FD1C3A}</a:tableStyleId>
               </a:tblPr>
               <a:tblGrid>
+                <a:gridCol w="2613279"/>
+                <a:gridCol w="3919919"/>
                 <a:gridCol w="2177733"/>
-                <a:gridCol w="1306639"/>
-                <a:gridCol w="1045311"/>
-                <a:gridCol w="1567967"/>
-                <a:gridCol w="2613279"/>
               </a:tblGrid>
               <a:tr h="370840">
                 <a:tc>
@@ -3310,12 +6733,12 @@
                     <a:lstStyle/>
                     <a:p>
                       <a:r>
-                        <a:rPr b="1" sz="1400">
+                        <a:rPr sz="1400">
                           <a:solidFill>
                             <a:srgbClr val="FFFFFF"/>
                           </a:solidFill>
                         </a:rPr>
-                        <a:t>Scope Element</a:t>
+                        <a:t>Deliverable</a:t>
                       </a:r>
                     </a:p>
                   </a:txBody>
@@ -3331,12 +6754,12 @@
                     <a:lstStyle/>
                     <a:p>
                       <a:r>
-                        <a:rPr b="1" sz="1400">
+                        <a:rPr sz="1400">
                           <a:solidFill>
                             <a:srgbClr val="FFFFFF"/>
                           </a:solidFill>
                         </a:rPr>
-                        <a:t>Planned</a:t>
+                        <a:t>Purpose</a:t>
                       </a:r>
                     </a:p>
                   </a:txBody>
@@ -3352,54 +6775,12 @@
                     <a:lstStyle/>
                     <a:p>
                       <a:r>
-                        <a:rPr b="1" sz="1400">
+                        <a:rPr sz="1400">
                           <a:solidFill>
                             <a:srgbClr val="FFFFFF"/>
                           </a:solidFill>
                         </a:rPr>
-                        <a:t>Delivered</a:t>
-                      </a:r>
-                    </a:p>
-                  </a:txBody>
-                  <a:tcPr>
-                    <a:solidFill>
-                      <a:srgbClr val="A01C02"/>
-                    </a:solidFill>
-                  </a:tcPr>
-                </a:tc>
-                <a:tc>
-                  <a:txBody>
-                    <a:bodyPr/>
-                    <a:lstStyle/>
-                    <a:p>
-                      <a:r>
-                        <a:rPr b="1" sz="1400">
-                          <a:solidFill>
-                            <a:srgbClr val="FFFFFF"/>
-                          </a:solidFill>
-                        </a:rPr>
-                        <a:t>Status</a:t>
-                      </a:r>
-                    </a:p>
-                  </a:txBody>
-                  <a:tcPr>
-                    <a:solidFill>
-                      <a:srgbClr val="A01C02"/>
-                    </a:solidFill>
-                  </a:tcPr>
-                </a:tc>
-                <a:tc>
-                  <a:txBody>
-                    <a:bodyPr/>
-                    <a:lstStyle/>
-                    <a:p>
-                      <a:r>
-                        <a:rPr b="1" sz="1400">
-                          <a:solidFill>
-                            <a:srgbClr val="FFFFFF"/>
-                          </a:solidFill>
-                        </a:rPr>
-                        <a:t>Notes</a:t>
+                        <a:t>Location</a:t>
                       </a:r>
                     </a:p>
                   </a:txBody>
@@ -3417,8 +6798,8 @@
                     <a:lstStyle/>
                     <a:p>
                       <a:r>
-                        <a:rPr sz="1100"/>
-                        <a:t>Applications Migrated</a:t>
+                        <a:rPr b="1" sz="1100"/>
+                        <a:t>Application Assessment</a:t>
                       </a:r>
                     </a:p>
                   </a:txBody>
@@ -3435,7 +6816,7 @@
                     <a:p>
                       <a:r>
                         <a:rPr sz="1100"/>
-                        <a:t>[Number planned]</a:t>
+                        <a:t>6Rs analysis and wave planning</a:t>
                       </a:r>
                     </a:p>
                   </a:txBody>
@@ -3452,215 +6833,7 @@
                     <a:p>
                       <a:r>
                         <a:rPr sz="1100"/>
-                        <a:t>[Number delivered]</a:t>
-                      </a:r>
-                    </a:p>
-                  </a:txBody>
-                  <a:tcPr>
-                    <a:solidFill>
-                      <a:srgbClr val="E7E6E6"/>
-                    </a:solidFill>
-                  </a:tcPr>
-                </a:tc>
-                <a:tc>
-                  <a:txBody>
-                    <a:bodyPr/>
-                    <a:lstStyle/>
-                    <a:p>
-                      <a:r>
-                        <a:rPr sz="1100"/>
-                        <a:t>✅ Complete</a:t>
-                      </a:r>
-                    </a:p>
-                  </a:txBody>
-                  <a:tcPr>
-                    <a:solidFill>
-                      <a:srgbClr val="E7E6E6"/>
-                    </a:solidFill>
-                  </a:tcPr>
-                </a:tc>
-                <a:tc>
-                  <a:txBody>
-                    <a:bodyPr/>
-                    <a:lstStyle/>
-                    <a:p>
-                      <a:r>
-                        <a:rPr sz="1100"/>
-                        <a:t>[Any variances]</a:t>
-                      </a:r>
-                    </a:p>
-                  </a:txBody>
-                  <a:tcPr>
-                    <a:solidFill>
-                      <a:srgbClr val="E7E6E6"/>
-                    </a:solidFill>
-                  </a:tcPr>
-                </a:tc>
-              </a:tr>
-              <a:tr h="370840">
-                <a:tc>
-                  <a:txBody>
-                    <a:bodyPr/>
-                    <a:lstStyle/>
-                    <a:p>
-                      <a:r>
-                        <a:rPr sz="1100"/>
-                        <a:t>Databases Migrated</a:t>
-                      </a:r>
-                    </a:p>
-                  </a:txBody>
-                  <a:tcPr>
-                    <a:solidFill>
-                      <a:srgbClr val="E7E6E6"/>
-                    </a:solidFill>
-                  </a:tcPr>
-                </a:tc>
-                <a:tc>
-                  <a:txBody>
-                    <a:bodyPr/>
-                    <a:lstStyle/>
-                    <a:p>
-                      <a:r>
-                        <a:rPr sz="1100"/>
-                        <a:t>[Number planned]</a:t>
-                      </a:r>
-                    </a:p>
-                  </a:txBody>
-                  <a:tcPr>
-                    <a:solidFill>
-                      <a:srgbClr val="E7E6E6"/>
-                    </a:solidFill>
-                  </a:tcPr>
-                </a:tc>
-                <a:tc>
-                  <a:txBody>
-                    <a:bodyPr/>
-                    <a:lstStyle/>
-                    <a:p>
-                      <a:r>
-                        <a:rPr sz="1100"/>
-                        <a:t>[Number delivered]</a:t>
-                      </a:r>
-                    </a:p>
-                  </a:txBody>
-                  <a:tcPr>
-                    <a:solidFill>
-                      <a:srgbClr val="E7E6E6"/>
-                    </a:solidFill>
-                  </a:tcPr>
-                </a:tc>
-                <a:tc>
-                  <a:txBody>
-                    <a:bodyPr/>
-                    <a:lstStyle/>
-                    <a:p>
-                      <a:r>
-                        <a:rPr sz="1100"/>
-                        <a:t>✅ Complete</a:t>
-                      </a:r>
-                    </a:p>
-                  </a:txBody>
-                  <a:tcPr>
-                    <a:solidFill>
-                      <a:srgbClr val="E7E6E6"/>
-                    </a:solidFill>
-                  </a:tcPr>
-                </a:tc>
-                <a:tc>
-                  <a:txBody>
-                    <a:bodyPr/>
-                    <a:lstStyle/>
-                    <a:p>
-                      <a:r>
-                        <a:rPr sz="1100"/>
-                        <a:t>[Migration method used]</a:t>
-                      </a:r>
-                    </a:p>
-                  </a:txBody>
-                  <a:tcPr>
-                    <a:solidFill>
-                      <a:srgbClr val="E7E6E6"/>
-                    </a:solidFill>
-                  </a:tcPr>
-                </a:tc>
-              </a:tr>
-              <a:tr h="370840">
-                <a:tc>
-                  <a:txBody>
-                    <a:bodyPr/>
-                    <a:lstStyle/>
-                    <a:p>
-                      <a:r>
-                        <a:rPr sz="1100"/>
-                        <a:t>Data Volume Transferred</a:t>
-                      </a:r>
-                    </a:p>
-                  </a:txBody>
-                  <a:tcPr>
-                    <a:solidFill>
-                      <a:srgbClr val="E7E6E6"/>
-                    </a:solidFill>
-                  </a:tcPr>
-                </a:tc>
-                <a:tc>
-                  <a:txBody>
-                    <a:bodyPr/>
-                    <a:lstStyle/>
-                    <a:p>
-                      <a:r>
-                        <a:rPr sz="1100"/>
-                        <a:t>[TB planned]</a:t>
-                      </a:r>
-                    </a:p>
-                  </a:txBody>
-                  <a:tcPr>
-                    <a:solidFill>
-                      <a:srgbClr val="E7E6E6"/>
-                    </a:solidFill>
-                  </a:tcPr>
-                </a:tc>
-                <a:tc>
-                  <a:txBody>
-                    <a:bodyPr/>
-                    <a:lstStyle/>
-                    <a:p>
-                      <a:r>
-                        <a:rPr sz="1100"/>
-                        <a:t>[TB transferred]</a:t>
-                      </a:r>
-                    </a:p>
-                  </a:txBody>
-                  <a:tcPr>
-                    <a:solidFill>
-                      <a:srgbClr val="E7E6E6"/>
-                    </a:solidFill>
-                  </a:tcPr>
-                </a:tc>
-                <a:tc>
-                  <a:txBody>
-                    <a:bodyPr/>
-                    <a:lstStyle/>
-                    <a:p>
-                      <a:r>
-                        <a:rPr sz="1100"/>
-                        <a:t>✅ Complete</a:t>
-                      </a:r>
-                    </a:p>
-                  </a:txBody>
-                  <a:tcPr>
-                    <a:solidFill>
-                      <a:srgbClr val="E7E6E6"/>
-                    </a:solidFill>
-                  </a:tcPr>
-                </a:tc>
-                <a:tc>
-                  <a:txBody>
-                    <a:bodyPr/>
-                    <a:lstStyle/>
-                    <a:p>
-                      <a:r>
-                        <a:rPr sz="1100"/>
-                        <a:t>[Zero data loss achieved]</a:t>
+                        <a:t>`/delivery/app-assessment.xlsx`</a:t>
                       </a:r>
                     </a:p>
                   </a:txBody>
@@ -3679,7 +6852,7 @@
                     <a:p>
                       <a:r>
                         <a:rPr b="1" sz="1100"/>
-                        <a:t>AWS Services Deployed</a:t>
+                        <a:t>Landing Zone Design</a:t>
                       </a:r>
                     </a:p>
                   </a:txBody>
@@ -3695,8 +6868,8 @@
                     <a:lstStyle/>
                     <a:p>
                       <a:r>
-                        <a:rPr b="1" sz="1100"/>
-                        <a:t>[Services planned]</a:t>
+                        <a:rPr sz="1100"/>
+                        <a:t>Multi-account architecture and security</a:t>
                       </a:r>
                     </a:p>
                   </a:txBody>
@@ -3712,8 +6885,27 @@
                     <a:lstStyle/>
                     <a:p>
                       <a:r>
+                        <a:rPr sz="1100"/>
+                        <a:t>`/delivery/detailed-design.docx`</a:t>
+                      </a:r>
+                    </a:p>
+                  </a:txBody>
+                  <a:tcPr>
+                    <a:solidFill>
+                      <a:srgbClr val="E7E6E6"/>
+                    </a:solidFill>
+                  </a:tcPr>
+                </a:tc>
+              </a:tr>
+              <a:tr h="370840">
+                <a:tc>
+                  <a:txBody>
+                    <a:bodyPr/>
+                    <a:lstStyle/>
+                    <a:p>
+                      <a:r>
                         <a:rPr b="1" sz="1100"/>
-                        <a:t>[Services deployed]</a:t>
+                        <a:t>Implementation Guide</a:t>
                       </a:r>
                     </a:p>
                   </a:txBody>
@@ -3729,8 +6921,8 @@
                     <a:lstStyle/>
                     <a:p>
                       <a:r>
-                        <a:rPr b="1" sz="1100"/>
-                        <a:t>✅ Complete</a:t>
+                        <a:rPr sz="1100"/>
+                        <a:t>CloudFormation and deployment procedures</a:t>
                       </a:r>
                     </a:p>
                   </a:txBody>
@@ -3746,8 +6938,273 @@
                     <a:lstStyle/>
                     <a:p>
                       <a:r>
+                        <a:rPr sz="1100"/>
+                        <a:t>`/delivery/implementation-guide.docx`</a:t>
+                      </a:r>
+                    </a:p>
+                  </a:txBody>
+                  <a:tcPr>
+                    <a:solidFill>
+                      <a:srgbClr val="E7E6E6"/>
+                    </a:solidFill>
+                  </a:tcPr>
+                </a:tc>
+              </a:tr>
+              <a:tr h="370840">
+                <a:tc>
+                  <a:txBody>
+                    <a:bodyPr/>
+                    <a:lstStyle/>
+                    <a:p>
+                      <a:r>
                         <a:rPr b="1" sz="1100"/>
-                        <a:t>[Architecture optimized]</a:t>
+                        <a:t>Project Plan</a:t>
+                      </a:r>
+                    </a:p>
+                  </a:txBody>
+                  <a:tcPr>
+                    <a:solidFill>
+                      <a:srgbClr val="E7E6E6"/>
+                    </a:solidFill>
+                  </a:tcPr>
+                </a:tc>
+                <a:tc>
+                  <a:txBody>
+                    <a:bodyPr/>
+                    <a:lstStyle/>
+                    <a:p>
+                      <a:r>
+                        <a:rPr sz="1100"/>
+                        <a:t>Timeline, milestones, RACI matrix</a:t>
+                      </a:r>
+                    </a:p>
+                  </a:txBody>
+                  <a:tcPr>
+                    <a:solidFill>
+                      <a:srgbClr val="E7E6E6"/>
+                    </a:solidFill>
+                  </a:tcPr>
+                </a:tc>
+                <a:tc>
+                  <a:txBody>
+                    <a:bodyPr/>
+                    <a:lstStyle/>
+                    <a:p>
+                      <a:r>
+                        <a:rPr sz="1100"/>
+                        <a:t>`/delivery/project-plan.xlsx`</a:t>
+                      </a:r>
+                    </a:p>
+                  </a:txBody>
+                  <a:tcPr>
+                    <a:solidFill>
+                      <a:srgbClr val="E7E6E6"/>
+                    </a:solidFill>
+                  </a:tcPr>
+                </a:tc>
+              </a:tr>
+              <a:tr h="370840">
+                <a:tc>
+                  <a:txBody>
+                    <a:bodyPr/>
+                    <a:lstStyle/>
+                    <a:p>
+                      <a:r>
+                        <a:rPr b="1" sz="1100"/>
+                        <a:t>Test Plan &amp; Results</a:t>
+                      </a:r>
+                    </a:p>
+                  </a:txBody>
+                  <a:tcPr>
+                    <a:solidFill>
+                      <a:srgbClr val="E7E6E6"/>
+                    </a:solidFill>
+                  </a:tcPr>
+                </a:tc>
+                <a:tc>
+                  <a:txBody>
+                    <a:bodyPr/>
+                    <a:lstStyle/>
+                    <a:p>
+                      <a:r>
+                        <a:rPr sz="1100"/>
+                        <a:t>Migration validation and UAT results</a:t>
+                      </a:r>
+                    </a:p>
+                  </a:txBody>
+                  <a:tcPr>
+                    <a:solidFill>
+                      <a:srgbClr val="E7E6E6"/>
+                    </a:solidFill>
+                  </a:tcPr>
+                </a:tc>
+                <a:tc>
+                  <a:txBody>
+                    <a:bodyPr/>
+                    <a:lstStyle/>
+                    <a:p>
+                      <a:r>
+                        <a:rPr sz="1100"/>
+                        <a:t>`/delivery/test-plan.xlsx`</a:t>
+                      </a:r>
+                    </a:p>
+                  </a:txBody>
+                  <a:tcPr>
+                    <a:solidFill>
+                      <a:srgbClr val="E7E6E6"/>
+                    </a:solidFill>
+                  </a:tcPr>
+                </a:tc>
+              </a:tr>
+              <a:tr h="370840">
+                <a:tc>
+                  <a:txBody>
+                    <a:bodyPr/>
+                    <a:lstStyle/>
+                    <a:p>
+                      <a:r>
+                        <a:rPr b="1" sz="1100"/>
+                        <a:t>CloudFormation Templates</a:t>
+                      </a:r>
+                    </a:p>
+                  </a:txBody>
+                  <a:tcPr>
+                    <a:solidFill>
+                      <a:srgbClr val="E7E6E6"/>
+                    </a:solidFill>
+                  </a:tcPr>
+                </a:tc>
+                <a:tc>
+                  <a:txBody>
+                    <a:bodyPr/>
+                    <a:lstStyle/>
+                    <a:p>
+                      <a:r>
+                        <a:rPr sz="1100"/>
+                        <a:t>Infrastructure as Code for all components</a:t>
+                      </a:r>
+                    </a:p>
+                  </a:txBody>
+                  <a:tcPr>
+                    <a:solidFill>
+                      <a:srgbClr val="E7E6E6"/>
+                    </a:solidFill>
+                  </a:tcPr>
+                </a:tc>
+                <a:tc>
+                  <a:txBody>
+                    <a:bodyPr/>
+                    <a:lstStyle/>
+                    <a:p>
+                      <a:r>
+                        <a:rPr sz="1100"/>
+                        <a:t>`/delivery/scripts/cloudformation/`</a:t>
+                      </a:r>
+                    </a:p>
+                  </a:txBody>
+                  <a:tcPr>
+                    <a:solidFill>
+                      <a:srgbClr val="E7E6E6"/>
+                    </a:solidFill>
+                  </a:tcPr>
+                </a:tc>
+              </a:tr>
+              <a:tr h="370840">
+                <a:tc>
+                  <a:txBody>
+                    <a:bodyPr/>
+                    <a:lstStyle/>
+                    <a:p>
+                      <a:r>
+                        <a:rPr b="1" sz="1100"/>
+                        <a:t>Operations Runbook</a:t>
+                      </a:r>
+                    </a:p>
+                  </a:txBody>
+                  <a:tcPr>
+                    <a:solidFill>
+                      <a:srgbClr val="E7E6E6"/>
+                    </a:solidFill>
+                  </a:tcPr>
+                </a:tc>
+                <a:tc>
+                  <a:txBody>
+                    <a:bodyPr/>
+                    <a:lstStyle/>
+                    <a:p>
+                      <a:r>
+                        <a:rPr sz="1100"/>
+                        <a:t>Day-2 procedures and troubleshooting</a:t>
+                      </a:r>
+                    </a:p>
+                  </a:txBody>
+                  <a:tcPr>
+                    <a:solidFill>
+                      <a:srgbClr val="E7E6E6"/>
+                    </a:solidFill>
+                  </a:tcPr>
+                </a:tc>
+                <a:tc>
+                  <a:txBody>
+                    <a:bodyPr/>
+                    <a:lstStyle/>
+                    <a:p>
+                      <a:r>
+                        <a:rPr sz="1100"/>
+                        <a:t>`/delivery/docs/operations-runbook.md`</a:t>
+                      </a:r>
+                    </a:p>
+                  </a:txBody>
+                  <a:tcPr>
+                    <a:solidFill>
+                      <a:srgbClr val="E7E6E6"/>
+                    </a:solidFill>
+                  </a:tcPr>
+                </a:tc>
+              </a:tr>
+              <a:tr h="370840">
+                <a:tc>
+                  <a:txBody>
+                    <a:bodyPr/>
+                    <a:lstStyle/>
+                    <a:p>
+                      <a:r>
+                        <a:rPr b="1" sz="1100"/>
+                        <a:t>Training Materials</a:t>
+                      </a:r>
+                    </a:p>
+                  </a:txBody>
+                  <a:tcPr>
+                    <a:solidFill>
+                      <a:srgbClr val="E7E6E6"/>
+                    </a:solidFill>
+                  </a:tcPr>
+                </a:tc>
+                <a:tc>
+                  <a:txBody>
+                    <a:bodyPr/>
+                    <a:lstStyle/>
+                    <a:p>
+                      <a:r>
+                        <a:rPr sz="1100"/>
+                        <a:t>Cloud operations guides and videos</a:t>
+                      </a:r>
+                    </a:p>
+                  </a:txBody>
+                  <a:tcPr>
+                    <a:solidFill>
+                      <a:srgbClr val="E7E6E6"/>
+                    </a:solidFill>
+                  </a:tcPr>
+                </a:tc>
+                <a:tc>
+                  <a:txBody>
+                    <a:bodyPr/>
+                    <a:lstStyle/>
+                    <a:p>
+                      <a:r>
+                        <a:rPr sz="1100"/>
+                        <a:t>`/delivery/training/`</a:t>
                       </a:r>
                     </a:p>
                   </a:txBody>
@@ -3762,6 +7219,59 @@
           </a:graphicData>
         </a:graphic>
       </p:graphicFrame>
+      <p:sp>
+        <p:nvSpPr>
+          <p:cNvPr id="5" name="Text Placeholder 4"/>
+          <p:cNvSpPr>
+            <a:spLocks noGrp="1"/>
+          </p:cNvSpPr>
+          <p:nvPr>
+            <p:ph type="body" idx="15" sz="quarter"/>
+          </p:nvPr>
+        </p:nvSpPr>
+        <p:spPr/>
+        <p:txBody>
+          <a:bodyPr/>
+          <a:lstStyle/>
+          <a:p>
+            <a:pPr algn="r">
+              <a:buNone/>
+            </a:pPr>
+            <a:r>
+              <a:rPr sz="1100">
+                <a:solidFill>
+                  <a:srgbClr val="CC0000"/>
+                </a:solidFill>
+              </a:rPr>
+              <a:t>AWS On-Premise to Cloud Migration</a:t>
+            </a:r>
+          </a:p>
+        </p:txBody>
+      </p:sp>
+      <p:pic>
+        <p:nvPicPr>
+          <p:cNvPr id="6" name="Picture 5" descr="consulting_company_logo.png"/>
+          <p:cNvPicPr>
+            <a:picLocks noChangeAspect="1"/>
+          </p:cNvPicPr>
+          <p:nvPr/>
+        </p:nvPicPr>
+        <p:blipFill>
+          <a:blip r:embed="rId3"/>
+          <a:stretch>
+            <a:fillRect/>
+          </a:stretch>
+        </p:blipFill>
+        <p:spPr>
+          <a:xfrm>
+            <a:off x="313592" y="4536078"/>
+            <a:ext cx="2126273" cy="529698"/>
+          </a:xfrm>
+          <a:prstGeom prst="rect">
+            <a:avLst/>
+          </a:prstGeom>
+        </p:spPr>
+      </p:pic>
     </p:spTree>
   </p:cSld>
   <p:clrMapOvr>
@@ -3770,7 +7280,7 @@
 </p:sld>
 </file>
 
-<file path=ppt/slides/slide3.xml><?xml version="1.0" encoding="utf-8"?>
+<file path=ppt/slides/slide5.xml><?xml version="1.0" encoding="utf-8"?>
 <p:sld xmlns:a="http://schemas.openxmlformats.org/drawingml/2006/main" xmlns:p="http://schemas.openxmlformats.org/presentationml/2006/main" xmlns:r="http://schemas.openxmlformats.org/officeDocument/2006/relationships">
   <p:cSld>
     <p:spTree>
@@ -3782,7 +7292,7 @@
       <p:grpSpPr/>
       <p:sp>
         <p:nvSpPr>
-          <p:cNvPr id="2" name="Text Placeholder 1"/>
+          <p:cNvPr id="3" name="Text Placeholder 2"/>
           <p:cNvSpPr>
             <a:spLocks noGrp="1"/>
           </p:cNvSpPr>
@@ -3797,23 +7307,209 @@
           <a:p>
             <a:pPr algn="l"/>
             <a:r>
-              <a:rPr b="1"/>
-              <a:t>**Slide 9: Migration Waves Executed**</a:t>
+              <a:t>Quality &amp; Performance</a:t>
             </a:r>
           </a:p>
         </p:txBody>
       </p:sp>
       <p:sp>
         <p:nvSpPr>
-          <p:cNvPr id="3" name="Picture Placeholder 2"/>
+          <p:cNvPr id="4" name="Text Placeholder 3"/>
           <p:cNvSpPr>
             <a:spLocks noGrp="1"/>
           </p:cNvSpPr>
           <p:nvPr>
-            <p:ph type="pic" idx="13" sz="quarter"/>
+            <p:ph type="body" idx="16" sz="quarter"/>
           </p:nvPr>
         </p:nvSpPr>
         <p:spPr/>
+        <p:txBody>
+          <a:bodyPr/>
+          <a:lstStyle/>
+          <a:p>
+            <a:pPr/>
+            <a:r>
+              <a:rPr b="1"/>
+              <a:t>Migration Metrics</a:t>
+            </a:r>
+          </a:p>
+          <a:p>
+            <a:pPr lvl="1"/>
+            <a:r>
+              <a:t>Applications Migrated: 8 of 8 (100%)</a:t>
+            </a:r>
+          </a:p>
+          <a:p>
+            <a:pPr lvl="1"/>
+            <a:r>
+              <a:t>Data Loss: Zero bytes confirmed</a:t>
+            </a:r>
+          </a:p>
+          <a:p>
+            <a:pPr lvl="1"/>
+            <a:r>
+              <a:t>Cutover Downtime: 4 hours average</a:t>
+            </a:r>
+          </a:p>
+          <a:p>
+            <a:pPr lvl="1"/>
+            <a:r>
+              <a:t>Rollback Events: Zero required</a:t>
+            </a:r>
+          </a:p>
+          <a:p>
+            <a:pPr lvl="1"/>
+            <a:r>
+              <a:t>Post-Migration Issues: 3 (all P3)</a:t>
+            </a:r>
+          </a:p>
+        </p:txBody>
+      </p:sp>
+      <p:sp>
+        <p:nvSpPr>
+          <p:cNvPr id="5" name="Text Placeholder 4"/>
+          <p:cNvSpPr>
+            <a:spLocks noGrp="1"/>
+          </p:cNvSpPr>
+          <p:nvPr>
+            <p:ph type="body" idx="17" sz="quarter"/>
+          </p:nvPr>
+        </p:nvSpPr>
+        <p:spPr/>
+        <p:txBody>
+          <a:bodyPr/>
+          <a:lstStyle/>
+          <a:p>
+            <a:pPr/>
+            <a:r>
+              <a:rPr b="1"/>
+              <a:t>Performance Metrics</a:t>
+            </a:r>
+          </a:p>
+          <a:p>
+            <a:pPr lvl="1"/>
+            <a:r>
+              <a:t>Application Response: 15% faster</a:t>
+            </a:r>
+          </a:p>
+          <a:p>
+            <a:pPr lvl="1"/>
+            <a:r>
+              <a:t>Database Queries: 20% improved</a:t>
+            </a:r>
+          </a:p>
+          <a:p>
+            <a:pPr lvl="1"/>
+            <a:r>
+              <a:t>Availability: 99.95% achieved</a:t>
+            </a:r>
+          </a:p>
+          <a:p>
+            <a:pPr lvl="1"/>
+            <a:r>
+              <a:t>Cost per Transaction: 30% reduced</a:t>
+            </a:r>
+          </a:p>
+          <a:p>
+            <a:pPr lvl="1"/>
+            <a:r>
+              <a:t>User Satisfaction: 4.5/5.0 rating</a:t>
+            </a:r>
+          </a:p>
+        </p:txBody>
+      </p:sp>
+      <p:sp>
+        <p:nvSpPr>
+          <p:cNvPr id="6" name="Text Placeholder 5"/>
+          <p:cNvSpPr>
+            <a:spLocks noGrp="1"/>
+          </p:cNvSpPr>
+          <p:nvPr>
+            <p:ph type="body" idx="15" sz="quarter"/>
+          </p:nvPr>
+        </p:nvSpPr>
+        <p:spPr/>
+        <p:txBody>
+          <a:bodyPr/>
+          <a:lstStyle/>
+          <a:p>
+            <a:pPr algn="r">
+              <a:buNone/>
+            </a:pPr>
+            <a:r>
+              <a:rPr sz="1100">
+                <a:solidFill>
+                  <a:srgbClr val="CC0000"/>
+                </a:solidFill>
+              </a:rPr>
+              <a:t>AWS On-Premise to Cloud Migration</a:t>
+            </a:r>
+          </a:p>
+        </p:txBody>
+      </p:sp>
+      <p:pic>
+        <p:nvPicPr>
+          <p:cNvPr id="7" name="Picture 6" descr="consulting_company_logo.png"/>
+          <p:cNvPicPr>
+            <a:picLocks noChangeAspect="1"/>
+          </p:cNvPicPr>
+          <p:nvPr/>
+        </p:nvPicPr>
+        <p:blipFill>
+          <a:blip r:embed="rId3"/>
+          <a:stretch>
+            <a:fillRect/>
+          </a:stretch>
+        </p:blipFill>
+        <p:spPr>
+          <a:xfrm>
+            <a:off x="313592" y="4536078"/>
+            <a:ext cx="2121877" cy="529698"/>
+          </a:xfrm>
+          <a:prstGeom prst="rect">
+            <a:avLst/>
+          </a:prstGeom>
+        </p:spPr>
+      </p:pic>
+    </p:spTree>
+  </p:cSld>
+  <p:clrMapOvr>
+    <a:masterClrMapping/>
+  </p:clrMapOvr>
+</p:sld>
+</file>
+
+<file path=ppt/slides/slide6.xml><?xml version="1.0" encoding="utf-8"?>
+<p:sld xmlns:a="http://schemas.openxmlformats.org/drawingml/2006/main" xmlns:p="http://schemas.openxmlformats.org/presentationml/2006/main" xmlns:r="http://schemas.openxmlformats.org/officeDocument/2006/relationships">
+  <p:cSld>
+    <p:spTree>
+      <p:nvGrpSpPr>
+        <p:cNvPr id="1" name=""/>
+        <p:cNvGrpSpPr/>
+        <p:nvPr/>
+      </p:nvGrpSpPr>
+      <p:grpSpPr/>
+      <p:sp>
+        <p:nvSpPr>
+          <p:cNvPr id="3" name="Text Placeholder 2"/>
+          <p:cNvSpPr>
+            <a:spLocks noGrp="1"/>
+          </p:cNvSpPr>
+          <p:nvPr>
+            <p:ph type="body" idx="10" sz="quarter"/>
+          </p:nvPr>
+        </p:nvSpPr>
+        <p:spPr/>
+        <p:txBody>
+          <a:bodyPr/>
+          <a:lstStyle/>
+          <a:p>
+            <a:pPr algn="l"/>
+            <a:r>
+              <a:t>Benefits Realized</a:t>
+            </a:r>
+          </a:p>
+        </p:txBody>
       </p:sp>
       <p:graphicFrame>
         <p:nvGraphicFramePr>
@@ -3827,7 +7523,7 @@
         </p:nvGraphicFramePr>
         <p:xfrm>
           <a:off x="256855" y="677011"/>
-          <a:ext cx="8710932" cy="1483360"/>
+          <a:ext cx="8710930" cy="2595880"/>
         </p:xfrm>
         <a:graphic>
           <a:graphicData uri="http://schemas.openxmlformats.org/drawingml/2006/table">
@@ -3836,12 +7532,10 @@
                 <a:tableStyleId>{5C22544A-7EE6-4342-B048-85BDC9FD1C3A}</a:tableStyleId>
               </a:tblPr>
               <a:tblGrid>
-                <a:gridCol w="1451822"/>
-                <a:gridCol w="1451822"/>
-                <a:gridCol w="1451822"/>
-                <a:gridCol w="1451822"/>
-                <a:gridCol w="1451822"/>
-                <a:gridCol w="1451822"/>
+                <a:gridCol w="2613279"/>
+                <a:gridCol w="1742186"/>
+                <a:gridCol w="1742186"/>
+                <a:gridCol w="2613279"/>
               </a:tblGrid>
               <a:tr h="370840">
                 <a:tc>
@@ -3850,12 +7544,12 @@
                     <a:lstStyle/>
                     <a:p>
                       <a:r>
-                        <a:rPr b="1" sz="1400">
+                        <a:rPr sz="1400">
                           <a:solidFill>
                             <a:srgbClr val="FFFFFF"/>
                           </a:solidFill>
                         </a:rPr>
-                        <a:t>Wave</a:t>
+                        <a:t>Benefit Category</a:t>
                       </a:r>
                     </a:p>
                   </a:txBody>
@@ -3871,12 +7565,12 @@
                     <a:lstStyle/>
                     <a:p>
                       <a:r>
-                        <a:rPr b="1" sz="1400">
+                        <a:rPr sz="1400">
                           <a:solidFill>
                             <a:srgbClr val="FFFFFF"/>
                           </a:solidFill>
                         </a:rPr>
-                        <a:t>Applications</a:t>
+                        <a:t>SOW Target</a:t>
                       </a:r>
                     </a:p>
                   </a:txBody>
@@ -3892,12 +7586,12 @@
                     <a:lstStyle/>
                     <a:p>
                       <a:r>
-                        <a:rPr b="1" sz="1400">
+                        <a:rPr sz="1400">
                           <a:solidFill>
                             <a:srgbClr val="FFFFFF"/>
                           </a:solidFill>
                         </a:rPr>
-                        <a:t>Migration Method</a:t>
+                        <a:t>Achieved</a:t>
                       </a:r>
                     </a:p>
                   </a:txBody>
@@ -3913,49 +7607,7 @@
                     <a:lstStyle/>
                     <a:p>
                       <a:r>
-                        <a:rPr b="1" sz="1400">
-                          <a:solidFill>
-                            <a:srgbClr val="FFFFFF"/>
-                          </a:solidFill>
-                        </a:rPr>
-                        <a:t>Duration</a:t>
-                      </a:r>
-                    </a:p>
-                  </a:txBody>
-                  <a:tcPr>
-                    <a:solidFill>
-                      <a:srgbClr val="A01C02"/>
-                    </a:solidFill>
-                  </a:tcPr>
-                </a:tc>
-                <a:tc>
-                  <a:txBody>
-                    <a:bodyPr/>
-                    <a:lstStyle/>
-                    <a:p>
-                      <a:r>
-                        <a:rPr b="1" sz="1400">
-                          <a:solidFill>
-                            <a:srgbClr val="FFFFFF"/>
-                          </a:solidFill>
-                        </a:rPr>
-                        <a:t>Status</a:t>
-                      </a:r>
-                    </a:p>
-                  </a:txBody>
-                  <a:tcPr>
-                    <a:solidFill>
-                      <a:srgbClr val="A01C02"/>
-                    </a:solidFill>
-                  </a:tcPr>
-                </a:tc>
-                <a:tc>
-                  <a:txBody>
-                    <a:bodyPr/>
-                    <a:lstStyle/>
-                    <a:p>
-                      <a:r>
-                        <a:rPr b="1" sz="1400">
+                        <a:rPr sz="1400">
                           <a:solidFill>
                             <a:srgbClr val="FFFFFF"/>
                           </a:solidFill>
@@ -3978,8 +7630,8 @@
                     <a:lstStyle/>
                     <a:p>
                       <a:r>
-                        <a:rPr sz="1100"/>
-                        <a:t>Wave 1 (Pilot)</a:t>
+                        <a:rPr b="1" sz="1100"/>
+                        <a:t>Infrastructure Costs</a:t>
                       </a:r>
                     </a:p>
                   </a:txBody>
@@ -3996,7 +7648,7 @@
                     <a:p>
                       <a:r>
                         <a:rPr sz="1100"/>
-                        <a:t>[App list]</a:t>
+                        <a:t>30-40% reduction</a:t>
                       </a:r>
                     </a:p>
                   </a:txBody>
@@ -4013,7 +7665,7 @@
                     <a:p>
                       <a:r>
                         <a:rPr sz="1100"/>
-                        <a:t>[Lift-and-shift/Re-platform]</a:t>
+                        <a:t>35% achieved</a:t>
                       </a:r>
                     </a:p>
                   </a:txBody>
@@ -4030,145 +7682,7 @@
                     <a:p>
                       <a:r>
                         <a:rPr sz="1100"/>
-                        <a:t>[Duration]</a:t>
-                      </a:r>
-                    </a:p>
-                  </a:txBody>
-                  <a:tcPr>
-                    <a:solidFill>
-                      <a:srgbClr val="E7E6E6"/>
-                    </a:solidFill>
-                  </a:tcPr>
-                </a:tc>
-                <a:tc>
-                  <a:txBody>
-                    <a:bodyPr/>
-                    <a:lstStyle/>
-                    <a:p>
-                      <a:r>
-                        <a:rPr sz="1100"/>
-                        <a:t>✅ Complete</a:t>
-                      </a:r>
-                    </a:p>
-                  </a:txBody>
-                  <a:tcPr>
-                    <a:solidFill>
-                      <a:srgbClr val="E7E6E6"/>
-                    </a:solidFill>
-                  </a:tcPr>
-                </a:tc>
-                <a:tc>
-                  <a:txBody>
-                    <a:bodyPr/>
-                    <a:lstStyle/>
-                    <a:p>
-                      <a:r>
-                        <a:rPr sz="1100"/>
-                        <a:t>[Minimal impact]</a:t>
-                      </a:r>
-                    </a:p>
-                  </a:txBody>
-                  <a:tcPr>
-                    <a:solidFill>
-                      <a:srgbClr val="E7E6E6"/>
-                    </a:solidFill>
-                  </a:tcPr>
-                </a:tc>
-              </a:tr>
-              <a:tr h="370840">
-                <a:tc>
-                  <a:txBody>
-                    <a:bodyPr/>
-                    <a:lstStyle/>
-                    <a:p>
-                      <a:r>
-                        <a:rPr sz="1100"/>
-                        <a:t>Wave 2</a:t>
-                      </a:r>
-                    </a:p>
-                  </a:txBody>
-                  <a:tcPr>
-                    <a:solidFill>
-                      <a:srgbClr val="E7E6E6"/>
-                    </a:solidFill>
-                  </a:tcPr>
-                </a:tc>
-                <a:tc>
-                  <a:txBody>
-                    <a:bodyPr/>
-                    <a:lstStyle/>
-                    <a:p>
-                      <a:r>
-                        <a:rPr sz="1100"/>
-                        <a:t>[App list]</a:t>
-                      </a:r>
-                    </a:p>
-                  </a:txBody>
-                  <a:tcPr>
-                    <a:solidFill>
-                      <a:srgbClr val="E7E6E6"/>
-                    </a:solidFill>
-                  </a:tcPr>
-                </a:tc>
-                <a:tc>
-                  <a:txBody>
-                    <a:bodyPr/>
-                    <a:lstStyle/>
-                    <a:p>
-                      <a:r>
-                        <a:rPr sz="1100"/>
-                        <a:t>[Migration method]</a:t>
-                      </a:r>
-                    </a:p>
-                  </a:txBody>
-                  <a:tcPr>
-                    <a:solidFill>
-                      <a:srgbClr val="E7E6E6"/>
-                    </a:solidFill>
-                  </a:tcPr>
-                </a:tc>
-                <a:tc>
-                  <a:txBody>
-                    <a:bodyPr/>
-                    <a:lstStyle/>
-                    <a:p>
-                      <a:r>
-                        <a:rPr sz="1100"/>
-                        <a:t>[Duration]</a:t>
-                      </a:r>
-                    </a:p>
-                  </a:txBody>
-                  <a:tcPr>
-                    <a:solidFill>
-                      <a:srgbClr val="E7E6E6"/>
-                    </a:solidFill>
-                  </a:tcPr>
-                </a:tc>
-                <a:tc>
-                  <a:txBody>
-                    <a:bodyPr/>
-                    <a:lstStyle/>
-                    <a:p>
-                      <a:r>
-                        <a:rPr sz="1100"/>
-                        <a:t>✅ Complete</a:t>
-                      </a:r>
-                    </a:p>
-                  </a:txBody>
-                  <a:tcPr>
-                    <a:solidFill>
-                      <a:srgbClr val="E7E6E6"/>
-                    </a:solidFill>
-                  </a:tcPr>
-                </a:tc>
-                <a:tc>
-                  <a:txBody>
-                    <a:bodyPr/>
-                    <a:lstStyle/>
-                    <a:p>
-                      <a:r>
-                        <a:rPr sz="1100"/>
-                        <a:t>[Business impact]</a:t>
+                        <a:t>$127,500 annual savings</a:t>
                       </a:r>
                     </a:p>
                   </a:txBody>
@@ -4187,280 +7701,7 @@
                     <a:p>
                       <a:r>
                         <a:rPr b="1" sz="1100"/>
-                        <a:t>Wave 3</a:t>
-                      </a:r>
-                    </a:p>
-                  </a:txBody>
-                  <a:tcPr>
-                    <a:solidFill>
-                      <a:srgbClr val="E7E6E6"/>
-                    </a:solidFill>
-                  </a:tcPr>
-                </a:tc>
-                <a:tc>
-                  <a:txBody>
-                    <a:bodyPr/>
-                    <a:lstStyle/>
-                    <a:p>
-                      <a:r>
-                        <a:rPr b="1" sz="1100"/>
-                        <a:t>[App list]</a:t>
-                      </a:r>
-                    </a:p>
-                  </a:txBody>
-                  <a:tcPr>
-                    <a:solidFill>
-                      <a:srgbClr val="E7E6E6"/>
-                    </a:solidFill>
-                  </a:tcPr>
-                </a:tc>
-                <a:tc>
-                  <a:txBody>
-                    <a:bodyPr/>
-                    <a:lstStyle/>
-                    <a:p>
-                      <a:r>
-                        <a:rPr b="1" sz="1100"/>
-                        <a:t>[Migration method]</a:t>
-                      </a:r>
-                    </a:p>
-                  </a:txBody>
-                  <a:tcPr>
-                    <a:solidFill>
-                      <a:srgbClr val="E7E6E6"/>
-                    </a:solidFill>
-                  </a:tcPr>
-                </a:tc>
-                <a:tc>
-                  <a:txBody>
-                    <a:bodyPr/>
-                    <a:lstStyle/>
-                    <a:p>
-                      <a:r>
-                        <a:rPr b="1" sz="1100"/>
-                        <a:t>[Duration]</a:t>
-                      </a:r>
-                    </a:p>
-                  </a:txBody>
-                  <a:tcPr>
-                    <a:solidFill>
-                      <a:srgbClr val="E7E6E6"/>
-                    </a:solidFill>
-                  </a:tcPr>
-                </a:tc>
-                <a:tc>
-                  <a:txBody>
-                    <a:bodyPr/>
-                    <a:lstStyle/>
-                    <a:p>
-                      <a:r>
-                        <a:rPr b="1" sz="1100"/>
-                        <a:t>✅ Complete</a:t>
-                      </a:r>
-                    </a:p>
-                  </a:txBody>
-                  <a:tcPr>
-                    <a:solidFill>
-                      <a:srgbClr val="E7E6E6"/>
-                    </a:solidFill>
-                  </a:tcPr>
-                </a:tc>
-                <a:tc>
-                  <a:txBody>
-                    <a:bodyPr/>
-                    <a:lstStyle/>
-                    <a:p>
-                      <a:r>
-                        <a:rPr b="1" sz="1100"/>
-                        <a:t>[Business impact]</a:t>
-                      </a:r>
-                    </a:p>
-                  </a:txBody>
-                  <a:tcPr>
-                    <a:solidFill>
-                      <a:srgbClr val="E7E6E6"/>
-                    </a:solidFill>
-                  </a:tcPr>
-                </a:tc>
-              </a:tr>
-            </a:tbl>
-          </a:graphicData>
-        </a:graphic>
-      </p:graphicFrame>
-    </p:spTree>
-  </p:cSld>
-  <p:clrMapOvr>
-    <a:masterClrMapping/>
-  </p:clrMapOvr>
-</p:sld>
-</file>
-
-<file path=ppt/slides/slide4.xml><?xml version="1.0" encoding="utf-8"?>
-<p:sld xmlns:a="http://schemas.openxmlformats.org/drawingml/2006/main" xmlns:p="http://schemas.openxmlformats.org/presentationml/2006/main" xmlns:r="http://schemas.openxmlformats.org/officeDocument/2006/relationships">
-  <p:cSld>
-    <p:spTree>
-      <p:nvGrpSpPr>
-        <p:cNvPr id="1" name=""/>
-        <p:cNvGrpSpPr/>
-        <p:nvPr/>
-      </p:nvGrpSpPr>
-      <p:grpSpPr/>
-      <p:sp>
-        <p:nvSpPr>
-          <p:cNvPr id="2" name="Text Placeholder 1"/>
-          <p:cNvSpPr>
-            <a:spLocks noGrp="1"/>
-          </p:cNvSpPr>
-          <p:nvPr>
-            <p:ph type="body" idx="10" sz="quarter"/>
-          </p:nvPr>
-        </p:nvSpPr>
-        <p:spPr/>
-        <p:txBody>
-          <a:bodyPr/>
-          <a:lstStyle/>
-          <a:p>
-            <a:pPr algn="l"/>
-            <a:r>
-              <a:rPr b="1"/>
-              <a:t>**Slide 11: AWS Services Deployed**</a:t>
-            </a:r>
-          </a:p>
-        </p:txBody>
-      </p:sp>
-      <p:sp>
-        <p:nvSpPr>
-          <p:cNvPr id="3" name="Picture Placeholder 2"/>
-          <p:cNvSpPr>
-            <a:spLocks noGrp="1"/>
-          </p:cNvSpPr>
-          <p:nvPr>
-            <p:ph type="pic" idx="13" sz="quarter"/>
-          </p:nvPr>
-        </p:nvSpPr>
-        <p:spPr/>
-      </p:sp>
-      <p:graphicFrame>
-        <p:nvGraphicFramePr>
-          <p:cNvPr id="4" name="Table Placeholder 3"/>
-          <p:cNvGraphicFramePr>
-            <a:graphicFrameLocks noGrp="1"/>
-          </p:cNvGraphicFramePr>
-          <p:nvPr>
-            <p:ph type="tbl" idx="14" sz="quarter"/>
-          </p:nvPr>
-        </p:nvGraphicFramePr>
-        <p:xfrm>
-          <a:off x="256855" y="677011"/>
-          <a:ext cx="8710930" cy="2595880"/>
-        </p:xfrm>
-        <a:graphic>
-          <a:graphicData uri="http://schemas.openxmlformats.org/drawingml/2006/table">
-            <a:tbl>
-              <a:tblPr firstRow="1" bandRow="1">
-                <a:tableStyleId>{5C22544A-7EE6-4342-B048-85BDC9FD1C3A}</a:tableStyleId>
-              </a:tblPr>
-              <a:tblGrid>
-                <a:gridCol w="1045311"/>
-                <a:gridCol w="2177733"/>
-                <a:gridCol w="1045311"/>
-                <a:gridCol w="4442575"/>
-              </a:tblGrid>
-              <a:tr h="370840">
-                <a:tc>
-                  <a:txBody>
-                    <a:bodyPr/>
-                    <a:lstStyle/>
-                    <a:p>
-                      <a:r>
-                        <a:rPr b="1" sz="1400">
-                          <a:solidFill>
-                            <a:srgbClr val="FFFFFF"/>
-                          </a:solidFill>
-                        </a:rPr>
-                        <a:t>Service Category</a:t>
-                      </a:r>
-                    </a:p>
-                  </a:txBody>
-                  <a:tcPr>
-                    <a:solidFill>
-                      <a:srgbClr val="A01C02"/>
-                    </a:solidFill>
-                  </a:tcPr>
-                </a:tc>
-                <a:tc>
-                  <a:txBody>
-                    <a:bodyPr/>
-                    <a:lstStyle/>
-                    <a:p>
-                      <a:r>
-                        <a:rPr b="1" sz="1400">
-                          <a:solidFill>
-                            <a:srgbClr val="FFFFFF"/>
-                          </a:solidFill>
-                        </a:rPr>
-                        <a:t>AWS Services</a:t>
-                      </a:r>
-                    </a:p>
-                  </a:txBody>
-                  <a:tcPr>
-                    <a:solidFill>
-                      <a:srgbClr val="A01C02"/>
-                    </a:solidFill>
-                  </a:tcPr>
-                </a:tc>
-                <a:tc>
-                  <a:txBody>
-                    <a:bodyPr/>
-                    <a:lstStyle/>
-                    <a:p>
-                      <a:r>
-                        <a:rPr b="1" sz="1400">
-                          <a:solidFill>
-                            <a:srgbClr val="FFFFFF"/>
-                          </a:solidFill>
-                        </a:rPr>
-                        <a:t>Purpose</a:t>
-                      </a:r>
-                    </a:p>
-                  </a:txBody>
-                  <a:tcPr>
-                    <a:solidFill>
-                      <a:srgbClr val="A01C02"/>
-                    </a:solidFill>
-                  </a:tcPr>
-                </a:tc>
-                <a:tc>
-                  <a:txBody>
-                    <a:bodyPr/>
-                    <a:lstStyle/>
-                    <a:p>
-                      <a:r>
-                        <a:rPr b="1" sz="1400">
-                          <a:solidFill>
-                            <a:srgbClr val="FFFFFF"/>
-                          </a:solidFill>
-                        </a:rPr>
-                        <a:t>Configuration</a:t>
-                      </a:r>
-                    </a:p>
-                  </a:txBody>
-                  <a:tcPr>
-                    <a:solidFill>
-                      <a:srgbClr val="A01C02"/>
-                    </a:solidFill>
-                  </a:tcPr>
-                </a:tc>
-              </a:tr>
-              <a:tr h="370840">
-                <a:tc>
-                  <a:txBody>
-                    <a:bodyPr/>
-                    <a:lstStyle/>
-                    <a:p>
-                      <a:r>
-                        <a:rPr sz="1100"/>
-                        <a:t>Compute</a:t>
+                        <a:t>Hardware Refresh</a:t>
                       </a:r>
                     </a:p>
                   </a:txBody>
@@ -4477,7 +7718,7 @@
                     <a:p>
                       <a:r>
                         <a:rPr sz="1100"/>
-                        <a:t>EC2, Lambda, ECS</a:t>
+                        <a:t>Eliminate cycle</a:t>
                       </a:r>
                     </a:p>
                   </a:txBody>
@@ -4494,7 +7735,7 @@
                     <a:p>
                       <a:r>
                         <a:rPr sz="1100"/>
-                        <a:t>Application hosting</a:t>
+                        <a:t>Avoided $180K</a:t>
                       </a:r>
                     </a:p>
                   </a:txBody>
@@ -4511,287 +7752,7 @@
                     <a:p>
                       <a:r>
                         <a:rPr sz="1100"/>
-                        <a:t>[Instance types, auto-scaling]</a:t>
-                      </a:r>
-                    </a:p>
-                  </a:txBody>
-                  <a:tcPr>
-                    <a:solidFill>
-                      <a:srgbClr val="E7E6E6"/>
-                    </a:solidFill>
-                  </a:tcPr>
-                </a:tc>
-              </a:tr>
-              <a:tr h="370840">
-                <a:tc>
-                  <a:txBody>
-                    <a:bodyPr/>
-                    <a:lstStyle/>
-                    <a:p>
-                      <a:r>
-                        <a:rPr sz="1100"/>
-                        <a:t>Database</a:t>
-                      </a:r>
-                    </a:p>
-                  </a:txBody>
-                  <a:tcPr>
-                    <a:solidFill>
-                      <a:srgbClr val="E7E6E6"/>
-                    </a:solidFill>
-                  </a:tcPr>
-                </a:tc>
-                <a:tc>
-                  <a:txBody>
-                    <a:bodyPr/>
-                    <a:lstStyle/>
-                    <a:p>
-                      <a:r>
-                        <a:rPr sz="1100"/>
-                        <a:t>RDS, DynamoDB</a:t>
-                      </a:r>
-                    </a:p>
-                  </a:txBody>
-                  <a:tcPr>
-                    <a:solidFill>
-                      <a:srgbClr val="E7E6E6"/>
-                    </a:solidFill>
-                  </a:tcPr>
-                </a:tc>
-                <a:tc>
-                  <a:txBody>
-                    <a:bodyPr/>
-                    <a:lstStyle/>
-                    <a:p>
-                      <a:r>
-                        <a:rPr sz="1100"/>
-                        <a:t>Data management</a:t>
-                      </a:r>
-                    </a:p>
-                  </a:txBody>
-                  <a:tcPr>
-                    <a:solidFill>
-                      <a:srgbClr val="E7E6E6"/>
-                    </a:solidFill>
-                  </a:tcPr>
-                </a:tc>
-                <a:tc>
-                  <a:txBody>
-                    <a:bodyPr/>
-                    <a:lstStyle/>
-                    <a:p>
-                      <a:r>
-                        <a:rPr sz="1100"/>
-                        <a:t>[Multi-AZ, encryption]</a:t>
-                      </a:r>
-                    </a:p>
-                  </a:txBody>
-                  <a:tcPr>
-                    <a:solidFill>
-                      <a:srgbClr val="E7E6E6"/>
-                    </a:solidFill>
-                  </a:tcPr>
-                </a:tc>
-              </a:tr>
-              <a:tr h="370840">
-                <a:tc>
-                  <a:txBody>
-                    <a:bodyPr/>
-                    <a:lstStyle/>
-                    <a:p>
-                      <a:r>
-                        <a:rPr sz="1100"/>
-                        <a:t>Storage</a:t>
-                      </a:r>
-                    </a:p>
-                  </a:txBody>
-                  <a:tcPr>
-                    <a:solidFill>
-                      <a:srgbClr val="E7E6E6"/>
-                    </a:solidFill>
-                  </a:tcPr>
-                </a:tc>
-                <a:tc>
-                  <a:txBody>
-                    <a:bodyPr/>
-                    <a:lstStyle/>
-                    <a:p>
-                      <a:r>
-                        <a:rPr sz="1100"/>
-                        <a:t>S3, EBS, EFS</a:t>
-                      </a:r>
-                    </a:p>
-                  </a:txBody>
-                  <a:tcPr>
-                    <a:solidFill>
-                      <a:srgbClr val="E7E6E6"/>
-                    </a:solidFill>
-                  </a:tcPr>
-                </a:tc>
-                <a:tc>
-                  <a:txBody>
-                    <a:bodyPr/>
-                    <a:lstStyle/>
-                    <a:p>
-                      <a:r>
-                        <a:rPr sz="1100"/>
-                        <a:t>Data storage</a:t>
-                      </a:r>
-                    </a:p>
-                  </a:txBody>
-                  <a:tcPr>
-                    <a:solidFill>
-                      <a:srgbClr val="E7E6E6"/>
-                    </a:solidFill>
-                  </a:tcPr>
-                </a:tc>
-                <a:tc>
-                  <a:txBody>
-                    <a:bodyPr/>
-                    <a:lstStyle/>
-                    <a:p>
-                      <a:r>
-                        <a:rPr sz="1100"/>
-                        <a:t>[Storage classes, lifecycle]</a:t>
-                      </a:r>
-                    </a:p>
-                  </a:txBody>
-                  <a:tcPr>
-                    <a:solidFill>
-                      <a:srgbClr val="E7E6E6"/>
-                    </a:solidFill>
-                  </a:tcPr>
-                </a:tc>
-              </a:tr>
-              <a:tr h="370840">
-                <a:tc>
-                  <a:txBody>
-                    <a:bodyPr/>
-                    <a:lstStyle/>
-                    <a:p>
-                      <a:r>
-                        <a:rPr sz="1100"/>
-                        <a:t>Network</a:t>
-                      </a:r>
-                    </a:p>
-                  </a:txBody>
-                  <a:tcPr>
-                    <a:solidFill>
-                      <a:srgbClr val="E7E6E6"/>
-                    </a:solidFill>
-                  </a:tcPr>
-                </a:tc>
-                <a:tc>
-                  <a:txBody>
-                    <a:bodyPr/>
-                    <a:lstStyle/>
-                    <a:p>
-                      <a:r>
-                        <a:rPr sz="1100"/>
-                        <a:t>VPC, CloudFront, Route 53</a:t>
-                      </a:r>
-                    </a:p>
-                  </a:txBody>
-                  <a:tcPr>
-                    <a:solidFill>
-                      <a:srgbClr val="E7E6E6"/>
-                    </a:solidFill>
-                  </a:tcPr>
-                </a:tc>
-                <a:tc>
-                  <a:txBody>
-                    <a:bodyPr/>
-                    <a:lstStyle/>
-                    <a:p>
-                      <a:r>
-                        <a:rPr sz="1100"/>
-                        <a:t>Network and CDN</a:t>
-                      </a:r>
-                    </a:p>
-                  </a:txBody>
-                  <a:tcPr>
-                    <a:solidFill>
-                      <a:srgbClr val="E7E6E6"/>
-                    </a:solidFill>
-                  </a:tcPr>
-                </a:tc>
-                <a:tc>
-                  <a:txBody>
-                    <a:bodyPr/>
-                    <a:lstStyle/>
-                    <a:p>
-                      <a:r>
-                        <a:rPr sz="1100"/>
-                        <a:t>[Security groups, NACLs]</a:t>
-                      </a:r>
-                    </a:p>
-                  </a:txBody>
-                  <a:tcPr>
-                    <a:solidFill>
-                      <a:srgbClr val="E7E6E6"/>
-                    </a:solidFill>
-                  </a:tcPr>
-                </a:tc>
-              </a:tr>
-              <a:tr h="370840">
-                <a:tc>
-                  <a:txBody>
-                    <a:bodyPr/>
-                    <a:lstStyle/>
-                    <a:p>
-                      <a:r>
-                        <a:rPr sz="1100"/>
-                        <a:t>Security</a:t>
-                      </a:r>
-                    </a:p>
-                  </a:txBody>
-                  <a:tcPr>
-                    <a:solidFill>
-                      <a:srgbClr val="E7E6E6"/>
-                    </a:solidFill>
-                  </a:tcPr>
-                </a:tc>
-                <a:tc>
-                  <a:txBody>
-                    <a:bodyPr/>
-                    <a:lstStyle/>
-                    <a:p>
-                      <a:r>
-                        <a:rPr sz="1100"/>
-                        <a:t>IAM, KMS, WAF</a:t>
-                      </a:r>
-                    </a:p>
-                  </a:txBody>
-                  <a:tcPr>
-                    <a:solidFill>
-                      <a:srgbClr val="E7E6E6"/>
-                    </a:solidFill>
-                  </a:tcPr>
-                </a:tc>
-                <a:tc>
-                  <a:txBody>
-                    <a:bodyPr/>
-                    <a:lstStyle/>
-                    <a:p>
-                      <a:r>
-                        <a:rPr sz="1100"/>
-                        <a:t>Security controls</a:t>
-                      </a:r>
-                    </a:p>
-                  </a:txBody>
-                  <a:tcPr>
-                    <a:solidFill>
-                      <a:srgbClr val="E7E6E6"/>
-                    </a:solidFill>
-                  </a:tcPr>
-                </a:tc>
-                <a:tc>
-                  <a:txBody>
-                    <a:bodyPr/>
-                    <a:lstStyle/>
-                    <a:p>
-                      <a:r>
-                        <a:rPr sz="1100"/>
-                        <a:t>[Least privilege, encryption]</a:t>
+                        <a:t>Capital expense eliminated</a:t>
                       </a:r>
                     </a:p>
                   </a:txBody>
@@ -4810,268 +7771,7 @@
                     <a:p>
                       <a:r>
                         <a:rPr b="1" sz="1100"/>
-                        <a:t>Monitoring</a:t>
-                      </a:r>
-                    </a:p>
-                  </a:txBody>
-                  <a:tcPr>
-                    <a:solidFill>
-                      <a:srgbClr val="E7E6E6"/>
-                    </a:solidFill>
-                  </a:tcPr>
-                </a:tc>
-                <a:tc>
-                  <a:txBody>
-                    <a:bodyPr/>
-                    <a:lstStyle/>
-                    <a:p>
-                      <a:r>
-                        <a:rPr b="1" sz="1100"/>
-                        <a:t>CloudWatch, X-Ray</a:t>
-                      </a:r>
-                    </a:p>
-                  </a:txBody>
-                  <a:tcPr>
-                    <a:solidFill>
-                      <a:srgbClr val="E7E6E6"/>
-                    </a:solidFill>
-                  </a:tcPr>
-                </a:tc>
-                <a:tc>
-                  <a:txBody>
-                    <a:bodyPr/>
-                    <a:lstStyle/>
-                    <a:p>
-                      <a:r>
-                        <a:rPr b="1" sz="1100"/>
-                        <a:t>Observability</a:t>
-                      </a:r>
-                    </a:p>
-                  </a:txBody>
-                  <a:tcPr>
-                    <a:solidFill>
-                      <a:srgbClr val="E7E6E6"/>
-                    </a:solidFill>
-                  </a:tcPr>
-                </a:tc>
-                <a:tc>
-                  <a:txBody>
-                    <a:bodyPr/>
-                    <a:lstStyle/>
-                    <a:p>
-                      <a:r>
-                        <a:rPr b="1" sz="1100"/>
-                        <a:t>[Dashboards, alerts]</a:t>
-                      </a:r>
-                    </a:p>
-                  </a:txBody>
-                  <a:tcPr>
-                    <a:solidFill>
-                      <a:srgbClr val="E7E6E6"/>
-                    </a:solidFill>
-                  </a:tcPr>
-                </a:tc>
-              </a:tr>
-            </a:tbl>
-          </a:graphicData>
-        </a:graphic>
-      </p:graphicFrame>
-    </p:spTree>
-  </p:cSld>
-  <p:clrMapOvr>
-    <a:masterClrMapping/>
-  </p:clrMapOvr>
-</p:sld>
-</file>
-
-<file path=ppt/slides/slide5.xml><?xml version="1.0" encoding="utf-8"?>
-<p:sld xmlns:a="http://schemas.openxmlformats.org/drawingml/2006/main" xmlns:p="http://schemas.openxmlformats.org/presentationml/2006/main" xmlns:r="http://schemas.openxmlformats.org/officeDocument/2006/relationships">
-  <p:cSld>
-    <p:spTree>
-      <p:nvGrpSpPr>
-        <p:cNvPr id="1" name=""/>
-        <p:cNvGrpSpPr/>
-        <p:nvPr/>
-      </p:nvGrpSpPr>
-      <p:grpSpPr/>
-      <p:sp>
-        <p:nvSpPr>
-          <p:cNvPr id="2" name="Text Placeholder 1"/>
-          <p:cNvSpPr>
-            <a:spLocks noGrp="1"/>
-          </p:cNvSpPr>
-          <p:nvPr>
-            <p:ph type="body" idx="10" sz="quarter"/>
-          </p:nvPr>
-        </p:nvSpPr>
-        <p:spPr/>
-        <p:txBody>
-          <a:bodyPr/>
-          <a:lstStyle/>
-          <a:p>
-            <a:pPr algn="l"/>
-            <a:r>
-              <a:rPr b="1"/>
-              <a:t>**Slide 15: Financial Benefits Achieved**</a:t>
-            </a:r>
-          </a:p>
-        </p:txBody>
-      </p:sp>
-      <p:sp>
-        <p:nvSpPr>
-          <p:cNvPr id="3" name="Picture Placeholder 2"/>
-          <p:cNvSpPr>
-            <a:spLocks noGrp="1"/>
-          </p:cNvSpPr>
-          <p:nvPr>
-            <p:ph type="pic" idx="13" sz="quarter"/>
-          </p:nvPr>
-        </p:nvSpPr>
-        <p:spPr/>
-      </p:sp>
-      <p:graphicFrame>
-        <p:nvGraphicFramePr>
-          <p:cNvPr id="4" name="Table Placeholder 3"/>
-          <p:cNvGraphicFramePr>
-            <a:graphicFrameLocks noGrp="1"/>
-          </p:cNvGraphicFramePr>
-          <p:nvPr>
-            <p:ph type="tbl" idx="14" sz="quarter"/>
-          </p:nvPr>
-        </p:nvGraphicFramePr>
-        <p:xfrm>
-          <a:off x="256855" y="677011"/>
-          <a:ext cx="8710929" cy="1854200"/>
-        </p:xfrm>
-        <a:graphic>
-          <a:graphicData uri="http://schemas.openxmlformats.org/drawingml/2006/table">
-            <a:tbl>
-              <a:tblPr firstRow="1" bandRow="1">
-                <a:tableStyleId>{5C22544A-7EE6-4342-B048-85BDC9FD1C3A}</a:tableStyleId>
-              </a:tblPr>
-              <a:tblGrid>
-                <a:gridCol w="2177733"/>
-                <a:gridCol w="1306639"/>
-                <a:gridCol w="1045311"/>
-                <a:gridCol w="1567967"/>
-                <a:gridCol w="2613279"/>
-              </a:tblGrid>
-              <a:tr h="370840">
-                <a:tc>
-                  <a:txBody>
-                    <a:bodyPr/>
-                    <a:lstStyle/>
-                    <a:p>
-                      <a:r>
-                        <a:rPr b="1" sz="1400">
-                          <a:solidFill>
-                            <a:srgbClr val="FFFFFF"/>
-                          </a:solidFill>
-                        </a:rPr>
-                        <a:t>Benefit Category</a:t>
-                      </a:r>
-                    </a:p>
-                  </a:txBody>
-                  <a:tcPr>
-                    <a:solidFill>
-                      <a:srgbClr val="A01C02"/>
-                    </a:solidFill>
-                  </a:tcPr>
-                </a:tc>
-                <a:tc>
-                  <a:txBody>
-                    <a:bodyPr/>
-                    <a:lstStyle/>
-                    <a:p>
-                      <a:r>
-                        <a:rPr b="1" sz="1400">
-                          <a:solidFill>
-                            <a:srgbClr val="FFFFFF"/>
-                          </a:solidFill>
-                        </a:rPr>
-                        <a:t>Annual Target</a:t>
-                      </a:r>
-                    </a:p>
-                  </a:txBody>
-                  <a:tcPr>
-                    <a:solidFill>
-                      <a:srgbClr val="A01C02"/>
-                    </a:solidFill>
-                  </a:tcPr>
-                </a:tc>
-                <a:tc>
-                  <a:txBody>
-                    <a:bodyPr/>
-                    <a:lstStyle/>
-                    <a:p>
-                      <a:r>
-                        <a:rPr b="1" sz="1400">
-                          <a:solidFill>
-                            <a:srgbClr val="FFFFFF"/>
-                          </a:solidFill>
-                        </a:rPr>
-                        <a:t>Achieved</a:t>
-                      </a:r>
-                    </a:p>
-                  </a:txBody>
-                  <a:tcPr>
-                    <a:solidFill>
-                      <a:srgbClr val="A01C02"/>
-                    </a:solidFill>
-                  </a:tcPr>
-                </a:tc>
-                <a:tc>
-                  <a:txBody>
-                    <a:bodyPr/>
-                    <a:lstStyle/>
-                    <a:p>
-                      <a:r>
-                        <a:rPr b="1" sz="1400">
-                          <a:solidFill>
-                            <a:srgbClr val="FFFFFF"/>
-                          </a:solidFill>
-                        </a:rPr>
-                        <a:t>Measurement Method</a:t>
-                      </a:r>
-                    </a:p>
-                  </a:txBody>
-                  <a:tcPr>
-                    <a:solidFill>
-                      <a:srgbClr val="A01C02"/>
-                    </a:solidFill>
-                  </a:tcPr>
-                </a:tc>
-                <a:tc>
-                  <a:txBody>
-                    <a:bodyPr/>
-                    <a:lstStyle/>
-                    <a:p>
-                      <a:r>
-                        <a:rPr b="1" sz="1400">
-                          <a:solidFill>
-                            <a:srgbClr val="FFFFFF"/>
-                          </a:solidFill>
-                        </a:rPr>
-                        <a:t>Realization Timeline</a:t>
-                      </a:r>
-                    </a:p>
-                  </a:txBody>
-                  <a:tcPr>
-                    <a:solidFill>
-                      <a:srgbClr val="A01C02"/>
-                    </a:solidFill>
-                  </a:tcPr>
-                </a:tc>
-              </a:tr>
-              <a:tr h="370840">
-                <a:tc>
-                  <a:txBody>
-                    <a:bodyPr/>
-                    <a:lstStyle/>
-                    <a:p>
-                      <a:r>
-                        <a:rPr sz="1100"/>
-                        <a:t>Infrastructure Cost Savings</a:t>
+                        <a:t>Provisioning Time</a:t>
                       </a:r>
                     </a:p>
                   </a:txBody>
@@ -5088,7 +7788,7 @@
                     <a:p>
                       <a:r>
                         <a:rPr sz="1100"/>
-                        <a:t>[Target $]</a:t>
+                        <a:t>Days to minutes</a:t>
                       </a:r>
                     </a:p>
                   </a:txBody>
@@ -5105,7 +7805,7 @@
                     <a:p>
                       <a:r>
                         <a:rPr sz="1100"/>
-                        <a:t>[Actual $]</a:t>
+                        <a:t>15 min average</a:t>
                       </a:r>
                     </a:p>
                   </a:txBody>
@@ -5122,198 +7822,7 @@
                     <a:p>
                       <a:r>
                         <a:rPr sz="1100"/>
-                        <a:t>[On-premise vs. cloud costs]</a:t>
-                      </a:r>
-                    </a:p>
-                  </a:txBody>
-                  <a:tcPr>
-                    <a:solidFill>
-                      <a:srgbClr val="E7E6E6"/>
-                    </a:solidFill>
-                  </a:tcPr>
-                </a:tc>
-                <a:tc>
-                  <a:txBody>
-                    <a:bodyPr/>
-                    <a:lstStyle/>
-                    <a:p>
-                      <a:r>
-                        <a:rPr sz="1100"/>
-                        <a:t>[Immediate]</a:t>
-                      </a:r>
-                    </a:p>
-                  </a:txBody>
-                  <a:tcPr>
-                    <a:solidFill>
-                      <a:srgbClr val="E7E6E6"/>
-                    </a:solidFill>
-                  </a:tcPr>
-                </a:tc>
-              </a:tr>
-              <a:tr h="370840">
-                <a:tc>
-                  <a:txBody>
-                    <a:bodyPr/>
-                    <a:lstStyle/>
-                    <a:p>
-                      <a:r>
-                        <a:rPr sz="1100"/>
-                        <a:t>Operational Cost Reduction</a:t>
-                      </a:r>
-                    </a:p>
-                  </a:txBody>
-                  <a:tcPr>
-                    <a:solidFill>
-                      <a:srgbClr val="E7E6E6"/>
-                    </a:solidFill>
-                  </a:tcPr>
-                </a:tc>
-                <a:tc>
-                  <a:txBody>
-                    <a:bodyPr/>
-                    <a:lstStyle/>
-                    <a:p>
-                      <a:r>
-                        <a:rPr sz="1100"/>
-                        <a:t>[Target $]</a:t>
-                      </a:r>
-                    </a:p>
-                  </a:txBody>
-                  <a:tcPr>
-                    <a:solidFill>
-                      <a:srgbClr val="E7E6E6"/>
-                    </a:solidFill>
-                  </a:tcPr>
-                </a:tc>
-                <a:tc>
-                  <a:txBody>
-                    <a:bodyPr/>
-                    <a:lstStyle/>
-                    <a:p>
-                      <a:r>
-                        <a:rPr sz="1100"/>
-                        <a:t>[Actual $]</a:t>
-                      </a:r>
-                    </a:p>
-                  </a:txBody>
-                  <a:tcPr>
-                    <a:solidFill>
-                      <a:srgbClr val="E7E6E6"/>
-                    </a:solidFill>
-                  </a:tcPr>
-                </a:tc>
-                <a:tc>
-                  <a:txBody>
-                    <a:bodyPr/>
-                    <a:lstStyle/>
-                    <a:p>
-                      <a:r>
-                        <a:rPr sz="1100"/>
-                        <a:t>[Staff and maintenance savings]</a:t>
-                      </a:r>
-                    </a:p>
-                  </a:txBody>
-                  <a:tcPr>
-                    <a:solidFill>
-                      <a:srgbClr val="E7E6E6"/>
-                    </a:solidFill>
-                  </a:tcPr>
-                </a:tc>
-                <a:tc>
-                  <a:txBody>
-                    <a:bodyPr/>
-                    <a:lstStyle/>
-                    <a:p>
-                      <a:r>
-                        <a:rPr sz="1100"/>
-                        <a:t>[6 months]</a:t>
-                      </a:r>
-                    </a:p>
-                  </a:txBody>
-                  <a:tcPr>
-                    <a:solidFill>
-                      <a:srgbClr val="E7E6E6"/>
-                    </a:solidFill>
-                  </a:tcPr>
-                </a:tc>
-              </a:tr>
-              <a:tr h="370840">
-                <a:tc>
-                  <a:txBody>
-                    <a:bodyPr/>
-                    <a:lstStyle/>
-                    <a:p>
-                      <a:r>
-                        <a:rPr sz="1100"/>
-                        <a:t>Licensing Optimization</a:t>
-                      </a:r>
-                    </a:p>
-                  </a:txBody>
-                  <a:tcPr>
-                    <a:solidFill>
-                      <a:srgbClr val="E7E6E6"/>
-                    </a:solidFill>
-                  </a:tcPr>
-                </a:tc>
-                <a:tc>
-                  <a:txBody>
-                    <a:bodyPr/>
-                    <a:lstStyle/>
-                    <a:p>
-                      <a:r>
-                        <a:rPr sz="1100"/>
-                        <a:t>[Target $]</a:t>
-                      </a:r>
-                    </a:p>
-                  </a:txBody>
-                  <a:tcPr>
-                    <a:solidFill>
-                      <a:srgbClr val="E7E6E6"/>
-                    </a:solidFill>
-                  </a:tcPr>
-                </a:tc>
-                <a:tc>
-                  <a:txBody>
-                    <a:bodyPr/>
-                    <a:lstStyle/>
-                    <a:p>
-                      <a:r>
-                        <a:rPr sz="1100"/>
-                        <a:t>[Actual $]</a:t>
-                      </a:r>
-                    </a:p>
-                  </a:txBody>
-                  <a:tcPr>
-                    <a:solidFill>
-                      <a:srgbClr val="E7E6E6"/>
-                    </a:solidFill>
-                  </a:tcPr>
-                </a:tc>
-                <a:tc>
-                  <a:txBody>
-                    <a:bodyPr/>
-                    <a:lstStyle/>
-                    <a:p>
-                      <a:r>
-                        <a:rPr sz="1100"/>
-                        <a:t>[Software license consolidation]</a:t>
-                      </a:r>
-                    </a:p>
-                  </a:txBody>
-                  <a:tcPr>
-                    <a:solidFill>
-                      <a:srgbClr val="E7E6E6"/>
-                    </a:solidFill>
-                  </a:tcPr>
-                </a:tc>
-                <a:tc>
-                  <a:txBody>
-                    <a:bodyPr/>
-                    <a:lstStyle/>
-                    <a:p>
-                      <a:r>
-                        <a:rPr sz="1100"/>
-                        <a:t>[Immediate]</a:t>
+                        <a:t>Faster business response</a:t>
                       </a:r>
                     </a:p>
                   </a:txBody>
@@ -5332,263 +7841,7 @@
                     <a:p>
                       <a:r>
                         <a:rPr b="1" sz="1100"/>
-                        <a:t>Productivity Gains</a:t>
-                      </a:r>
-                    </a:p>
-                  </a:txBody>
-                  <a:tcPr>
-                    <a:solidFill>
-                      <a:srgbClr val="E7E6E6"/>
-                    </a:solidFill>
-                  </a:tcPr>
-                </a:tc>
-                <a:tc>
-                  <a:txBody>
-                    <a:bodyPr/>
-                    <a:lstStyle/>
-                    <a:p>
-                      <a:r>
-                        <a:rPr b="1" sz="1100"/>
-                        <a:t>[Target $]</a:t>
-                      </a:r>
-                    </a:p>
-                  </a:txBody>
-                  <a:tcPr>
-                    <a:solidFill>
-                      <a:srgbClr val="E7E6E6"/>
-                    </a:solidFill>
-                  </a:tcPr>
-                </a:tc>
-                <a:tc>
-                  <a:txBody>
-                    <a:bodyPr/>
-                    <a:lstStyle/>
-                    <a:p>
-                      <a:r>
-                        <a:rPr b="1" sz="1100"/>
-                        <a:t>[Actual $]</a:t>
-                      </a:r>
-                    </a:p>
-                  </a:txBody>
-                  <a:tcPr>
-                    <a:solidFill>
-                      <a:srgbClr val="E7E6E6"/>
-                    </a:solidFill>
-                  </a:tcPr>
-                </a:tc>
-                <a:tc>
-                  <a:txBody>
-                    <a:bodyPr/>
-                    <a:lstStyle/>
-                    <a:p>
-                      <a:r>
-                        <a:rPr b="1" sz="1100"/>
-                        <a:t>[Efficiency improvements]</a:t>
-                      </a:r>
-                    </a:p>
-                  </a:txBody>
-                  <a:tcPr>
-                    <a:solidFill>
-                      <a:srgbClr val="E7E6E6"/>
-                    </a:solidFill>
-                  </a:tcPr>
-                </a:tc>
-                <a:tc>
-                  <a:txBody>
-                    <a:bodyPr/>
-                    <a:lstStyle/>
-                    <a:p>
-                      <a:r>
-                        <a:rPr b="1" sz="1100"/>
-                        <a:t>[3 months]</a:t>
-                      </a:r>
-                    </a:p>
-                  </a:txBody>
-                  <a:tcPr>
-                    <a:solidFill>
-                      <a:srgbClr val="E7E6E6"/>
-                    </a:solidFill>
-                  </a:tcPr>
-                </a:tc>
-              </a:tr>
-            </a:tbl>
-          </a:graphicData>
-        </a:graphic>
-      </p:graphicFrame>
-    </p:spTree>
-  </p:cSld>
-  <p:clrMapOvr>
-    <a:masterClrMapping/>
-  </p:clrMapOvr>
-</p:sld>
-</file>
-
-<file path=ppt/slides/slide6.xml><?xml version="1.0" encoding="utf-8"?>
-<p:sld xmlns:a="http://schemas.openxmlformats.org/drawingml/2006/main" xmlns:p="http://schemas.openxmlformats.org/presentationml/2006/main" xmlns:r="http://schemas.openxmlformats.org/officeDocument/2006/relationships">
-  <p:cSld>
-    <p:spTree>
-      <p:nvGrpSpPr>
-        <p:cNvPr id="1" name=""/>
-        <p:cNvGrpSpPr/>
-        <p:nvPr/>
-      </p:nvGrpSpPr>
-      <p:grpSpPr/>
-      <p:sp>
-        <p:nvSpPr>
-          <p:cNvPr id="2" name="Text Placeholder 1"/>
-          <p:cNvSpPr>
-            <a:spLocks noGrp="1"/>
-          </p:cNvSpPr>
-          <p:nvPr>
-            <p:ph type="body" idx="10" sz="quarter"/>
-          </p:nvPr>
-        </p:nvSpPr>
-        <p:spPr/>
-        <p:txBody>
-          <a:bodyPr/>
-          <a:lstStyle/>
-          <a:p>
-            <a:pPr algn="l"/>
-            <a:r>
-              <a:rPr b="1"/>
-              <a:t>**Slide 21: Challenges Overcome**</a:t>
-            </a:r>
-          </a:p>
-        </p:txBody>
-      </p:sp>
-      <p:sp>
-        <p:nvSpPr>
-          <p:cNvPr id="3" name="Picture Placeholder 2"/>
-          <p:cNvSpPr>
-            <a:spLocks noGrp="1"/>
-          </p:cNvSpPr>
-          <p:nvPr>
-            <p:ph type="pic" idx="13" sz="quarter"/>
-          </p:nvPr>
-        </p:nvSpPr>
-        <p:spPr/>
-      </p:sp>
-      <p:graphicFrame>
-        <p:nvGraphicFramePr>
-          <p:cNvPr id="4" name="Table Placeholder 3"/>
-          <p:cNvGraphicFramePr>
-            <a:graphicFrameLocks noGrp="1"/>
-          </p:cNvGraphicFramePr>
-          <p:nvPr>
-            <p:ph type="tbl" idx="14" sz="quarter"/>
-          </p:nvPr>
-        </p:nvGraphicFramePr>
-        <p:xfrm>
-          <a:off x="256855" y="677011"/>
-          <a:ext cx="8710930" cy="1854200"/>
-        </p:xfrm>
-        <a:graphic>
-          <a:graphicData uri="http://schemas.openxmlformats.org/drawingml/2006/table">
-            <a:tbl>
-              <a:tblPr firstRow="1" bandRow="1">
-                <a:tableStyleId>{5C22544A-7EE6-4342-B048-85BDC9FD1C3A}</a:tableStyleId>
-              </a:tblPr>
-              <a:tblGrid>
-                <a:gridCol w="1045311"/>
-                <a:gridCol w="2177733"/>
-                <a:gridCol w="1045311"/>
-                <a:gridCol w="4442575"/>
-              </a:tblGrid>
-              <a:tr h="370840">
-                <a:tc>
-                  <a:txBody>
-                    <a:bodyPr/>
-                    <a:lstStyle/>
-                    <a:p>
-                      <a:r>
-                        <a:rPr b="1" sz="1400">
-                          <a:solidFill>
-                            <a:srgbClr val="FFFFFF"/>
-                          </a:solidFill>
-                        </a:rPr>
-                        <a:t>Challenge</a:t>
-                      </a:r>
-                    </a:p>
-                  </a:txBody>
-                  <a:tcPr>
-                    <a:solidFill>
-                      <a:srgbClr val="A01C02"/>
-                    </a:solidFill>
-                  </a:tcPr>
-                </a:tc>
-                <a:tc>
-                  <a:txBody>
-                    <a:bodyPr/>
-                    <a:lstStyle/>
-                    <a:p>
-                      <a:r>
-                        <a:rPr b="1" sz="1400">
-                          <a:solidFill>
-                            <a:srgbClr val="FFFFFF"/>
-                          </a:solidFill>
-                        </a:rPr>
-                        <a:t>Impact</a:t>
-                      </a:r>
-                    </a:p>
-                  </a:txBody>
-                  <a:tcPr>
-                    <a:solidFill>
-                      <a:srgbClr val="A01C02"/>
-                    </a:solidFill>
-                  </a:tcPr>
-                </a:tc>
-                <a:tc>
-                  <a:txBody>
-                    <a:bodyPr/>
-                    <a:lstStyle/>
-                    <a:p>
-                      <a:r>
-                        <a:rPr b="1" sz="1400">
-                          <a:solidFill>
-                            <a:srgbClr val="FFFFFF"/>
-                          </a:solidFill>
-                        </a:rPr>
-                        <a:t>Resolution</a:t>
-                      </a:r>
-                    </a:p>
-                  </a:txBody>
-                  <a:tcPr>
-                    <a:solidFill>
-                      <a:srgbClr val="A01C02"/>
-                    </a:solidFill>
-                  </a:tcPr>
-                </a:tc>
-                <a:tc>
-                  <a:txBody>
-                    <a:bodyPr/>
-                    <a:lstStyle/>
-                    <a:p>
-                      <a:r>
-                        <a:rPr b="1" sz="1400">
-                          <a:solidFill>
-                            <a:srgbClr val="FFFFFF"/>
-                          </a:solidFill>
-                        </a:rPr>
-                        <a:t>Prevention for Future</a:t>
-                      </a:r>
-                    </a:p>
-                  </a:txBody>
-                  <a:tcPr>
-                    <a:solidFill>
-                      <a:srgbClr val="A01C02"/>
-                    </a:solidFill>
-                  </a:tcPr>
-                </a:tc>
-              </a:tr>
-              <a:tr h="370840">
-                <a:tc>
-                  <a:txBody>
-                    <a:bodyPr/>
-                    <a:lstStyle/>
-                    <a:p>
-                      <a:r>
-                        <a:rPr sz="1100"/>
-                        <a:t>Network Latency Issues</a:t>
+                        <a:t>Scalability</a:t>
                       </a:r>
                     </a:p>
                   </a:txBody>
@@ -5605,7 +7858,7 @@
                     <a:p>
                       <a:r>
                         <a:rPr sz="1100"/>
-                        <a:t>[Performance impact]</a:t>
+                        <a:t>Auto-scaling</a:t>
                       </a:r>
                     </a:p>
                   </a:txBody>
@@ -5622,7 +7875,7 @@
                     <a:p>
                       <a:r>
                         <a:rPr sz="1100"/>
-                        <a:t>[Direct Connect implementation]</a:t>
+                        <a:t>Implemented</a:t>
                       </a:r>
                     </a:p>
                   </a:txBody>
@@ -5639,147 +7892,7 @@
                     <a:p>
                       <a:r>
                         <a:rPr sz="1100"/>
-                        <a:t>[Early connectivity planning]</a:t>
-                      </a:r>
-                    </a:p>
-                  </a:txBody>
-                  <a:tcPr>
-                    <a:solidFill>
-                      <a:srgbClr val="E7E6E6"/>
-                    </a:solidFill>
-                  </a:tcPr>
-                </a:tc>
-              </a:tr>
-              <a:tr h="370840">
-                <a:tc>
-                  <a:txBody>
-                    <a:bodyPr/>
-                    <a:lstStyle/>
-                    <a:p>
-                      <a:r>
-                        <a:rPr sz="1100"/>
-                        <a:t>Legacy Application Dependencies</a:t>
-                      </a:r>
-                    </a:p>
-                  </a:txBody>
-                  <a:tcPr>
-                    <a:solidFill>
-                      <a:srgbClr val="E7E6E6"/>
-                    </a:solidFill>
-                  </a:tcPr>
-                </a:tc>
-                <a:tc>
-                  <a:txBody>
-                    <a:bodyPr/>
-                    <a:lstStyle/>
-                    <a:p>
-                      <a:r>
-                        <a:rPr sz="1100"/>
-                        <a:t>[Migration complexity]</a:t>
-                      </a:r>
-                    </a:p>
-                  </a:txBody>
-                  <a:tcPr>
-                    <a:solidFill>
-                      <a:srgbClr val="E7E6E6"/>
-                    </a:solidFill>
-                  </a:tcPr>
-                </a:tc>
-                <a:tc>
-                  <a:txBody>
-                    <a:bodyPr/>
-                    <a:lstStyle/>
-                    <a:p>
-                      <a:r>
-                        <a:rPr sz="1100"/>
-                        <a:t>[Phased approach with bridges]</a:t>
-                      </a:r>
-                    </a:p>
-                  </a:txBody>
-                  <a:tcPr>
-                    <a:solidFill>
-                      <a:srgbClr val="E7E6E6"/>
-                    </a:solidFill>
-                  </a:tcPr>
-                </a:tc>
-                <a:tc>
-                  <a:txBody>
-                    <a:bodyPr/>
-                    <a:lstStyle/>
-                    <a:p>
-                      <a:r>
-                        <a:rPr sz="1100"/>
-                        <a:t>[Deeper dependency analysis]</a:t>
-                      </a:r>
-                    </a:p>
-                  </a:txBody>
-                  <a:tcPr>
-                    <a:solidFill>
-                      <a:srgbClr val="E7E6E6"/>
-                    </a:solidFill>
-                  </a:tcPr>
-                </a:tc>
-              </a:tr>
-              <a:tr h="370840">
-                <a:tc>
-                  <a:txBody>
-                    <a:bodyPr/>
-                    <a:lstStyle/>
-                    <a:p>
-                      <a:r>
-                        <a:rPr sz="1100"/>
-                        <a:t>Data Migration Complexity</a:t>
-                      </a:r>
-                    </a:p>
-                  </a:txBody>
-                  <a:tcPr>
-                    <a:solidFill>
-                      <a:srgbClr val="E7E6E6"/>
-                    </a:solidFill>
-                  </a:tcPr>
-                </a:tc>
-                <a:tc>
-                  <a:txBody>
-                    <a:bodyPr/>
-                    <a:lstStyle/>
-                    <a:p>
-                      <a:r>
-                        <a:rPr sz="1100"/>
-                        <a:t>[Timeline impact]</a:t>
-                      </a:r>
-                    </a:p>
-                  </a:txBody>
-                  <a:tcPr>
-                    <a:solidFill>
-                      <a:srgbClr val="E7E6E6"/>
-                    </a:solidFill>
-                  </a:tcPr>
-                </a:tc>
-                <a:tc>
-                  <a:txBody>
-                    <a:bodyPr/>
-                    <a:lstStyle/>
-                    <a:p>
-                      <a:r>
-                        <a:rPr sz="1100"/>
-                        <a:t>[Enhanced validation procedures]</a:t>
-                      </a:r>
-                    </a:p>
-                  </a:txBody>
-                  <a:tcPr>
-                    <a:solidFill>
-                      <a:srgbClr val="E7E6E6"/>
-                    </a:solidFill>
-                  </a:tcPr>
-                </a:tc>
-                <a:tc>
-                  <a:txBody>
-                    <a:bodyPr/>
-                    <a:lstStyle/>
-                    <a:p>
-                      <a:r>
-                        <a:rPr sz="1100"/>
-                        <a:t>[Improved tooling and testing]</a:t>
+                        <a:t>Handle 3x peak loads</a:t>
                       </a:r>
                     </a:p>
                   </a:txBody>
@@ -5798,7 +7911,7 @@
                     <a:p>
                       <a:r>
                         <a:rPr b="1" sz="1100"/>
-                        <a:t>Change Management Resistance</a:t>
+                        <a:t>Business Continuity</a:t>
                       </a:r>
                     </a:p>
                   </a:txBody>
@@ -5814,8 +7927,8 @@
                     <a:lstStyle/>
                     <a:p>
                       <a:r>
-                        <a:rPr b="1" sz="1100"/>
-                        <a:t>[User adoption]</a:t>
+                        <a:rPr sz="1100"/>
+                        <a:t>Multi-AZ HA</a:t>
                       </a:r>
                     </a:p>
                   </a:txBody>
@@ -5831,8 +7944,8 @@
                     <a:lstStyle/>
                     <a:p>
                       <a:r>
-                        <a:rPr b="1" sz="1100"/>
-                        <a:t>[Enhanced training and communication]</a:t>
+                        <a:rPr sz="1100"/>
+                        <a:t>99.95% uptime</a:t>
                       </a:r>
                     </a:p>
                   </a:txBody>
@@ -5848,8 +7961,78 @@
                     <a:lstStyle/>
                     <a:p>
                       <a:r>
+                        <a:rPr sz="1100"/>
+                        <a:t>Reduced outage risk</a:t>
+                      </a:r>
+                    </a:p>
+                  </a:txBody>
+                  <a:tcPr>
+                    <a:solidFill>
+                      <a:srgbClr val="E7E6E6"/>
+                    </a:solidFill>
+                  </a:tcPr>
+                </a:tc>
+              </a:tr>
+              <a:tr h="370840">
+                <a:tc>
+                  <a:txBody>
+                    <a:bodyPr/>
+                    <a:lstStyle/>
+                    <a:p>
+                      <a:r>
                         <a:rPr b="1" sz="1100"/>
-                        <a:t>[Early engagement strategy]</a:t>
+                        <a:t>IT Focus</a:t>
+                      </a:r>
+                    </a:p>
+                  </a:txBody>
+                  <a:tcPr>
+                    <a:solidFill>
+                      <a:srgbClr val="E7E6E6"/>
+                    </a:solidFill>
+                  </a:tcPr>
+                </a:tc>
+                <a:tc>
+                  <a:txBody>
+                    <a:bodyPr/>
+                    <a:lstStyle/>
+                    <a:p>
+                      <a:r>
+                        <a:rPr sz="1100"/>
+                        <a:t>Innovation focus</a:t>
+                      </a:r>
+                    </a:p>
+                  </a:txBody>
+                  <a:tcPr>
+                    <a:solidFill>
+                      <a:srgbClr val="E7E6E6"/>
+                    </a:solidFill>
+                  </a:tcPr>
+                </a:tc>
+                <a:tc>
+                  <a:txBody>
+                    <a:bodyPr/>
+                    <a:lstStyle/>
+                    <a:p>
+                      <a:r>
+                        <a:rPr sz="1100"/>
+                        <a:t>40% freed</a:t>
+                      </a:r>
+                    </a:p>
+                  </a:txBody>
+                  <a:tcPr>
+                    <a:solidFill>
+                      <a:srgbClr val="E7E6E6"/>
+                    </a:solidFill>
+                  </a:tcPr>
+                </a:tc>
+                <a:tc>
+                  <a:txBody>
+                    <a:bodyPr/>
+                    <a:lstStyle/>
+                    <a:p>
+                      <a:r>
+                        <a:rPr sz="1100"/>
+                        <a:t>Strategic initiatives</a:t>
                       </a:r>
                     </a:p>
                   </a:txBody>
@@ -5864,6 +8047,59 @@
           </a:graphicData>
         </a:graphic>
       </p:graphicFrame>
+      <p:sp>
+        <p:nvSpPr>
+          <p:cNvPr id="5" name="Text Placeholder 4"/>
+          <p:cNvSpPr>
+            <a:spLocks noGrp="1"/>
+          </p:cNvSpPr>
+          <p:nvPr>
+            <p:ph type="body" idx="15" sz="quarter"/>
+          </p:nvPr>
+        </p:nvSpPr>
+        <p:spPr/>
+        <p:txBody>
+          <a:bodyPr/>
+          <a:lstStyle/>
+          <a:p>
+            <a:pPr algn="r">
+              <a:buNone/>
+            </a:pPr>
+            <a:r>
+              <a:rPr sz="1100">
+                <a:solidFill>
+                  <a:srgbClr val="CC0000"/>
+                </a:solidFill>
+              </a:rPr>
+              <a:t>AWS On-Premise to Cloud Migration</a:t>
+            </a:r>
+          </a:p>
+        </p:txBody>
+      </p:sp>
+      <p:pic>
+        <p:nvPicPr>
+          <p:cNvPr id="6" name="Picture 5" descr="consulting_company_logo.png"/>
+          <p:cNvPicPr>
+            <a:picLocks noChangeAspect="1"/>
+          </p:cNvPicPr>
+          <p:nvPr/>
+        </p:nvPicPr>
+        <p:blipFill>
+          <a:blip r:embed="rId3"/>
+          <a:stretch>
+            <a:fillRect/>
+          </a:stretch>
+        </p:blipFill>
+        <p:spPr>
+          <a:xfrm>
+            <a:off x="313592" y="4536078"/>
+            <a:ext cx="2126273" cy="529698"/>
+          </a:xfrm>
+          <a:prstGeom prst="rect">
+            <a:avLst/>
+          </a:prstGeom>
+        </p:spPr>
+      </p:pic>
     </p:spTree>
   </p:cSld>
   <p:clrMapOvr>
@@ -5884,7 +8120,7 @@
       <p:grpSpPr/>
       <p:sp>
         <p:nvSpPr>
-          <p:cNvPr id="2" name="Text Placeholder 1"/>
+          <p:cNvPr id="3" name="Text Placeholder 2"/>
           <p:cNvSpPr>
             <a:spLocks noGrp="1"/>
           </p:cNvSpPr>
@@ -5899,510 +8135,612 @@
           <a:p>
             <a:pPr algn="l"/>
             <a:r>
-              <a:rPr b="1"/>
-              <a:t>**Slide 26: Future Cloud Evolution**</a:t>
+              <a:t>Lessons Learned &amp; Recommendations</a:t>
             </a:r>
           </a:p>
         </p:txBody>
       </p:sp>
       <p:sp>
         <p:nvSpPr>
-          <p:cNvPr id="3" name="Picture Placeholder 2"/>
+          <p:cNvPr id="4" name="Text Placeholder 3"/>
           <p:cNvSpPr>
             <a:spLocks noGrp="1"/>
           </p:cNvSpPr>
           <p:nvPr>
-            <p:ph type="pic" idx="13" sz="quarter"/>
+            <p:ph type="body" idx="16" sz="quarter"/>
           </p:nvPr>
         </p:nvSpPr>
         <p:spPr/>
-      </p:sp>
-      <p:graphicFrame>
-        <p:nvGraphicFramePr>
-          <p:cNvPr id="4" name="Table Placeholder 3"/>
-          <p:cNvGraphicFramePr>
-            <a:graphicFrameLocks noGrp="1"/>
-          </p:cNvGraphicFramePr>
+        <p:txBody>
+          <a:bodyPr/>
+          <a:lstStyle/>
+          <a:p>
+            <a:pPr/>
+            <a:r>
+              <a:rPr b="1"/>
+              <a:t>What Worked Well</a:t>
+            </a:r>
+          </a:p>
+          <a:p>
+            <a:pPr lvl="1"/>
+            <a:r>
+              <a:t>Early application discovery phase</a:t>
+            </a:r>
+          </a:p>
+          <a:p>
+            <a:pPr lvl="1"/>
+            <a:r>
+              <a:t>Wave-based migration approach</a:t>
+            </a:r>
+          </a:p>
+          <a:p>
+            <a:pPr lvl="1"/>
+            <a:r>
+              <a:t>Automated migration tooling</a:t>
+            </a:r>
+          </a:p>
+          <a:p>
+            <a:pPr lvl="1"/>
+            <a:r>
+              <a:t>Strong executive sponsorship</a:t>
+            </a:r>
+          </a:p>
+          <a:p>
+            <a:pPr lvl="1"/>
+            <a:r>
+              <a:t>Weekly stakeholder updates</a:t>
+            </a:r>
+          </a:p>
+          <a:p>
+            <a:pPr/>
+            <a:r>
+              <a:rPr b="1"/>
+              <a:t>Challenges Overcome</a:t>
+            </a:r>
+          </a:p>
+          <a:p>
+            <a:pPr lvl="1"/>
+            <a:r>
+              <a:t>Legacy app dependencies complex</a:t>
+            </a:r>
+          </a:p>
+          <a:p>
+            <a:pPr lvl="1"/>
+            <a:r>
+              <a:t>Database cutover coordination</a:t>
+            </a:r>
+          </a:p>
+          <a:p>
+            <a:pPr lvl="1"/>
+            <a:r>
+              <a:t>Network bandwidth saturation</a:t>
+            </a:r>
+          </a:p>
+          <a:p>
+            <a:pPr lvl="1"/>
+            <a:r>
+              <a:t>User training scheduling</a:t>
+            </a:r>
+          </a:p>
+          <a:p>
+            <a:pPr lvl="1"/>
+            <a:r>
+              <a:t>Vendor contract alignment</a:t>
+            </a:r>
+          </a:p>
+        </p:txBody>
+      </p:sp>
+      <p:sp>
+        <p:nvSpPr>
+          <p:cNvPr id="5" name="Text Placeholder 4"/>
+          <p:cNvSpPr>
+            <a:spLocks noGrp="1"/>
+          </p:cNvSpPr>
           <p:nvPr>
-            <p:ph type="tbl" idx="14" sz="quarter"/>
+            <p:ph type="body" idx="17" sz="quarter"/>
           </p:nvPr>
-        </p:nvGraphicFramePr>
-        <p:xfrm>
-          <a:off x="256855" y="677011"/>
-          <a:ext cx="8710929" cy="1854200"/>
-        </p:xfrm>
-        <a:graphic>
-          <a:graphicData uri="http://schemas.openxmlformats.org/drawingml/2006/table">
-            <a:tbl>
-              <a:tblPr firstRow="1" bandRow="1">
-                <a:tableStyleId>{5C22544A-7EE6-4342-B048-85BDC9FD1C3A}</a:tableStyleId>
-              </a:tblPr>
-              <a:tblGrid>
-                <a:gridCol w="2177733"/>
-                <a:gridCol w="1306639"/>
-                <a:gridCol w="1045311"/>
-                <a:gridCol w="1567967"/>
-                <a:gridCol w="2613279"/>
-              </a:tblGrid>
-              <a:tr h="370840">
-                <a:tc>
-                  <a:txBody>
-                    <a:bodyPr/>
-                    <a:lstStyle/>
-                    <a:p>
-                      <a:r>
-                        <a:rPr b="1" sz="1400">
-                          <a:solidFill>
-                            <a:srgbClr val="FFFFFF"/>
-                          </a:solidFill>
-                        </a:rPr>
-                        <a:t>Initiative</a:t>
-                      </a:r>
-                    </a:p>
-                  </a:txBody>
-                  <a:tcPr>
-                    <a:solidFill>
-                      <a:srgbClr val="A01C02"/>
-                    </a:solidFill>
-                  </a:tcPr>
-                </a:tc>
-                <a:tc>
-                  <a:txBody>
-                    <a:bodyPr/>
-                    <a:lstStyle/>
-                    <a:p>
-                      <a:r>
-                        <a:rPr b="1" sz="1400">
-                          <a:solidFill>
-                            <a:srgbClr val="FFFFFF"/>
-                          </a:solidFill>
-                        </a:rPr>
-                        <a:t>Business Value</a:t>
-                      </a:r>
-                    </a:p>
-                  </a:txBody>
-                  <a:tcPr>
-                    <a:solidFill>
-                      <a:srgbClr val="A01C02"/>
-                    </a:solidFill>
-                  </a:tcPr>
-                </a:tc>
-                <a:tc>
-                  <a:txBody>
-                    <a:bodyPr/>
-                    <a:lstStyle/>
-                    <a:p>
-                      <a:r>
-                        <a:rPr b="1" sz="1400">
-                          <a:solidFill>
-                            <a:srgbClr val="FFFFFF"/>
-                          </a:solidFill>
-                        </a:rPr>
-                        <a:t>Complexity</a:t>
-                      </a:r>
-                    </a:p>
-                  </a:txBody>
-                  <a:tcPr>
-                    <a:solidFill>
-                      <a:srgbClr val="A01C02"/>
-                    </a:solidFill>
-                  </a:tcPr>
-                </a:tc>
-                <a:tc>
-                  <a:txBody>
-                    <a:bodyPr/>
-                    <a:lstStyle/>
-                    <a:p>
-                      <a:r>
-                        <a:rPr b="1" sz="1400">
-                          <a:solidFill>
-                            <a:srgbClr val="FFFFFF"/>
-                          </a:solidFill>
-                        </a:rPr>
-                        <a:t>Timeline</a:t>
-                      </a:r>
-                    </a:p>
-                  </a:txBody>
-                  <a:tcPr>
-                    <a:solidFill>
-                      <a:srgbClr val="A01C02"/>
-                    </a:solidFill>
-                  </a:tcPr>
-                </a:tc>
-                <a:tc>
-                  <a:txBody>
-                    <a:bodyPr/>
-                    <a:lstStyle/>
-                    <a:p>
-                      <a:r>
-                        <a:rPr b="1" sz="1400">
-                          <a:solidFill>
-                            <a:srgbClr val="FFFFFF"/>
-                          </a:solidFill>
-                        </a:rPr>
-                        <a:t>Priority</a:t>
-                      </a:r>
-                    </a:p>
-                  </a:txBody>
-                  <a:tcPr>
-                    <a:solidFill>
-                      <a:srgbClr val="A01C02"/>
-                    </a:solidFill>
-                  </a:tcPr>
-                </a:tc>
-              </a:tr>
-              <a:tr h="370840">
-                <a:tc>
-                  <a:txBody>
-                    <a:bodyPr/>
-                    <a:lstStyle/>
-                    <a:p>
-                      <a:r>
-                        <a:rPr sz="1100"/>
-                        <a:t>Multi-Region Deployment</a:t>
-                      </a:r>
-                    </a:p>
-                  </a:txBody>
-                  <a:tcPr>
-                    <a:solidFill>
-                      <a:srgbClr val="E7E6E6"/>
-                    </a:solidFill>
-                  </a:tcPr>
-                </a:tc>
-                <a:tc>
-                  <a:txBody>
-                    <a:bodyPr/>
-                    <a:lstStyle/>
-                    <a:p>
-                      <a:r>
-                        <a:rPr sz="1100"/>
-                        <a:t>[Global resilience]</a:t>
-                      </a:r>
-                    </a:p>
-                  </a:txBody>
-                  <a:tcPr>
-                    <a:solidFill>
-                      <a:srgbClr val="E7E6E6"/>
-                    </a:solidFill>
-                  </a:tcPr>
-                </a:tc>
-                <a:tc>
-                  <a:txBody>
-                    <a:bodyPr/>
-                    <a:lstStyle/>
-                    <a:p>
-                      <a:r>
-                        <a:rPr sz="1100"/>
-                        <a:t>[Medium]</a:t>
-                      </a:r>
-                    </a:p>
-                  </a:txBody>
-                  <a:tcPr>
-                    <a:solidFill>
-                      <a:srgbClr val="E7E6E6"/>
-                    </a:solidFill>
-                  </a:tcPr>
-                </a:tc>
-                <a:tc>
-                  <a:txBody>
-                    <a:bodyPr/>
-                    <a:lstStyle/>
-                    <a:p>
-                      <a:r>
-                        <a:rPr sz="1100"/>
-                        <a:t>[6 months]</a:t>
-                      </a:r>
-                    </a:p>
-                  </a:txBody>
-                  <a:tcPr>
-                    <a:solidFill>
-                      <a:srgbClr val="E7E6E6"/>
-                    </a:solidFill>
-                  </a:tcPr>
-                </a:tc>
-                <a:tc>
-                  <a:txBody>
-                    <a:bodyPr/>
-                    <a:lstStyle/>
-                    <a:p>
-                      <a:r>
-                        <a:rPr sz="1100"/>
-                        <a:t>[High]</a:t>
-                      </a:r>
-                    </a:p>
-                  </a:txBody>
-                  <a:tcPr>
-                    <a:solidFill>
-                      <a:srgbClr val="E7E6E6"/>
-                    </a:solidFill>
-                  </a:tcPr>
-                </a:tc>
-              </a:tr>
-              <a:tr h="370840">
-                <a:tc>
-                  <a:txBody>
-                    <a:bodyPr/>
-                    <a:lstStyle/>
-                    <a:p>
-                      <a:r>
-                        <a:rPr sz="1100"/>
-                        <a:t>Container Migration</a:t>
-                      </a:r>
-                    </a:p>
-                  </a:txBody>
-                  <a:tcPr>
-                    <a:solidFill>
-                      <a:srgbClr val="E7E6E6"/>
-                    </a:solidFill>
-                  </a:tcPr>
-                </a:tc>
-                <a:tc>
-                  <a:txBody>
-                    <a:bodyPr/>
-                    <a:lstStyle/>
-                    <a:p>
-                      <a:r>
-                        <a:rPr sz="1100"/>
-                        <a:t>[Modernization]</a:t>
-                      </a:r>
-                    </a:p>
-                  </a:txBody>
-                  <a:tcPr>
-                    <a:solidFill>
-                      <a:srgbClr val="E7E6E6"/>
-                    </a:solidFill>
-                  </a:tcPr>
-                </a:tc>
-                <a:tc>
-                  <a:txBody>
-                    <a:bodyPr/>
-                    <a:lstStyle/>
-                    <a:p>
-                      <a:r>
-                        <a:rPr sz="1100"/>
-                        <a:t>[High]</a:t>
-                      </a:r>
-                    </a:p>
-                  </a:txBody>
-                  <a:tcPr>
-                    <a:solidFill>
-                      <a:srgbClr val="E7E6E6"/>
-                    </a:solidFill>
-                  </a:tcPr>
-                </a:tc>
-                <a:tc>
-                  <a:txBody>
-                    <a:bodyPr/>
-                    <a:lstStyle/>
-                    <a:p>
-                      <a:r>
-                        <a:rPr sz="1100"/>
-                        <a:t>[12 months]</a:t>
-                      </a:r>
-                    </a:p>
-                  </a:txBody>
-                  <a:tcPr>
-                    <a:solidFill>
-                      <a:srgbClr val="E7E6E6"/>
-                    </a:solidFill>
-                  </a:tcPr>
-                </a:tc>
-                <a:tc>
-                  <a:txBody>
-                    <a:bodyPr/>
-                    <a:lstStyle/>
-                    <a:p>
-                      <a:r>
-                        <a:rPr sz="1100"/>
-                        <a:t>[Medium]</a:t>
-                      </a:r>
-                    </a:p>
-                  </a:txBody>
-                  <a:tcPr>
-                    <a:solidFill>
-                      <a:srgbClr val="E7E6E6"/>
-                    </a:solidFill>
-                  </a:tcPr>
-                </a:tc>
-              </a:tr>
-              <a:tr h="370840">
-                <a:tc>
-                  <a:txBody>
-                    <a:bodyPr/>
-                    <a:lstStyle/>
-                    <a:p>
-                      <a:r>
-                        <a:rPr sz="1100"/>
-                        <a:t>Serverless Adoption</a:t>
-                      </a:r>
-                    </a:p>
-                  </a:txBody>
-                  <a:tcPr>
-                    <a:solidFill>
-                      <a:srgbClr val="E7E6E6"/>
-                    </a:solidFill>
-                  </a:tcPr>
-                </a:tc>
-                <a:tc>
-                  <a:txBody>
-                    <a:bodyPr/>
-                    <a:lstStyle/>
-                    <a:p>
-                      <a:r>
-                        <a:rPr sz="1100"/>
-                        <a:t>[Cost optimization]</a:t>
-                      </a:r>
-                    </a:p>
-                  </a:txBody>
-                  <a:tcPr>
-                    <a:solidFill>
-                      <a:srgbClr val="E7E6E6"/>
-                    </a:solidFill>
-                  </a:tcPr>
-                </a:tc>
-                <a:tc>
-                  <a:txBody>
-                    <a:bodyPr/>
-                    <a:lstStyle/>
-                    <a:p>
-                      <a:r>
-                        <a:rPr sz="1100"/>
-                        <a:t>[Low]</a:t>
-                      </a:r>
-                    </a:p>
-                  </a:txBody>
-                  <a:tcPr>
-                    <a:solidFill>
-                      <a:srgbClr val="E7E6E6"/>
-                    </a:solidFill>
-                  </a:tcPr>
-                </a:tc>
-                <a:tc>
-                  <a:txBody>
-                    <a:bodyPr/>
-                    <a:lstStyle/>
-                    <a:p>
-                      <a:r>
-                        <a:rPr sz="1100"/>
-                        <a:t>[3 months]</a:t>
-                      </a:r>
-                    </a:p>
-                  </a:txBody>
-                  <a:tcPr>
-                    <a:solidFill>
-                      <a:srgbClr val="E7E6E6"/>
-                    </a:solidFill>
-                  </a:tcPr>
-                </a:tc>
-                <a:tc>
-                  <a:txBody>
-                    <a:bodyPr/>
-                    <a:lstStyle/>
-                    <a:p>
-                      <a:r>
-                        <a:rPr sz="1100"/>
-                        <a:t>[High]</a:t>
-                      </a:r>
-                    </a:p>
-                  </a:txBody>
-                  <a:tcPr>
-                    <a:solidFill>
-                      <a:srgbClr val="E7E6E6"/>
-                    </a:solidFill>
-                  </a:tcPr>
-                </a:tc>
-              </a:tr>
-              <a:tr h="370840">
-                <a:tc>
-                  <a:txBody>
-                    <a:bodyPr/>
-                    <a:lstStyle/>
-                    <a:p>
-                      <a:r>
-                        <a:rPr b="1" sz="1100"/>
-                        <a:t>AI/ML Service Integration</a:t>
-                      </a:r>
-                    </a:p>
-                  </a:txBody>
-                  <a:tcPr>
-                    <a:solidFill>
-                      <a:srgbClr val="E7E6E6"/>
-                    </a:solidFill>
-                  </a:tcPr>
-                </a:tc>
-                <a:tc>
-                  <a:txBody>
-                    <a:bodyPr/>
-                    <a:lstStyle/>
-                    <a:p>
-                      <a:r>
-                        <a:rPr b="1" sz="1100"/>
-                        <a:t>[Innovation]</a:t>
-                      </a:r>
-                    </a:p>
-                  </a:txBody>
-                  <a:tcPr>
-                    <a:solidFill>
-                      <a:srgbClr val="E7E6E6"/>
-                    </a:solidFill>
-                  </a:tcPr>
-                </a:tc>
-                <a:tc>
-                  <a:txBody>
-                    <a:bodyPr/>
-                    <a:lstStyle/>
-                    <a:p>
-                      <a:r>
-                        <a:rPr b="1" sz="1100"/>
-                        <a:t>[Medium]</a:t>
-                      </a:r>
-                    </a:p>
-                  </a:txBody>
-                  <a:tcPr>
-                    <a:solidFill>
-                      <a:srgbClr val="E7E6E6"/>
-                    </a:solidFill>
-                  </a:tcPr>
-                </a:tc>
-                <a:tc>
-                  <a:txBody>
-                    <a:bodyPr/>
-                    <a:lstStyle/>
-                    <a:p>
-                      <a:r>
-                        <a:rPr b="1" sz="1100"/>
-                        <a:t>[9 months]</a:t>
-                      </a:r>
-                    </a:p>
-                  </a:txBody>
-                  <a:tcPr>
-                    <a:solidFill>
-                      <a:srgbClr val="E7E6E6"/>
-                    </a:solidFill>
-                  </a:tcPr>
-                </a:tc>
-                <a:tc>
-                  <a:txBody>
-                    <a:bodyPr/>
-                    <a:lstStyle/>
-                    <a:p>
-                      <a:r>
-                        <a:rPr b="1" sz="1100"/>
-                        <a:t>[Medium]</a:t>
-                      </a:r>
-                    </a:p>
-                  </a:txBody>
-                  <a:tcPr>
-                    <a:solidFill>
-                      <a:srgbClr val="E7E6E6"/>
-                    </a:solidFill>
-                  </a:tcPr>
-                </a:tc>
-              </a:tr>
-            </a:tbl>
-          </a:graphicData>
-        </a:graphic>
-      </p:graphicFrame>
+        </p:nvSpPr>
+        <p:spPr/>
+        <p:txBody>
+          <a:bodyPr/>
+          <a:lstStyle/>
+          <a:p>
+            <a:pPr/>
+            <a:r>
+              <a:rPr b="1"/>
+              <a:t>Recommendations</a:t>
+            </a:r>
+          </a:p>
+          <a:p>
+            <a:pPr lvl="1"/>
+            <a:r>
+              <a:t>Continue cloud-native development</a:t>
+            </a:r>
+          </a:p>
+          <a:p>
+            <a:pPr lvl="1"/>
+            <a:r>
+              <a:t>Implement FinOps practices</a:t>
+            </a:r>
+          </a:p>
+          <a:p>
+            <a:pPr lvl="1"/>
+            <a:r>
+              <a:t>Expand Reserved Instance coverage</a:t>
+            </a:r>
+          </a:p>
+          <a:p>
+            <a:pPr lvl="1"/>
+            <a:r>
+              <a:t>Consider containerization next</a:t>
+            </a:r>
+          </a:p>
+          <a:p>
+            <a:pPr lvl="1"/>
+            <a:r>
+              <a:t>Annual architecture review</a:t>
+            </a:r>
+          </a:p>
+        </p:txBody>
+      </p:sp>
+      <p:sp>
+        <p:nvSpPr>
+          <p:cNvPr id="6" name="Text Placeholder 5"/>
+          <p:cNvSpPr>
+            <a:spLocks noGrp="1"/>
+          </p:cNvSpPr>
+          <p:nvPr>
+            <p:ph type="body" idx="15" sz="quarter"/>
+          </p:nvPr>
+        </p:nvSpPr>
+        <p:spPr/>
+        <p:txBody>
+          <a:bodyPr/>
+          <a:lstStyle/>
+          <a:p>
+            <a:pPr algn="r">
+              <a:buNone/>
+            </a:pPr>
+            <a:r>
+              <a:rPr sz="1100">
+                <a:solidFill>
+                  <a:srgbClr val="CC0000"/>
+                </a:solidFill>
+              </a:rPr>
+              <a:t>AWS On-Premise to Cloud Migration</a:t>
+            </a:r>
+          </a:p>
+        </p:txBody>
+      </p:sp>
+      <p:pic>
+        <p:nvPicPr>
+          <p:cNvPr id="7" name="Picture 6" descr="consulting_company_logo.png"/>
+          <p:cNvPicPr>
+            <a:picLocks noChangeAspect="1"/>
+          </p:cNvPicPr>
+          <p:nvPr/>
+        </p:nvPicPr>
+        <p:blipFill>
+          <a:blip r:embed="rId3"/>
+          <a:stretch>
+            <a:fillRect/>
+          </a:stretch>
+        </p:blipFill>
+        <p:spPr>
+          <a:xfrm>
+            <a:off x="313592" y="4536078"/>
+            <a:ext cx="2121877" cy="529698"/>
+          </a:xfrm>
+          <a:prstGeom prst="rect">
+            <a:avLst/>
+          </a:prstGeom>
+        </p:spPr>
+      </p:pic>
+    </p:spTree>
+  </p:cSld>
+  <p:clrMapOvr>
+    <a:masterClrMapping/>
+  </p:clrMapOvr>
+</p:sld>
+</file>
+
+<file path=ppt/slides/slide8.xml><?xml version="1.0" encoding="utf-8"?>
+<p:sld xmlns:a="http://schemas.openxmlformats.org/drawingml/2006/main" xmlns:p="http://schemas.openxmlformats.org/presentationml/2006/main" xmlns:r="http://schemas.openxmlformats.org/officeDocument/2006/relationships">
+  <p:cSld>
+    <p:spTree>
+      <p:nvGrpSpPr>
+        <p:cNvPr id="1" name=""/>
+        <p:cNvGrpSpPr/>
+        <p:nvPr/>
+      </p:nvGrpSpPr>
+      <p:grpSpPr/>
+      <p:sp>
+        <p:nvSpPr>
+          <p:cNvPr id="3" name="Text Placeholder 2"/>
+          <p:cNvSpPr>
+            <a:spLocks noGrp="1"/>
+          </p:cNvSpPr>
+          <p:nvPr>
+            <p:ph type="body" idx="10" sz="quarter"/>
+          </p:nvPr>
+        </p:nvSpPr>
+        <p:spPr/>
+        <p:txBody>
+          <a:bodyPr/>
+          <a:lstStyle/>
+          <a:p>
+            <a:pPr algn="l"/>
+            <a:r>
+              <a:t>Support Transition</a:t>
+            </a:r>
+          </a:p>
+        </p:txBody>
+      </p:sp>
+      <p:sp>
+        <p:nvSpPr>
+          <p:cNvPr id="4" name="Text Placeholder 3"/>
+          <p:cNvSpPr>
+            <a:spLocks noGrp="1"/>
+          </p:cNvSpPr>
+          <p:nvPr>
+            <p:ph type="body" idx="16" sz="quarter"/>
+          </p:nvPr>
+        </p:nvSpPr>
+        <p:spPr/>
+        <p:txBody>
+          <a:bodyPr/>
+          <a:lstStyle/>
+          <a:p>
+            <a:pPr/>
+            <a:r>
+              <a:rPr b="1"/>
+              <a:t>Hypercare Complete (30 days)</a:t>
+            </a:r>
+          </a:p>
+          <a:p>
+            <a:pPr lvl="1"/>
+            <a:r>
+              <a:t>Daily monitoring calls complete</a:t>
+            </a:r>
+          </a:p>
+          <a:p>
+            <a:pPr lvl="1"/>
+            <a:r>
+              <a:t>3 P3 issues identified/resolved</a:t>
+            </a:r>
+          </a:p>
+          <a:p>
+            <a:pPr lvl="1"/>
+            <a:r>
+              <a:t>All runbooks validated</a:t>
+            </a:r>
+          </a:p>
+          <a:p>
+            <a:pPr lvl="1"/>
+            <a:r>
+              <a:t>Team fully trained</a:t>
+            </a:r>
+          </a:p>
+          <a:p>
+            <a:pPr lvl="1"/>
+            <a:r>
+              <a:t>Performance baselines met</a:t>
+            </a:r>
+          </a:p>
+          <a:p>
+            <a:pPr/>
+            <a:r>
+              <a:rPr b="1"/>
+              <a:t>Steady State Support</a:t>
+            </a:r>
+          </a:p>
+          <a:p>
+            <a:pPr lvl="1"/>
+            <a:r>
+              <a:t>CloudWatch monitoring active</a:t>
+            </a:r>
+          </a:p>
+          <a:p>
+            <a:pPr lvl="1"/>
+            <a:r>
+              <a:t>Weekly cost reviews scheduled</a:t>
+            </a:r>
+          </a:p>
+          <a:p>
+            <a:pPr lvl="1"/>
+            <a:r>
+              <a:t>Monthly architecture reviews</a:t>
+            </a:r>
+          </a:p>
+          <a:p>
+            <a:pPr lvl="1"/>
+            <a:r>
+              <a:t>Quarterly security assessments</a:t>
+            </a:r>
+          </a:p>
+          <a:p>
+            <a:pPr lvl="1"/>
+            <a:r>
+              <a:t>Annual well-architected review</a:t>
+            </a:r>
+          </a:p>
+        </p:txBody>
+      </p:sp>
+      <p:sp>
+        <p:nvSpPr>
+          <p:cNvPr id="5" name="Text Placeholder 4"/>
+          <p:cNvSpPr>
+            <a:spLocks noGrp="1"/>
+          </p:cNvSpPr>
+          <p:nvPr>
+            <p:ph type="body" idx="17" sz="quarter"/>
+          </p:nvPr>
+        </p:nvSpPr>
+        <p:spPr/>
+        <p:txBody>
+          <a:bodyPr/>
+          <a:lstStyle/>
+          <a:p>
+            <a:pPr/>
+            <a:r>
+              <a:rPr b="1"/>
+              <a:t>Escalation Path</a:t>
+            </a:r>
+          </a:p>
+          <a:p>
+            <a:pPr lvl="1"/>
+            <a:r>
+              <a:t>L1: Internal IT Help Desk</a:t>
+            </a:r>
+          </a:p>
+          <a:p>
+            <a:pPr lvl="1"/>
+            <a:r>
+              <a:t>L2: Cloud Operations Team</a:t>
+            </a:r>
+          </a:p>
+          <a:p>
+            <a:pPr lvl="1"/>
+            <a:r>
+              <a:t>L3: AWS Enterprise Support</a:t>
+            </a:r>
+          </a:p>
+          <a:p>
+            <a:pPr lvl="1"/>
+            <a:r>
+              <a:t>P1: On-call rotation active</a:t>
+            </a:r>
+          </a:p>
+          <a:p>
+            <a:pPr lvl="1"/>
+            <a:r>
+              <a:t>Executive: Account Manager</a:t>
+            </a:r>
+          </a:p>
+        </p:txBody>
+      </p:sp>
+      <p:sp>
+        <p:nvSpPr>
+          <p:cNvPr id="6" name="Text Placeholder 5"/>
+          <p:cNvSpPr>
+            <a:spLocks noGrp="1"/>
+          </p:cNvSpPr>
+          <p:nvPr>
+            <p:ph type="body" idx="15" sz="quarter"/>
+          </p:nvPr>
+        </p:nvSpPr>
+        <p:spPr/>
+        <p:txBody>
+          <a:bodyPr/>
+          <a:lstStyle/>
+          <a:p>
+            <a:pPr algn="r">
+              <a:buNone/>
+            </a:pPr>
+            <a:r>
+              <a:rPr sz="1100">
+                <a:solidFill>
+                  <a:srgbClr val="CC0000"/>
+                </a:solidFill>
+              </a:rPr>
+              <a:t>AWS On-Premise to Cloud Migration</a:t>
+            </a:r>
+          </a:p>
+        </p:txBody>
+      </p:sp>
+      <p:pic>
+        <p:nvPicPr>
+          <p:cNvPr id="7" name="Picture 6" descr="consulting_company_logo.png"/>
+          <p:cNvPicPr>
+            <a:picLocks noChangeAspect="1"/>
+          </p:cNvPicPr>
+          <p:nvPr/>
+        </p:nvPicPr>
+        <p:blipFill>
+          <a:blip r:embed="rId3"/>
+          <a:stretch>
+            <a:fillRect/>
+          </a:stretch>
+        </p:blipFill>
+        <p:spPr>
+          <a:xfrm>
+            <a:off x="313592" y="4536078"/>
+            <a:ext cx="2121877" cy="529698"/>
+          </a:xfrm>
+          <a:prstGeom prst="rect">
+            <a:avLst/>
+          </a:prstGeom>
+        </p:spPr>
+      </p:pic>
+    </p:spTree>
+  </p:cSld>
+  <p:clrMapOvr>
+    <a:masterClrMapping/>
+  </p:clrMapOvr>
+</p:sld>
+</file>
+
+<file path=ppt/slides/slide9.xml><?xml version="1.0" encoding="utf-8"?>
+<p:sld xmlns:a="http://schemas.openxmlformats.org/drawingml/2006/main" xmlns:p="http://schemas.openxmlformats.org/presentationml/2006/main" xmlns:r="http://schemas.openxmlformats.org/officeDocument/2006/relationships">
+  <p:cSld>
+    <p:spTree>
+      <p:nvGrpSpPr>
+        <p:cNvPr id="1" name=""/>
+        <p:cNvGrpSpPr/>
+        <p:nvPr/>
+      </p:nvGrpSpPr>
+      <p:grpSpPr/>
+      <p:sp>
+        <p:nvSpPr>
+          <p:cNvPr id="3" name="Text Placeholder 2"/>
+          <p:cNvSpPr>
+            <a:spLocks noGrp="1"/>
+          </p:cNvSpPr>
+          <p:nvPr>
+            <p:ph type="body" idx="10" sz="quarter"/>
+          </p:nvPr>
+        </p:nvSpPr>
+        <p:spPr/>
+        <p:txBody>
+          <a:bodyPr/>
+          <a:lstStyle/>
+          <a:p>
+            <a:pPr algn="l"/>
+            <a:r>
+              <a:t>Acknowledgments &amp; Next Steps</a:t>
+            </a:r>
+          </a:p>
+        </p:txBody>
+      </p:sp>
+      <p:sp>
+        <p:nvSpPr>
+          <p:cNvPr id="4" name="Text Placeholder 3"/>
+          <p:cNvSpPr>
+            <a:spLocks noGrp="1"/>
+          </p:cNvSpPr>
+          <p:nvPr>
+            <p:ph type="body" idx="14" sz="quarter"/>
+          </p:nvPr>
+        </p:nvSpPr>
+        <p:spPr/>
+        <p:txBody>
+          <a:bodyPr/>
+          <a:lstStyle/>
+          <a:p>
+            <a:pPr/>
+            <a:r>
+              <a:rPr b="1"/>
+              <a:t>Client Team:</a:t>
+            </a:r>
+            <a:r>
+              <a:t> Executive sponsor, IT leadership, business stakeholders, operations team</a:t>
+            </a:r>
+          </a:p>
+          <a:p>
+            <a:pPr/>
+            <a:r>
+              <a:rPr b="1"/>
+              <a:t>Vendor Team:</a:t>
+            </a:r>
+            <a:r>
+              <a:t> Project manager, solutions architect, migration engineers, support team</a:t>
+            </a:r>
+          </a:p>
+          <a:p>
+            <a:pPr/>
+            <a:r>
+              <a:rPr b="1"/>
+              <a:t>Special Recognition:</a:t>
+            </a:r>
+            <a:r>
+              <a:t> Cloud Operations team for exceptional adoption and training engagement</a:t>
+            </a:r>
+          </a:p>
+          <a:p>
+            <a:pPr/>
+            <a:r>
+              <a:rPr b="1"/>
+              <a:t>This Week:</a:t>
+            </a:r>
+            <a:r>
+              <a:t> Complete documentation handover and archive project files</a:t>
+            </a:r>
+          </a:p>
+          <a:p>
+            <a:pPr/>
+            <a:r>
+              <a:rPr b="1"/>
+              <a:t>Next 30 Days:</a:t>
+            </a:r>
+            <a:r>
+              <a:t> First monthly architecture review, implement Reserved Instances</a:t>
+            </a:r>
+          </a:p>
+          <a:p>
+            <a:pPr/>
+            <a:r>
+              <a:rPr b="1"/>
+              <a:t>Next Quarter:</a:t>
+            </a:r>
+            <a:r>
+              <a:t> Evaluate containerization for new applications, expand cloud-native skills</a:t>
+            </a:r>
+          </a:p>
+        </p:txBody>
+      </p:sp>
+      <p:sp>
+        <p:nvSpPr>
+          <p:cNvPr id="5" name="Text Placeholder 4"/>
+          <p:cNvSpPr>
+            <a:spLocks noGrp="1"/>
+          </p:cNvSpPr>
+          <p:nvPr>
+            <p:ph type="body" idx="15" sz="quarter"/>
+          </p:nvPr>
+        </p:nvSpPr>
+        <p:spPr/>
+        <p:txBody>
+          <a:bodyPr/>
+          <a:lstStyle/>
+          <a:p>
+            <a:pPr algn="r">
+              <a:buNone/>
+            </a:pPr>
+            <a:r>
+              <a:rPr sz="1100">
+                <a:solidFill>
+                  <a:srgbClr val="CC0000"/>
+                </a:solidFill>
+              </a:rPr>
+              <a:t>AWS On-Premise to Cloud Migration</a:t>
+            </a:r>
+          </a:p>
+        </p:txBody>
+      </p:sp>
+      <p:pic>
+        <p:nvPicPr>
+          <p:cNvPr id="6" name="Picture 5" descr="consulting_company_logo.png"/>
+          <p:cNvPicPr>
+            <a:picLocks noChangeAspect="1"/>
+          </p:cNvPicPr>
+          <p:nvPr/>
+        </p:nvPicPr>
+        <p:blipFill>
+          <a:blip r:embed="rId3"/>
+          <a:stretch>
+            <a:fillRect/>
+          </a:stretch>
+        </p:blipFill>
+        <p:spPr>
+          <a:xfrm>
+            <a:off x="313593" y="4536078"/>
+            <a:ext cx="2143858" cy="529698"/>
+          </a:xfrm>
+          <a:prstGeom prst="rect">
+            <a:avLst/>
+          </a:prstGeom>
+        </p:spPr>
+      </p:pic>
     </p:spTree>
   </p:cSld>
   <p:clrMapOvr>
